--- a/AD 프로젝트 발표자료_20203090 신민경.pptx
+++ b/AD 프로젝트 발표자료_20203090 신민경.pptx
@@ -1,6 +1,6 @@
 
 <file path=ppt/presentation.xml><?xml version="1.0" encoding="utf-8"?>
-<p:presentation xmlns:a="http://schemas.openxmlformats.org/drawingml/2006/main" xmlns:r="http://schemas.openxmlformats.org/officeDocument/2006/relationships" xmlns:p="http://schemas.openxmlformats.org/presentationml/2006/main" saveSubsetFonts="1">
+<p:presentation xmlns:a="http://schemas.openxmlformats.org/drawingml/2006/main" xmlns:r="http://schemas.openxmlformats.org/officeDocument/2006/relationships" xmlns:p="http://schemas.openxmlformats.org/presentationml/2006/main" embedTrueTypeFonts="1" saveSubsetFonts="1">
   <p:sldMasterIdLst>
     <p:sldMasterId id="2147483648" r:id="rId1"/>
   </p:sldMasterIdLst>
@@ -15,6 +15,37 @@
   </p:sldIdLst>
   <p:sldSz cx="12192000" cy="6858000"/>
   <p:notesSz cx="6858000" cy="9144000"/>
+  <p:embeddedFontLst>
+    <p:embeddedFont>
+      <p:font typeface="나눔스퀘어" panose="020B0600000101010101" pitchFamily="50" charset="-127"/>
+      <p:regular r:id="rId9"/>
+    </p:embeddedFont>
+    <p:embeddedFont>
+      <p:font typeface="나눔스퀘어라운드 Bold" panose="020B0600000101010101" pitchFamily="50" charset="-127"/>
+      <p:bold r:id="rId10"/>
+    </p:embeddedFont>
+    <p:embeddedFont>
+      <p:font typeface="a옛날사진관4" panose="02020600000000000000" pitchFamily="18" charset="-127"/>
+      <p:regular r:id="rId11"/>
+    </p:embeddedFont>
+    <p:embeddedFont>
+      <p:font typeface="맑은 고딕" panose="020B0503020000020004" pitchFamily="50" charset="-127"/>
+      <p:regular r:id="rId12"/>
+      <p:bold r:id="rId13"/>
+    </p:embeddedFont>
+    <p:embeddedFont>
+      <p:font typeface="a옛날사진관2" panose="02020600000000000000" pitchFamily="18" charset="-127"/>
+      <p:regular r:id="rId14"/>
+    </p:embeddedFont>
+    <p:embeddedFont>
+      <p:font typeface="a옛날사진관5" panose="02020600000000000000" pitchFamily="18" charset="-127"/>
+      <p:regular r:id="rId15"/>
+    </p:embeddedFont>
+    <p:embeddedFont>
+      <p:font typeface="a옛날사진관3" panose="02020600000000000000" pitchFamily="18" charset="-127"/>
+      <p:regular r:id="rId16"/>
+    </p:embeddedFont>
+  </p:embeddedFontLst>
   <p:defaultTextStyle>
     <a:defPPr>
       <a:defRPr lang="ko-KR"/>
@@ -135,7 +166,7 @@
           <p:cNvPr id="2" name="제목 1">
             <a:extLst>
               <a:ext uri="{FF2B5EF4-FFF2-40B4-BE49-F238E27FC236}">
-                <a16:creationId xmlns:a16="http://schemas.microsoft.com/office/drawing/2014/main" id="{2C1CD2A5-8640-435C-B9B2-555402054E9A}"/>
+                <a16:creationId xmlns:a16="http://schemas.microsoft.com/office/drawing/2014/main" xmlns="" id="{2C1CD2A5-8640-435C-B9B2-555402054E9A}"/>
               </a:ext>
             </a:extLst>
           </p:cNvPr>
@@ -172,7 +203,7 @@
           <p:cNvPr id="3" name="부제목 2">
             <a:extLst>
               <a:ext uri="{FF2B5EF4-FFF2-40B4-BE49-F238E27FC236}">
-                <a16:creationId xmlns:a16="http://schemas.microsoft.com/office/drawing/2014/main" id="{7C832903-F59A-42C3-9B2B-72A3B0C3C1C2}"/>
+                <a16:creationId xmlns:a16="http://schemas.microsoft.com/office/drawing/2014/main" xmlns="" id="{7C832903-F59A-42C3-9B2B-72A3B0C3C1C2}"/>
               </a:ext>
             </a:extLst>
           </p:cNvPr>
@@ -242,7 +273,7 @@
           <p:cNvPr id="4" name="날짜 개체 틀 3">
             <a:extLst>
               <a:ext uri="{FF2B5EF4-FFF2-40B4-BE49-F238E27FC236}">
-                <a16:creationId xmlns:a16="http://schemas.microsoft.com/office/drawing/2014/main" id="{174B13B8-335A-4590-B23B-E3CDCF475812}"/>
+                <a16:creationId xmlns:a16="http://schemas.microsoft.com/office/drawing/2014/main" xmlns="" id="{174B13B8-335A-4590-B23B-E3CDCF475812}"/>
               </a:ext>
             </a:extLst>
           </p:cNvPr>
@@ -271,7 +302,7 @@
           <p:cNvPr id="5" name="바닥글 개체 틀 4">
             <a:extLst>
               <a:ext uri="{FF2B5EF4-FFF2-40B4-BE49-F238E27FC236}">
-                <a16:creationId xmlns:a16="http://schemas.microsoft.com/office/drawing/2014/main" id="{5CB21809-74C3-407B-8CC3-F693DD690F6B}"/>
+                <a16:creationId xmlns:a16="http://schemas.microsoft.com/office/drawing/2014/main" xmlns="" id="{5CB21809-74C3-407B-8CC3-F693DD690F6B}"/>
               </a:ext>
             </a:extLst>
           </p:cNvPr>
@@ -296,7 +327,7 @@
           <p:cNvPr id="6" name="슬라이드 번호 개체 틀 5">
             <a:extLst>
               <a:ext uri="{FF2B5EF4-FFF2-40B4-BE49-F238E27FC236}">
-                <a16:creationId xmlns:a16="http://schemas.microsoft.com/office/drawing/2014/main" id="{2EAADCF3-DC9C-403B-A760-D144C6EB6379}"/>
+                <a16:creationId xmlns:a16="http://schemas.microsoft.com/office/drawing/2014/main" xmlns="" id="{2EAADCF3-DC9C-403B-A760-D144C6EB6379}"/>
               </a:ext>
             </a:extLst>
           </p:cNvPr>
@@ -355,7 +386,7 @@
           <p:cNvPr id="2" name="제목 1">
             <a:extLst>
               <a:ext uri="{FF2B5EF4-FFF2-40B4-BE49-F238E27FC236}">
-                <a16:creationId xmlns:a16="http://schemas.microsoft.com/office/drawing/2014/main" id="{FF016065-E792-4BBA-B14C-DD608EF8AE71}"/>
+                <a16:creationId xmlns:a16="http://schemas.microsoft.com/office/drawing/2014/main" xmlns="" id="{FF016065-E792-4BBA-B14C-DD608EF8AE71}"/>
               </a:ext>
             </a:extLst>
           </p:cNvPr>
@@ -383,7 +414,7 @@
           <p:cNvPr id="3" name="세로 텍스트 개체 틀 2">
             <a:extLst>
               <a:ext uri="{FF2B5EF4-FFF2-40B4-BE49-F238E27FC236}">
-                <a16:creationId xmlns:a16="http://schemas.microsoft.com/office/drawing/2014/main" id="{C301EBB6-305E-41A9-9FDA-8E5213CAA571}"/>
+                <a16:creationId xmlns:a16="http://schemas.microsoft.com/office/drawing/2014/main" xmlns="" id="{C301EBB6-305E-41A9-9FDA-8E5213CAA571}"/>
               </a:ext>
             </a:extLst>
           </p:cNvPr>
@@ -440,7 +471,7 @@
           <p:cNvPr id="4" name="날짜 개체 틀 3">
             <a:extLst>
               <a:ext uri="{FF2B5EF4-FFF2-40B4-BE49-F238E27FC236}">
-                <a16:creationId xmlns:a16="http://schemas.microsoft.com/office/drawing/2014/main" id="{A00F59C3-3D8E-46D0-8961-8B1EB0F229C8}"/>
+                <a16:creationId xmlns:a16="http://schemas.microsoft.com/office/drawing/2014/main" xmlns="" id="{A00F59C3-3D8E-46D0-8961-8B1EB0F229C8}"/>
               </a:ext>
             </a:extLst>
           </p:cNvPr>
@@ -469,7 +500,7 @@
           <p:cNvPr id="5" name="바닥글 개체 틀 4">
             <a:extLst>
               <a:ext uri="{FF2B5EF4-FFF2-40B4-BE49-F238E27FC236}">
-                <a16:creationId xmlns:a16="http://schemas.microsoft.com/office/drawing/2014/main" id="{94C0E562-C661-4D60-AAE4-04AF36CC928D}"/>
+                <a16:creationId xmlns:a16="http://schemas.microsoft.com/office/drawing/2014/main" xmlns="" id="{94C0E562-C661-4D60-AAE4-04AF36CC928D}"/>
               </a:ext>
             </a:extLst>
           </p:cNvPr>
@@ -494,7 +525,7 @@
           <p:cNvPr id="6" name="슬라이드 번호 개체 틀 5">
             <a:extLst>
               <a:ext uri="{FF2B5EF4-FFF2-40B4-BE49-F238E27FC236}">
-                <a16:creationId xmlns:a16="http://schemas.microsoft.com/office/drawing/2014/main" id="{889A8879-F5E5-4320-BB83-01964100E2D7}"/>
+                <a16:creationId xmlns:a16="http://schemas.microsoft.com/office/drawing/2014/main" xmlns="" id="{889A8879-F5E5-4320-BB83-01964100E2D7}"/>
               </a:ext>
             </a:extLst>
           </p:cNvPr>
@@ -553,7 +584,7 @@
           <p:cNvPr id="2" name="세로 제목 1">
             <a:extLst>
               <a:ext uri="{FF2B5EF4-FFF2-40B4-BE49-F238E27FC236}">
-                <a16:creationId xmlns:a16="http://schemas.microsoft.com/office/drawing/2014/main" id="{3F2ECF68-2BAC-451A-ACB6-2F2CC4BEE525}"/>
+                <a16:creationId xmlns:a16="http://schemas.microsoft.com/office/drawing/2014/main" xmlns="" id="{3F2ECF68-2BAC-451A-ACB6-2F2CC4BEE525}"/>
               </a:ext>
             </a:extLst>
           </p:cNvPr>
@@ -586,7 +617,7 @@
           <p:cNvPr id="3" name="세로 텍스트 개체 틀 2">
             <a:extLst>
               <a:ext uri="{FF2B5EF4-FFF2-40B4-BE49-F238E27FC236}">
-                <a16:creationId xmlns:a16="http://schemas.microsoft.com/office/drawing/2014/main" id="{3E707FBE-59A3-4BDD-B9A8-4C659A89F392}"/>
+                <a16:creationId xmlns:a16="http://schemas.microsoft.com/office/drawing/2014/main" xmlns="" id="{3E707FBE-59A3-4BDD-B9A8-4C659A89F392}"/>
               </a:ext>
             </a:extLst>
           </p:cNvPr>
@@ -648,7 +679,7 @@
           <p:cNvPr id="4" name="날짜 개체 틀 3">
             <a:extLst>
               <a:ext uri="{FF2B5EF4-FFF2-40B4-BE49-F238E27FC236}">
-                <a16:creationId xmlns:a16="http://schemas.microsoft.com/office/drawing/2014/main" id="{F1D013D8-C1C5-4DA0-AEF7-0FD2E25EFC90}"/>
+                <a16:creationId xmlns:a16="http://schemas.microsoft.com/office/drawing/2014/main" xmlns="" id="{F1D013D8-C1C5-4DA0-AEF7-0FD2E25EFC90}"/>
               </a:ext>
             </a:extLst>
           </p:cNvPr>
@@ -677,7 +708,7 @@
           <p:cNvPr id="5" name="바닥글 개체 틀 4">
             <a:extLst>
               <a:ext uri="{FF2B5EF4-FFF2-40B4-BE49-F238E27FC236}">
-                <a16:creationId xmlns:a16="http://schemas.microsoft.com/office/drawing/2014/main" id="{14669746-EC55-4B19-9144-593528965925}"/>
+                <a16:creationId xmlns:a16="http://schemas.microsoft.com/office/drawing/2014/main" xmlns="" id="{14669746-EC55-4B19-9144-593528965925}"/>
               </a:ext>
             </a:extLst>
           </p:cNvPr>
@@ -702,7 +733,7 @@
           <p:cNvPr id="6" name="슬라이드 번호 개체 틀 5">
             <a:extLst>
               <a:ext uri="{FF2B5EF4-FFF2-40B4-BE49-F238E27FC236}">
-                <a16:creationId xmlns:a16="http://schemas.microsoft.com/office/drawing/2014/main" id="{7CB4D3AE-724B-4C08-95C7-684B45FCEFE6}"/>
+                <a16:creationId xmlns:a16="http://schemas.microsoft.com/office/drawing/2014/main" xmlns="" id="{7CB4D3AE-724B-4C08-95C7-684B45FCEFE6}"/>
               </a:ext>
             </a:extLst>
           </p:cNvPr>
@@ -761,7 +792,7 @@
           <p:cNvPr id="2" name="제목 1">
             <a:extLst>
               <a:ext uri="{FF2B5EF4-FFF2-40B4-BE49-F238E27FC236}">
-                <a16:creationId xmlns:a16="http://schemas.microsoft.com/office/drawing/2014/main" id="{B3A504A5-108D-4A25-9FF3-1A4624895B8D}"/>
+                <a16:creationId xmlns:a16="http://schemas.microsoft.com/office/drawing/2014/main" xmlns="" id="{B3A504A5-108D-4A25-9FF3-1A4624895B8D}"/>
               </a:ext>
             </a:extLst>
           </p:cNvPr>
@@ -789,7 +820,7 @@
           <p:cNvPr id="3" name="내용 개체 틀 2">
             <a:extLst>
               <a:ext uri="{FF2B5EF4-FFF2-40B4-BE49-F238E27FC236}">
-                <a16:creationId xmlns:a16="http://schemas.microsoft.com/office/drawing/2014/main" id="{039F4BC9-9E3B-4C89-8440-70C46B7385B5}"/>
+                <a16:creationId xmlns:a16="http://schemas.microsoft.com/office/drawing/2014/main" xmlns="" id="{039F4BC9-9E3B-4C89-8440-70C46B7385B5}"/>
               </a:ext>
             </a:extLst>
           </p:cNvPr>
@@ -846,7 +877,7 @@
           <p:cNvPr id="4" name="날짜 개체 틀 3">
             <a:extLst>
               <a:ext uri="{FF2B5EF4-FFF2-40B4-BE49-F238E27FC236}">
-                <a16:creationId xmlns:a16="http://schemas.microsoft.com/office/drawing/2014/main" id="{DF1CD081-AD86-4521-A8FA-89BBF53B705F}"/>
+                <a16:creationId xmlns:a16="http://schemas.microsoft.com/office/drawing/2014/main" xmlns="" id="{DF1CD081-AD86-4521-A8FA-89BBF53B705F}"/>
               </a:ext>
             </a:extLst>
           </p:cNvPr>
@@ -875,7 +906,7 @@
           <p:cNvPr id="5" name="바닥글 개체 틀 4">
             <a:extLst>
               <a:ext uri="{FF2B5EF4-FFF2-40B4-BE49-F238E27FC236}">
-                <a16:creationId xmlns:a16="http://schemas.microsoft.com/office/drawing/2014/main" id="{1B931048-3E72-4547-B4E0-01CE0465EC1E}"/>
+                <a16:creationId xmlns:a16="http://schemas.microsoft.com/office/drawing/2014/main" xmlns="" id="{1B931048-3E72-4547-B4E0-01CE0465EC1E}"/>
               </a:ext>
             </a:extLst>
           </p:cNvPr>
@@ -900,7 +931,7 @@
           <p:cNvPr id="6" name="슬라이드 번호 개체 틀 5">
             <a:extLst>
               <a:ext uri="{FF2B5EF4-FFF2-40B4-BE49-F238E27FC236}">
-                <a16:creationId xmlns:a16="http://schemas.microsoft.com/office/drawing/2014/main" id="{EC6D6044-7174-416E-84F4-1CDFA3AF4119}"/>
+                <a16:creationId xmlns:a16="http://schemas.microsoft.com/office/drawing/2014/main" xmlns="" id="{EC6D6044-7174-416E-84F4-1CDFA3AF4119}"/>
               </a:ext>
             </a:extLst>
           </p:cNvPr>
@@ -959,7 +990,7 @@
           <p:cNvPr id="2" name="제목 1">
             <a:extLst>
               <a:ext uri="{FF2B5EF4-FFF2-40B4-BE49-F238E27FC236}">
-                <a16:creationId xmlns:a16="http://schemas.microsoft.com/office/drawing/2014/main" id="{B2A81EE9-89E0-418F-BFAE-DA3A43085D9F}"/>
+                <a16:creationId xmlns:a16="http://schemas.microsoft.com/office/drawing/2014/main" xmlns="" id="{B2A81EE9-89E0-418F-BFAE-DA3A43085D9F}"/>
               </a:ext>
             </a:extLst>
           </p:cNvPr>
@@ -996,7 +1027,7 @@
           <p:cNvPr id="3" name="텍스트 개체 틀 2">
             <a:extLst>
               <a:ext uri="{FF2B5EF4-FFF2-40B4-BE49-F238E27FC236}">
-                <a16:creationId xmlns:a16="http://schemas.microsoft.com/office/drawing/2014/main" id="{02146D16-0A9E-4CBC-B0C7-6FA512102CEC}"/>
+                <a16:creationId xmlns:a16="http://schemas.microsoft.com/office/drawing/2014/main" xmlns="" id="{02146D16-0A9E-4CBC-B0C7-6FA512102CEC}"/>
               </a:ext>
             </a:extLst>
           </p:cNvPr>
@@ -1121,7 +1152,7 @@
           <p:cNvPr id="4" name="날짜 개체 틀 3">
             <a:extLst>
               <a:ext uri="{FF2B5EF4-FFF2-40B4-BE49-F238E27FC236}">
-                <a16:creationId xmlns:a16="http://schemas.microsoft.com/office/drawing/2014/main" id="{7A471684-1692-4B51-B048-35EEC7EEA3A5}"/>
+                <a16:creationId xmlns:a16="http://schemas.microsoft.com/office/drawing/2014/main" xmlns="" id="{7A471684-1692-4B51-B048-35EEC7EEA3A5}"/>
               </a:ext>
             </a:extLst>
           </p:cNvPr>
@@ -1150,7 +1181,7 @@
           <p:cNvPr id="5" name="바닥글 개체 틀 4">
             <a:extLst>
               <a:ext uri="{FF2B5EF4-FFF2-40B4-BE49-F238E27FC236}">
-                <a16:creationId xmlns:a16="http://schemas.microsoft.com/office/drawing/2014/main" id="{315248D9-5700-4D27-9332-A6C5E1143CC7}"/>
+                <a16:creationId xmlns:a16="http://schemas.microsoft.com/office/drawing/2014/main" xmlns="" id="{315248D9-5700-4D27-9332-A6C5E1143CC7}"/>
               </a:ext>
             </a:extLst>
           </p:cNvPr>
@@ -1175,7 +1206,7 @@
           <p:cNvPr id="6" name="슬라이드 번호 개체 틀 5">
             <a:extLst>
               <a:ext uri="{FF2B5EF4-FFF2-40B4-BE49-F238E27FC236}">
-                <a16:creationId xmlns:a16="http://schemas.microsoft.com/office/drawing/2014/main" id="{C7644652-E0F5-4B3A-855A-86213EF77D60}"/>
+                <a16:creationId xmlns:a16="http://schemas.microsoft.com/office/drawing/2014/main" xmlns="" id="{C7644652-E0F5-4B3A-855A-86213EF77D60}"/>
               </a:ext>
             </a:extLst>
           </p:cNvPr>
@@ -1234,7 +1265,7 @@
           <p:cNvPr id="2" name="제목 1">
             <a:extLst>
               <a:ext uri="{FF2B5EF4-FFF2-40B4-BE49-F238E27FC236}">
-                <a16:creationId xmlns:a16="http://schemas.microsoft.com/office/drawing/2014/main" id="{9E761318-3CA4-4AD0-A370-75EC8A0A4ECE}"/>
+                <a16:creationId xmlns:a16="http://schemas.microsoft.com/office/drawing/2014/main" xmlns="" id="{9E761318-3CA4-4AD0-A370-75EC8A0A4ECE}"/>
               </a:ext>
             </a:extLst>
           </p:cNvPr>
@@ -1262,7 +1293,7 @@
           <p:cNvPr id="3" name="내용 개체 틀 2">
             <a:extLst>
               <a:ext uri="{FF2B5EF4-FFF2-40B4-BE49-F238E27FC236}">
-                <a16:creationId xmlns:a16="http://schemas.microsoft.com/office/drawing/2014/main" id="{EC14AA7C-1BFC-4749-AAC1-2F7876DF6223}"/>
+                <a16:creationId xmlns:a16="http://schemas.microsoft.com/office/drawing/2014/main" xmlns="" id="{EC14AA7C-1BFC-4749-AAC1-2F7876DF6223}"/>
               </a:ext>
             </a:extLst>
           </p:cNvPr>
@@ -1324,7 +1355,7 @@
           <p:cNvPr id="4" name="내용 개체 틀 3">
             <a:extLst>
               <a:ext uri="{FF2B5EF4-FFF2-40B4-BE49-F238E27FC236}">
-                <a16:creationId xmlns:a16="http://schemas.microsoft.com/office/drawing/2014/main" id="{B6985218-C04A-4420-8064-A1B317EA8B73}"/>
+                <a16:creationId xmlns:a16="http://schemas.microsoft.com/office/drawing/2014/main" xmlns="" id="{B6985218-C04A-4420-8064-A1B317EA8B73}"/>
               </a:ext>
             </a:extLst>
           </p:cNvPr>
@@ -1386,7 +1417,7 @@
           <p:cNvPr id="5" name="날짜 개체 틀 4">
             <a:extLst>
               <a:ext uri="{FF2B5EF4-FFF2-40B4-BE49-F238E27FC236}">
-                <a16:creationId xmlns:a16="http://schemas.microsoft.com/office/drawing/2014/main" id="{E4AA5B72-01E9-47A1-88AA-D7E7831F97FA}"/>
+                <a16:creationId xmlns:a16="http://schemas.microsoft.com/office/drawing/2014/main" xmlns="" id="{E4AA5B72-01E9-47A1-88AA-D7E7831F97FA}"/>
               </a:ext>
             </a:extLst>
           </p:cNvPr>
@@ -1415,7 +1446,7 @@
           <p:cNvPr id="6" name="바닥글 개체 틀 5">
             <a:extLst>
               <a:ext uri="{FF2B5EF4-FFF2-40B4-BE49-F238E27FC236}">
-                <a16:creationId xmlns:a16="http://schemas.microsoft.com/office/drawing/2014/main" id="{2D9D3EA9-CDAC-4AD5-B71E-A5BCE06BB6C9}"/>
+                <a16:creationId xmlns:a16="http://schemas.microsoft.com/office/drawing/2014/main" xmlns="" id="{2D9D3EA9-CDAC-4AD5-B71E-A5BCE06BB6C9}"/>
               </a:ext>
             </a:extLst>
           </p:cNvPr>
@@ -1440,7 +1471,7 @@
           <p:cNvPr id="7" name="슬라이드 번호 개체 틀 6">
             <a:extLst>
               <a:ext uri="{FF2B5EF4-FFF2-40B4-BE49-F238E27FC236}">
-                <a16:creationId xmlns:a16="http://schemas.microsoft.com/office/drawing/2014/main" id="{A59A37D9-4C7C-4D90-BD32-B295B57367CB}"/>
+                <a16:creationId xmlns:a16="http://schemas.microsoft.com/office/drawing/2014/main" xmlns="" id="{A59A37D9-4C7C-4D90-BD32-B295B57367CB}"/>
               </a:ext>
             </a:extLst>
           </p:cNvPr>
@@ -1499,7 +1530,7 @@
           <p:cNvPr id="2" name="제목 1">
             <a:extLst>
               <a:ext uri="{FF2B5EF4-FFF2-40B4-BE49-F238E27FC236}">
-                <a16:creationId xmlns:a16="http://schemas.microsoft.com/office/drawing/2014/main" id="{C5A57EE9-87EA-4246-8521-EB2745E42CCC}"/>
+                <a16:creationId xmlns:a16="http://schemas.microsoft.com/office/drawing/2014/main" xmlns="" id="{C5A57EE9-87EA-4246-8521-EB2745E42CCC}"/>
               </a:ext>
             </a:extLst>
           </p:cNvPr>
@@ -1532,7 +1563,7 @@
           <p:cNvPr id="3" name="텍스트 개체 틀 2">
             <a:extLst>
               <a:ext uri="{FF2B5EF4-FFF2-40B4-BE49-F238E27FC236}">
-                <a16:creationId xmlns:a16="http://schemas.microsoft.com/office/drawing/2014/main" id="{BA0C0CCB-6AA4-40DE-B160-A165FD926234}"/>
+                <a16:creationId xmlns:a16="http://schemas.microsoft.com/office/drawing/2014/main" xmlns="" id="{BA0C0CCB-6AA4-40DE-B160-A165FD926234}"/>
               </a:ext>
             </a:extLst>
           </p:cNvPr>
@@ -1603,7 +1634,7 @@
           <p:cNvPr id="4" name="내용 개체 틀 3">
             <a:extLst>
               <a:ext uri="{FF2B5EF4-FFF2-40B4-BE49-F238E27FC236}">
-                <a16:creationId xmlns:a16="http://schemas.microsoft.com/office/drawing/2014/main" id="{5B131ECC-0380-4FC6-A375-6EBA4717F886}"/>
+                <a16:creationId xmlns:a16="http://schemas.microsoft.com/office/drawing/2014/main" xmlns="" id="{5B131ECC-0380-4FC6-A375-6EBA4717F886}"/>
               </a:ext>
             </a:extLst>
           </p:cNvPr>
@@ -1665,7 +1696,7 @@
           <p:cNvPr id="5" name="텍스트 개체 틀 4">
             <a:extLst>
               <a:ext uri="{FF2B5EF4-FFF2-40B4-BE49-F238E27FC236}">
-                <a16:creationId xmlns:a16="http://schemas.microsoft.com/office/drawing/2014/main" id="{3D977F23-4FEB-4714-B042-3107BDD4E7C3}"/>
+                <a16:creationId xmlns:a16="http://schemas.microsoft.com/office/drawing/2014/main" xmlns="" id="{3D977F23-4FEB-4714-B042-3107BDD4E7C3}"/>
               </a:ext>
             </a:extLst>
           </p:cNvPr>
@@ -1736,7 +1767,7 @@
           <p:cNvPr id="6" name="내용 개체 틀 5">
             <a:extLst>
               <a:ext uri="{FF2B5EF4-FFF2-40B4-BE49-F238E27FC236}">
-                <a16:creationId xmlns:a16="http://schemas.microsoft.com/office/drawing/2014/main" id="{BFD50F0A-01EF-4D53-A9CE-72809D65B2DE}"/>
+                <a16:creationId xmlns:a16="http://schemas.microsoft.com/office/drawing/2014/main" xmlns="" id="{BFD50F0A-01EF-4D53-A9CE-72809D65B2DE}"/>
               </a:ext>
             </a:extLst>
           </p:cNvPr>
@@ -1798,7 +1829,7 @@
           <p:cNvPr id="7" name="날짜 개체 틀 6">
             <a:extLst>
               <a:ext uri="{FF2B5EF4-FFF2-40B4-BE49-F238E27FC236}">
-                <a16:creationId xmlns:a16="http://schemas.microsoft.com/office/drawing/2014/main" id="{90D9CDF6-6308-40F4-8D8D-EDF5D09C8CDC}"/>
+                <a16:creationId xmlns:a16="http://schemas.microsoft.com/office/drawing/2014/main" xmlns="" id="{90D9CDF6-6308-40F4-8D8D-EDF5D09C8CDC}"/>
               </a:ext>
             </a:extLst>
           </p:cNvPr>
@@ -1827,7 +1858,7 @@
           <p:cNvPr id="8" name="바닥글 개체 틀 7">
             <a:extLst>
               <a:ext uri="{FF2B5EF4-FFF2-40B4-BE49-F238E27FC236}">
-                <a16:creationId xmlns:a16="http://schemas.microsoft.com/office/drawing/2014/main" id="{270E8A5E-21A4-4B31-9F6A-7B302318FD95}"/>
+                <a16:creationId xmlns:a16="http://schemas.microsoft.com/office/drawing/2014/main" xmlns="" id="{270E8A5E-21A4-4B31-9F6A-7B302318FD95}"/>
               </a:ext>
             </a:extLst>
           </p:cNvPr>
@@ -1852,7 +1883,7 @@
           <p:cNvPr id="9" name="슬라이드 번호 개체 틀 8">
             <a:extLst>
               <a:ext uri="{FF2B5EF4-FFF2-40B4-BE49-F238E27FC236}">
-                <a16:creationId xmlns:a16="http://schemas.microsoft.com/office/drawing/2014/main" id="{73BBD117-FA63-4713-A0B8-9AF0150FBFD0}"/>
+                <a16:creationId xmlns:a16="http://schemas.microsoft.com/office/drawing/2014/main" xmlns="" id="{73BBD117-FA63-4713-A0B8-9AF0150FBFD0}"/>
               </a:ext>
             </a:extLst>
           </p:cNvPr>
@@ -1911,7 +1942,7 @@
           <p:cNvPr id="2" name="제목 1">
             <a:extLst>
               <a:ext uri="{FF2B5EF4-FFF2-40B4-BE49-F238E27FC236}">
-                <a16:creationId xmlns:a16="http://schemas.microsoft.com/office/drawing/2014/main" id="{CB77F49F-8499-4B44-AB82-F3F34C1B62E7}"/>
+                <a16:creationId xmlns:a16="http://schemas.microsoft.com/office/drawing/2014/main" xmlns="" id="{CB77F49F-8499-4B44-AB82-F3F34C1B62E7}"/>
               </a:ext>
             </a:extLst>
           </p:cNvPr>
@@ -1939,7 +1970,7 @@
           <p:cNvPr id="3" name="날짜 개체 틀 2">
             <a:extLst>
               <a:ext uri="{FF2B5EF4-FFF2-40B4-BE49-F238E27FC236}">
-                <a16:creationId xmlns:a16="http://schemas.microsoft.com/office/drawing/2014/main" id="{68472348-4384-4E28-AD82-A59EE751A674}"/>
+                <a16:creationId xmlns:a16="http://schemas.microsoft.com/office/drawing/2014/main" xmlns="" id="{68472348-4384-4E28-AD82-A59EE751A674}"/>
               </a:ext>
             </a:extLst>
           </p:cNvPr>
@@ -1968,7 +1999,7 @@
           <p:cNvPr id="4" name="바닥글 개체 틀 3">
             <a:extLst>
               <a:ext uri="{FF2B5EF4-FFF2-40B4-BE49-F238E27FC236}">
-                <a16:creationId xmlns:a16="http://schemas.microsoft.com/office/drawing/2014/main" id="{A1BE0A09-3C9A-4175-AC77-BCDB9AB09D33}"/>
+                <a16:creationId xmlns:a16="http://schemas.microsoft.com/office/drawing/2014/main" xmlns="" id="{A1BE0A09-3C9A-4175-AC77-BCDB9AB09D33}"/>
               </a:ext>
             </a:extLst>
           </p:cNvPr>
@@ -1993,7 +2024,7 @@
           <p:cNvPr id="5" name="슬라이드 번호 개체 틀 4">
             <a:extLst>
               <a:ext uri="{FF2B5EF4-FFF2-40B4-BE49-F238E27FC236}">
-                <a16:creationId xmlns:a16="http://schemas.microsoft.com/office/drawing/2014/main" id="{8EC1851A-A456-4DE3-9FFC-41370F19EBC3}"/>
+                <a16:creationId xmlns:a16="http://schemas.microsoft.com/office/drawing/2014/main" xmlns="" id="{8EC1851A-A456-4DE3-9FFC-41370F19EBC3}"/>
               </a:ext>
             </a:extLst>
           </p:cNvPr>
@@ -2052,7 +2083,7 @@
           <p:cNvPr id="2" name="날짜 개체 틀 1">
             <a:extLst>
               <a:ext uri="{FF2B5EF4-FFF2-40B4-BE49-F238E27FC236}">
-                <a16:creationId xmlns:a16="http://schemas.microsoft.com/office/drawing/2014/main" id="{1EDE5D8A-5B2B-42F5-B01A-C143D6610D43}"/>
+                <a16:creationId xmlns:a16="http://schemas.microsoft.com/office/drawing/2014/main" xmlns="" id="{1EDE5D8A-5B2B-42F5-B01A-C143D6610D43}"/>
               </a:ext>
             </a:extLst>
           </p:cNvPr>
@@ -2081,7 +2112,7 @@
           <p:cNvPr id="3" name="바닥글 개체 틀 2">
             <a:extLst>
               <a:ext uri="{FF2B5EF4-FFF2-40B4-BE49-F238E27FC236}">
-                <a16:creationId xmlns:a16="http://schemas.microsoft.com/office/drawing/2014/main" id="{B8E58D1F-4D4C-4494-91ED-D024C9CD11D8}"/>
+                <a16:creationId xmlns:a16="http://schemas.microsoft.com/office/drawing/2014/main" xmlns="" id="{B8E58D1F-4D4C-4494-91ED-D024C9CD11D8}"/>
               </a:ext>
             </a:extLst>
           </p:cNvPr>
@@ -2106,7 +2137,7 @@
           <p:cNvPr id="4" name="슬라이드 번호 개체 틀 3">
             <a:extLst>
               <a:ext uri="{FF2B5EF4-FFF2-40B4-BE49-F238E27FC236}">
-                <a16:creationId xmlns:a16="http://schemas.microsoft.com/office/drawing/2014/main" id="{EA11E903-4BBD-47F8-84BE-A3D6A4A82BD8}"/>
+                <a16:creationId xmlns:a16="http://schemas.microsoft.com/office/drawing/2014/main" xmlns="" id="{EA11E903-4BBD-47F8-84BE-A3D6A4A82BD8}"/>
               </a:ext>
             </a:extLst>
           </p:cNvPr>
@@ -2165,7 +2196,7 @@
           <p:cNvPr id="2" name="제목 1">
             <a:extLst>
               <a:ext uri="{FF2B5EF4-FFF2-40B4-BE49-F238E27FC236}">
-                <a16:creationId xmlns:a16="http://schemas.microsoft.com/office/drawing/2014/main" id="{08999A85-1F10-402B-8A17-D336C3048947}"/>
+                <a16:creationId xmlns:a16="http://schemas.microsoft.com/office/drawing/2014/main" xmlns="" id="{08999A85-1F10-402B-8A17-D336C3048947}"/>
               </a:ext>
             </a:extLst>
           </p:cNvPr>
@@ -2202,7 +2233,7 @@
           <p:cNvPr id="3" name="내용 개체 틀 2">
             <a:extLst>
               <a:ext uri="{FF2B5EF4-FFF2-40B4-BE49-F238E27FC236}">
-                <a16:creationId xmlns:a16="http://schemas.microsoft.com/office/drawing/2014/main" id="{1AE9FBE8-C656-4C49-BAFF-139527246E9E}"/>
+                <a16:creationId xmlns:a16="http://schemas.microsoft.com/office/drawing/2014/main" xmlns="" id="{1AE9FBE8-C656-4C49-BAFF-139527246E9E}"/>
               </a:ext>
             </a:extLst>
           </p:cNvPr>
@@ -2292,7 +2323,7 @@
           <p:cNvPr id="4" name="텍스트 개체 틀 3">
             <a:extLst>
               <a:ext uri="{FF2B5EF4-FFF2-40B4-BE49-F238E27FC236}">
-                <a16:creationId xmlns:a16="http://schemas.microsoft.com/office/drawing/2014/main" id="{01A5CA55-8985-4418-AF6E-4EA9E926D2A2}"/>
+                <a16:creationId xmlns:a16="http://schemas.microsoft.com/office/drawing/2014/main" xmlns="" id="{01A5CA55-8985-4418-AF6E-4EA9E926D2A2}"/>
               </a:ext>
             </a:extLst>
           </p:cNvPr>
@@ -2363,7 +2394,7 @@
           <p:cNvPr id="5" name="날짜 개체 틀 4">
             <a:extLst>
               <a:ext uri="{FF2B5EF4-FFF2-40B4-BE49-F238E27FC236}">
-                <a16:creationId xmlns:a16="http://schemas.microsoft.com/office/drawing/2014/main" id="{D7A32E4A-81E6-4CD9-B116-3B39E4F2AC31}"/>
+                <a16:creationId xmlns:a16="http://schemas.microsoft.com/office/drawing/2014/main" xmlns="" id="{D7A32E4A-81E6-4CD9-B116-3B39E4F2AC31}"/>
               </a:ext>
             </a:extLst>
           </p:cNvPr>
@@ -2392,7 +2423,7 @@
           <p:cNvPr id="6" name="바닥글 개체 틀 5">
             <a:extLst>
               <a:ext uri="{FF2B5EF4-FFF2-40B4-BE49-F238E27FC236}">
-                <a16:creationId xmlns:a16="http://schemas.microsoft.com/office/drawing/2014/main" id="{122342FB-BA9A-432A-981A-9110AD000798}"/>
+                <a16:creationId xmlns:a16="http://schemas.microsoft.com/office/drawing/2014/main" xmlns="" id="{122342FB-BA9A-432A-981A-9110AD000798}"/>
               </a:ext>
             </a:extLst>
           </p:cNvPr>
@@ -2417,7 +2448,7 @@
           <p:cNvPr id="7" name="슬라이드 번호 개체 틀 6">
             <a:extLst>
               <a:ext uri="{FF2B5EF4-FFF2-40B4-BE49-F238E27FC236}">
-                <a16:creationId xmlns:a16="http://schemas.microsoft.com/office/drawing/2014/main" id="{07E0CAE6-2E91-44EA-A79F-F57A4F5CD873}"/>
+                <a16:creationId xmlns:a16="http://schemas.microsoft.com/office/drawing/2014/main" xmlns="" id="{07E0CAE6-2E91-44EA-A79F-F57A4F5CD873}"/>
               </a:ext>
             </a:extLst>
           </p:cNvPr>
@@ -2476,7 +2507,7 @@
           <p:cNvPr id="2" name="제목 1">
             <a:extLst>
               <a:ext uri="{FF2B5EF4-FFF2-40B4-BE49-F238E27FC236}">
-                <a16:creationId xmlns:a16="http://schemas.microsoft.com/office/drawing/2014/main" id="{B7B375B7-0263-40CC-8CF2-F6E2219715C0}"/>
+                <a16:creationId xmlns:a16="http://schemas.microsoft.com/office/drawing/2014/main" xmlns="" id="{B7B375B7-0263-40CC-8CF2-F6E2219715C0}"/>
               </a:ext>
             </a:extLst>
           </p:cNvPr>
@@ -2513,7 +2544,7 @@
           <p:cNvPr id="3" name="그림 개체 틀 2">
             <a:extLst>
               <a:ext uri="{FF2B5EF4-FFF2-40B4-BE49-F238E27FC236}">
-                <a16:creationId xmlns:a16="http://schemas.microsoft.com/office/drawing/2014/main" id="{F252EF2A-632D-4AB5-B8F4-5E577116F8E6}"/>
+                <a16:creationId xmlns:a16="http://schemas.microsoft.com/office/drawing/2014/main" xmlns="" id="{F252EF2A-632D-4AB5-B8F4-5E577116F8E6}"/>
               </a:ext>
             </a:extLst>
           </p:cNvPr>
@@ -2580,7 +2611,7 @@
           <p:cNvPr id="4" name="텍스트 개체 틀 3">
             <a:extLst>
               <a:ext uri="{FF2B5EF4-FFF2-40B4-BE49-F238E27FC236}">
-                <a16:creationId xmlns:a16="http://schemas.microsoft.com/office/drawing/2014/main" id="{9202AF78-4FC9-4B2B-A23F-633D04B6AC16}"/>
+                <a16:creationId xmlns:a16="http://schemas.microsoft.com/office/drawing/2014/main" xmlns="" id="{9202AF78-4FC9-4B2B-A23F-633D04B6AC16}"/>
               </a:ext>
             </a:extLst>
           </p:cNvPr>
@@ -2651,7 +2682,7 @@
           <p:cNvPr id="5" name="날짜 개체 틀 4">
             <a:extLst>
               <a:ext uri="{FF2B5EF4-FFF2-40B4-BE49-F238E27FC236}">
-                <a16:creationId xmlns:a16="http://schemas.microsoft.com/office/drawing/2014/main" id="{30DA6ABF-6E94-4F89-92CD-8389D312518A}"/>
+                <a16:creationId xmlns:a16="http://schemas.microsoft.com/office/drawing/2014/main" xmlns="" id="{30DA6ABF-6E94-4F89-92CD-8389D312518A}"/>
               </a:ext>
             </a:extLst>
           </p:cNvPr>
@@ -2680,7 +2711,7 @@
           <p:cNvPr id="6" name="바닥글 개체 틀 5">
             <a:extLst>
               <a:ext uri="{FF2B5EF4-FFF2-40B4-BE49-F238E27FC236}">
-                <a16:creationId xmlns:a16="http://schemas.microsoft.com/office/drawing/2014/main" id="{6F332B6C-3A14-4FFE-8334-511FEA549806}"/>
+                <a16:creationId xmlns:a16="http://schemas.microsoft.com/office/drawing/2014/main" xmlns="" id="{6F332B6C-3A14-4FFE-8334-511FEA549806}"/>
               </a:ext>
             </a:extLst>
           </p:cNvPr>
@@ -2705,7 +2736,7 @@
           <p:cNvPr id="7" name="슬라이드 번호 개체 틀 6">
             <a:extLst>
               <a:ext uri="{FF2B5EF4-FFF2-40B4-BE49-F238E27FC236}">
-                <a16:creationId xmlns:a16="http://schemas.microsoft.com/office/drawing/2014/main" id="{2AF42E06-F48E-49DE-928C-BFB2B8F1DB4D}"/>
+                <a16:creationId xmlns:a16="http://schemas.microsoft.com/office/drawing/2014/main" xmlns="" id="{2AF42E06-F48E-49DE-928C-BFB2B8F1DB4D}"/>
               </a:ext>
             </a:extLst>
           </p:cNvPr>
@@ -2769,7 +2800,7 @@
           <p:cNvPr id="2" name="제목 개체 틀 1">
             <a:extLst>
               <a:ext uri="{FF2B5EF4-FFF2-40B4-BE49-F238E27FC236}">
-                <a16:creationId xmlns:a16="http://schemas.microsoft.com/office/drawing/2014/main" id="{4D67F31F-28AF-48E1-8497-BACD7EFFE126}"/>
+                <a16:creationId xmlns:a16="http://schemas.microsoft.com/office/drawing/2014/main" xmlns="" id="{4D67F31F-28AF-48E1-8497-BACD7EFFE126}"/>
               </a:ext>
             </a:extLst>
           </p:cNvPr>
@@ -2807,7 +2838,7 @@
           <p:cNvPr id="3" name="텍스트 개체 틀 2">
             <a:extLst>
               <a:ext uri="{FF2B5EF4-FFF2-40B4-BE49-F238E27FC236}">
-                <a16:creationId xmlns:a16="http://schemas.microsoft.com/office/drawing/2014/main" id="{FAA9DFD6-D09F-4BBD-9C15-596CF0905D90}"/>
+                <a16:creationId xmlns:a16="http://schemas.microsoft.com/office/drawing/2014/main" xmlns="" id="{FAA9DFD6-D09F-4BBD-9C15-596CF0905D90}"/>
               </a:ext>
             </a:extLst>
           </p:cNvPr>
@@ -2874,7 +2905,7 @@
           <p:cNvPr id="4" name="날짜 개체 틀 3">
             <a:extLst>
               <a:ext uri="{FF2B5EF4-FFF2-40B4-BE49-F238E27FC236}">
-                <a16:creationId xmlns:a16="http://schemas.microsoft.com/office/drawing/2014/main" id="{B453EE43-258F-4021-9E86-DB8267009EEB}"/>
+                <a16:creationId xmlns:a16="http://schemas.microsoft.com/office/drawing/2014/main" xmlns="" id="{B453EE43-258F-4021-9E86-DB8267009EEB}"/>
               </a:ext>
             </a:extLst>
           </p:cNvPr>
@@ -2921,7 +2952,7 @@
           <p:cNvPr id="5" name="바닥글 개체 틀 4">
             <a:extLst>
               <a:ext uri="{FF2B5EF4-FFF2-40B4-BE49-F238E27FC236}">
-                <a16:creationId xmlns:a16="http://schemas.microsoft.com/office/drawing/2014/main" id="{CBC756C6-FE7F-4369-BC73-BC195DF46179}"/>
+                <a16:creationId xmlns:a16="http://schemas.microsoft.com/office/drawing/2014/main" xmlns="" id="{CBC756C6-FE7F-4369-BC73-BC195DF46179}"/>
               </a:ext>
             </a:extLst>
           </p:cNvPr>
@@ -2964,7 +2995,7 @@
           <p:cNvPr id="6" name="슬라이드 번호 개체 틀 5">
             <a:extLst>
               <a:ext uri="{FF2B5EF4-FFF2-40B4-BE49-F238E27FC236}">
-                <a16:creationId xmlns:a16="http://schemas.microsoft.com/office/drawing/2014/main" id="{6C7EAC72-EF60-4D46-A2B0-56BD798D1C68}"/>
+                <a16:creationId xmlns:a16="http://schemas.microsoft.com/office/drawing/2014/main" xmlns="" id="{6C7EAC72-EF60-4D46-A2B0-56BD798D1C68}"/>
               </a:ext>
             </a:extLst>
           </p:cNvPr>
@@ -3332,7 +3363,7 @@
           <p:cNvPr id="7" name="그룹 6">
             <a:extLst>
               <a:ext uri="{FF2B5EF4-FFF2-40B4-BE49-F238E27FC236}">
-                <a16:creationId xmlns:a16="http://schemas.microsoft.com/office/drawing/2014/main" id="{94FEBA31-977E-4CF2-8D71-766C0A6BD8C5}"/>
+                <a16:creationId xmlns:a16="http://schemas.microsoft.com/office/drawing/2014/main" xmlns="" id="{94FEBA31-977E-4CF2-8D71-766C0A6BD8C5}"/>
               </a:ext>
             </a:extLst>
           </p:cNvPr>
@@ -3352,7 +3383,7 @@
             <p:cNvPr id="4" name="직사각형 3">
               <a:extLst>
                 <a:ext uri="{FF2B5EF4-FFF2-40B4-BE49-F238E27FC236}">
-                  <a16:creationId xmlns:a16="http://schemas.microsoft.com/office/drawing/2014/main" id="{294C750B-3019-4009-BAB0-2E54CD077885}"/>
+                  <a16:creationId xmlns:a16="http://schemas.microsoft.com/office/drawing/2014/main" xmlns="" id="{294C750B-3019-4009-BAB0-2E54CD077885}"/>
                 </a:ext>
               </a:extLst>
             </p:cNvPr>
@@ -3402,7 +3433,7 @@
             <p:cNvPr id="6" name="TextBox 5">
               <a:extLst>
                 <a:ext uri="{FF2B5EF4-FFF2-40B4-BE49-F238E27FC236}">
-                  <a16:creationId xmlns:a16="http://schemas.microsoft.com/office/drawing/2014/main" id="{6E2F4AC8-6E5C-4228-97E6-E2117C9BB95A}"/>
+                  <a16:creationId xmlns:a16="http://schemas.microsoft.com/office/drawing/2014/main" xmlns="" id="{6E2F4AC8-6E5C-4228-97E6-E2117C9BB95A}"/>
                 </a:ext>
               </a:extLst>
             </p:cNvPr>
@@ -3462,7 +3493,7 @@
           <p:cNvPr id="11" name="TextBox 10">
             <a:extLst>
               <a:ext uri="{FF2B5EF4-FFF2-40B4-BE49-F238E27FC236}">
-                <a16:creationId xmlns:a16="http://schemas.microsoft.com/office/drawing/2014/main" id="{40B965CB-3C9D-40AE-909C-C0EA7CFD39BD}"/>
+                <a16:creationId xmlns:a16="http://schemas.microsoft.com/office/drawing/2014/main" xmlns="" id="{40B965CB-3C9D-40AE-909C-C0EA7CFD39BD}"/>
               </a:ext>
             </a:extLst>
           </p:cNvPr>
@@ -3504,7 +3535,7 @@
           <p:cNvPr id="13" name="그림 12" descr="표지판, 텍스트, 오렌지, 앉아있는이(가) 표시된 사진&#10;&#10;자동 생성된 설명">
             <a:extLst>
               <a:ext uri="{FF2B5EF4-FFF2-40B4-BE49-F238E27FC236}">
-                <a16:creationId xmlns:a16="http://schemas.microsoft.com/office/drawing/2014/main" id="{ABFB5E24-3A3C-41BA-8EB6-A82C13D54B91}"/>
+                <a16:creationId xmlns:a16="http://schemas.microsoft.com/office/drawing/2014/main" xmlns="" id="{ABFB5E24-3A3C-41BA-8EB6-A82C13D54B91}"/>
               </a:ext>
             </a:extLst>
           </p:cNvPr>
@@ -3514,7 +3545,7 @@
           <p:nvPr/>
         </p:nvPicPr>
         <p:blipFill>
-          <a:blip r:embed="rId2">
+          <a:blip r:embed="rId2" cstate="print">
             <a:extLst>
               <a:ext uri="{28A0092B-C50C-407E-A947-70E740481C1C}">
                 <a14:useLocalDpi xmlns:a14="http://schemas.microsoft.com/office/drawing/2010/main" val="0"/>
@@ -3540,7 +3571,7 @@
           <p:cNvPr id="15" name="TextBox 14">
             <a:extLst>
               <a:ext uri="{FF2B5EF4-FFF2-40B4-BE49-F238E27FC236}">
-                <a16:creationId xmlns:a16="http://schemas.microsoft.com/office/drawing/2014/main" id="{BA37F566-042C-4866-A4E8-9DD16D569C53}"/>
+                <a16:creationId xmlns:a16="http://schemas.microsoft.com/office/drawing/2014/main" xmlns="" id="{BA37F566-042C-4866-A4E8-9DD16D569C53}"/>
               </a:ext>
             </a:extLst>
           </p:cNvPr>
@@ -3622,7 +3653,7 @@
           <p:cNvPr id="4" name="직사각형 3">
             <a:extLst>
               <a:ext uri="{FF2B5EF4-FFF2-40B4-BE49-F238E27FC236}">
-                <a16:creationId xmlns:a16="http://schemas.microsoft.com/office/drawing/2014/main" id="{294C750B-3019-4009-BAB0-2E54CD077885}"/>
+                <a16:creationId xmlns:a16="http://schemas.microsoft.com/office/drawing/2014/main" xmlns="" id="{294C750B-3019-4009-BAB0-2E54CD077885}"/>
               </a:ext>
             </a:extLst>
           </p:cNvPr>
@@ -3672,7 +3703,7 @@
           <p:cNvPr id="94" name="그룹 93">
             <a:extLst>
               <a:ext uri="{FF2B5EF4-FFF2-40B4-BE49-F238E27FC236}">
-                <a16:creationId xmlns:a16="http://schemas.microsoft.com/office/drawing/2014/main" id="{57C905AF-1CD0-4611-AA9B-17A875C6256B}"/>
+                <a16:creationId xmlns:a16="http://schemas.microsoft.com/office/drawing/2014/main" xmlns="" id="{57C905AF-1CD0-4611-AA9B-17A875C6256B}"/>
               </a:ext>
             </a:extLst>
           </p:cNvPr>
@@ -3692,7 +3723,7 @@
             <p:cNvPr id="5" name="직사각형 4">
               <a:extLst>
                 <a:ext uri="{FF2B5EF4-FFF2-40B4-BE49-F238E27FC236}">
-                  <a16:creationId xmlns:a16="http://schemas.microsoft.com/office/drawing/2014/main" id="{0C79991C-F4CF-4137-BEB5-D0DBCF117434}"/>
+                  <a16:creationId xmlns:a16="http://schemas.microsoft.com/office/drawing/2014/main" xmlns="" id="{0C79991C-F4CF-4137-BEB5-D0DBCF117434}"/>
                 </a:ext>
               </a:extLst>
             </p:cNvPr>
@@ -3746,7 +3777,7 @@
             <p:cNvPr id="6" name="TextBox 5">
               <a:extLst>
                 <a:ext uri="{FF2B5EF4-FFF2-40B4-BE49-F238E27FC236}">
-                  <a16:creationId xmlns:a16="http://schemas.microsoft.com/office/drawing/2014/main" id="{6E2F4AC8-6E5C-4228-97E6-E2117C9BB95A}"/>
+                  <a16:creationId xmlns:a16="http://schemas.microsoft.com/office/drawing/2014/main" xmlns="" id="{6E2F4AC8-6E5C-4228-97E6-E2117C9BB95A}"/>
                 </a:ext>
               </a:extLst>
             </p:cNvPr>
@@ -3785,7 +3816,7 @@
           <p:cNvPr id="90" name="그룹 89">
             <a:extLst>
               <a:ext uri="{FF2B5EF4-FFF2-40B4-BE49-F238E27FC236}">
-                <a16:creationId xmlns:a16="http://schemas.microsoft.com/office/drawing/2014/main" id="{D2AAA848-59FB-4FF3-9CA8-A9C39AE289EC}"/>
+                <a16:creationId xmlns:a16="http://schemas.microsoft.com/office/drawing/2014/main" xmlns="" id="{D2AAA848-59FB-4FF3-9CA8-A9C39AE289EC}"/>
               </a:ext>
             </a:extLst>
           </p:cNvPr>
@@ -3805,7 +3836,7 @@
             <p:cNvPr id="43" name="그룹 42">
               <a:extLst>
                 <a:ext uri="{FF2B5EF4-FFF2-40B4-BE49-F238E27FC236}">
-                  <a16:creationId xmlns:a16="http://schemas.microsoft.com/office/drawing/2014/main" id="{4B51DB90-1278-40D6-85AA-BD825F1ADA41}"/>
+                  <a16:creationId xmlns:a16="http://schemas.microsoft.com/office/drawing/2014/main" xmlns="" id="{4B51DB90-1278-40D6-85AA-BD825F1ADA41}"/>
                 </a:ext>
               </a:extLst>
             </p:cNvPr>
@@ -3825,7 +3856,7 @@
               <p:cNvPr id="23" name="직사각형 22">
                 <a:extLst>
                   <a:ext uri="{FF2B5EF4-FFF2-40B4-BE49-F238E27FC236}">
-                    <a16:creationId xmlns:a16="http://schemas.microsoft.com/office/drawing/2014/main" id="{0AF66DBC-32E8-4772-93BF-CFA0BE6BFB3C}"/>
+                    <a16:creationId xmlns:a16="http://schemas.microsoft.com/office/drawing/2014/main" xmlns="" id="{0AF66DBC-32E8-4772-93BF-CFA0BE6BFB3C}"/>
                   </a:ext>
                 </a:extLst>
               </p:cNvPr>
@@ -3885,7 +3916,7 @@
               <p:cNvPr id="25" name="직선 연결선 24">
                 <a:extLst>
                   <a:ext uri="{FF2B5EF4-FFF2-40B4-BE49-F238E27FC236}">
-                    <a16:creationId xmlns:a16="http://schemas.microsoft.com/office/drawing/2014/main" id="{69CF30E6-A4E0-4888-9DC1-E3587F86AD68}"/>
+                    <a16:creationId xmlns:a16="http://schemas.microsoft.com/office/drawing/2014/main" xmlns="" id="{69CF30E6-A4E0-4888-9DC1-E3587F86AD68}"/>
                   </a:ext>
                 </a:extLst>
               </p:cNvPr>
@@ -3926,7 +3957,7 @@
               <p:cNvPr id="26" name="TextBox 25">
                 <a:extLst>
                   <a:ext uri="{FF2B5EF4-FFF2-40B4-BE49-F238E27FC236}">
-                    <a16:creationId xmlns:a16="http://schemas.microsoft.com/office/drawing/2014/main" id="{25FBDE8F-B4C0-4A9E-AE60-47A358D44B2A}"/>
+                    <a16:creationId xmlns:a16="http://schemas.microsoft.com/office/drawing/2014/main" xmlns="" id="{25FBDE8F-B4C0-4A9E-AE60-47A358D44B2A}"/>
                   </a:ext>
                 </a:extLst>
               </p:cNvPr>
@@ -3968,7 +3999,7 @@
               <p:cNvPr id="41" name="TextBox 40">
                 <a:extLst>
                   <a:ext uri="{FF2B5EF4-FFF2-40B4-BE49-F238E27FC236}">
-                    <a16:creationId xmlns:a16="http://schemas.microsoft.com/office/drawing/2014/main" id="{78DF7068-0676-4943-83BB-32ED7178772E}"/>
+                    <a16:creationId xmlns:a16="http://schemas.microsoft.com/office/drawing/2014/main" xmlns="" id="{78DF7068-0676-4943-83BB-32ED7178772E}"/>
                   </a:ext>
                 </a:extLst>
               </p:cNvPr>
@@ -4010,7 +4041,7 @@
               <p:cNvPr id="42" name="직사각형 41">
                 <a:extLst>
                   <a:ext uri="{FF2B5EF4-FFF2-40B4-BE49-F238E27FC236}">
-                    <a16:creationId xmlns:a16="http://schemas.microsoft.com/office/drawing/2014/main" id="{59EF6A87-A711-4347-9E11-7AB1275C45EC}"/>
+                    <a16:creationId xmlns:a16="http://schemas.microsoft.com/office/drawing/2014/main" xmlns="" id="{59EF6A87-A711-4347-9E11-7AB1275C45EC}"/>
                   </a:ext>
                 </a:extLst>
               </p:cNvPr>
@@ -4065,7 +4096,7 @@
             <p:cNvPr id="57" name="TextBox 56">
               <a:extLst>
                 <a:ext uri="{FF2B5EF4-FFF2-40B4-BE49-F238E27FC236}">
-                  <a16:creationId xmlns:a16="http://schemas.microsoft.com/office/drawing/2014/main" id="{57795F2B-CF8F-41C0-88B6-14B99CDDCDB1}"/>
+                  <a16:creationId xmlns:a16="http://schemas.microsoft.com/office/drawing/2014/main" xmlns="" id="{57795F2B-CF8F-41C0-88B6-14B99CDDCDB1}"/>
                 </a:ext>
               </a:extLst>
             </p:cNvPr>
@@ -4107,7 +4138,7 @@
             <p:cNvPr id="58" name="TextBox 57">
               <a:extLst>
                 <a:ext uri="{FF2B5EF4-FFF2-40B4-BE49-F238E27FC236}">
-                  <a16:creationId xmlns:a16="http://schemas.microsoft.com/office/drawing/2014/main" id="{B55656B6-047C-420C-864F-18C20A08E7B4}"/>
+                  <a16:creationId xmlns:a16="http://schemas.microsoft.com/office/drawing/2014/main" xmlns="" id="{B55656B6-047C-420C-864F-18C20A08E7B4}"/>
                 </a:ext>
               </a:extLst>
             </p:cNvPr>
@@ -4149,7 +4180,7 @@
             <p:cNvPr id="59" name="TextBox 58">
               <a:extLst>
                 <a:ext uri="{FF2B5EF4-FFF2-40B4-BE49-F238E27FC236}">
-                  <a16:creationId xmlns:a16="http://schemas.microsoft.com/office/drawing/2014/main" id="{5772970F-C1ED-4214-B779-31843E6702EC}"/>
+                  <a16:creationId xmlns:a16="http://schemas.microsoft.com/office/drawing/2014/main" xmlns="" id="{5772970F-C1ED-4214-B779-31843E6702EC}"/>
                 </a:ext>
               </a:extLst>
             </p:cNvPr>
@@ -4191,7 +4222,7 @@
             <p:cNvPr id="56" name="TextBox 55">
               <a:extLst>
                 <a:ext uri="{FF2B5EF4-FFF2-40B4-BE49-F238E27FC236}">
-                  <a16:creationId xmlns:a16="http://schemas.microsoft.com/office/drawing/2014/main" id="{EE554912-1417-431F-A7AF-BDFE67C00D16}"/>
+                  <a16:creationId xmlns:a16="http://schemas.microsoft.com/office/drawing/2014/main" xmlns="" id="{EE554912-1417-431F-A7AF-BDFE67C00D16}"/>
                 </a:ext>
               </a:extLst>
             </p:cNvPr>
@@ -4233,7 +4264,7 @@
             <p:cNvPr id="64" name="직선 연결선 63">
               <a:extLst>
                 <a:ext uri="{FF2B5EF4-FFF2-40B4-BE49-F238E27FC236}">
-                  <a16:creationId xmlns:a16="http://schemas.microsoft.com/office/drawing/2014/main" id="{2FCCDDB7-A970-4780-B02B-4BC8ED93CC0F}"/>
+                  <a16:creationId xmlns:a16="http://schemas.microsoft.com/office/drawing/2014/main" xmlns="" id="{2FCCDDB7-A970-4780-B02B-4BC8ED93CC0F}"/>
                 </a:ext>
               </a:extLst>
             </p:cNvPr>
@@ -4274,7 +4305,7 @@
             <p:cNvPr id="65" name="직선 연결선 64">
               <a:extLst>
                 <a:ext uri="{FF2B5EF4-FFF2-40B4-BE49-F238E27FC236}">
-                  <a16:creationId xmlns:a16="http://schemas.microsoft.com/office/drawing/2014/main" id="{4A7618CF-367C-4FBF-8CE4-A38170AB6C60}"/>
+                  <a16:creationId xmlns:a16="http://schemas.microsoft.com/office/drawing/2014/main" xmlns="" id="{4A7618CF-367C-4FBF-8CE4-A38170AB6C60}"/>
                 </a:ext>
               </a:extLst>
             </p:cNvPr>
@@ -4315,7 +4346,7 @@
             <p:cNvPr id="61" name="직선 연결선 60">
               <a:extLst>
                 <a:ext uri="{FF2B5EF4-FFF2-40B4-BE49-F238E27FC236}">
-                  <a16:creationId xmlns:a16="http://schemas.microsoft.com/office/drawing/2014/main" id="{CCD13C03-9022-4ACB-8C5E-9D9B6E13A8CA}"/>
+                  <a16:creationId xmlns:a16="http://schemas.microsoft.com/office/drawing/2014/main" xmlns="" id="{CCD13C03-9022-4ACB-8C5E-9D9B6E13A8CA}"/>
                 </a:ext>
               </a:extLst>
             </p:cNvPr>
@@ -4356,7 +4387,7 @@
             <p:cNvPr id="79" name="그룹 78">
               <a:extLst>
                 <a:ext uri="{FF2B5EF4-FFF2-40B4-BE49-F238E27FC236}">
-                  <a16:creationId xmlns:a16="http://schemas.microsoft.com/office/drawing/2014/main" id="{E74E3963-D014-4549-BD90-037A8A740A0C}"/>
+                  <a16:creationId xmlns:a16="http://schemas.microsoft.com/office/drawing/2014/main" xmlns="" id="{E74E3963-D014-4549-BD90-037A8A740A0C}"/>
                 </a:ext>
               </a:extLst>
             </p:cNvPr>
@@ -4376,7 +4407,7 @@
               <p:cNvPr id="68" name="TextBox 67">
                 <a:extLst>
                   <a:ext uri="{FF2B5EF4-FFF2-40B4-BE49-F238E27FC236}">
-                    <a16:creationId xmlns:a16="http://schemas.microsoft.com/office/drawing/2014/main" id="{BAF111A0-9AD9-4879-AE86-B45E5D26F94D}"/>
+                    <a16:creationId xmlns:a16="http://schemas.microsoft.com/office/drawing/2014/main" xmlns="" id="{BAF111A0-9AD9-4879-AE86-B45E5D26F94D}"/>
                   </a:ext>
                 </a:extLst>
               </p:cNvPr>
@@ -4434,7 +4465,7 @@
               <p:cNvPr id="72" name="TextBox 71">
                 <a:extLst>
                   <a:ext uri="{FF2B5EF4-FFF2-40B4-BE49-F238E27FC236}">
-                    <a16:creationId xmlns:a16="http://schemas.microsoft.com/office/drawing/2014/main" id="{D151B9A2-3191-4A8C-9E93-6021C7AB1230}"/>
+                    <a16:creationId xmlns:a16="http://schemas.microsoft.com/office/drawing/2014/main" xmlns="" id="{D151B9A2-3191-4A8C-9E93-6021C7AB1230}"/>
                   </a:ext>
                 </a:extLst>
               </p:cNvPr>
@@ -4500,7 +4531,7 @@
             <p:cNvPr id="80" name="그룹 79">
               <a:extLst>
                 <a:ext uri="{FF2B5EF4-FFF2-40B4-BE49-F238E27FC236}">
-                  <a16:creationId xmlns:a16="http://schemas.microsoft.com/office/drawing/2014/main" id="{298CF8C3-67E7-45A9-B266-4748317951FD}"/>
+                  <a16:creationId xmlns:a16="http://schemas.microsoft.com/office/drawing/2014/main" xmlns="" id="{298CF8C3-67E7-45A9-B266-4748317951FD}"/>
                 </a:ext>
               </a:extLst>
             </p:cNvPr>
@@ -4520,7 +4551,7 @@
               <p:cNvPr id="70" name="TextBox 69">
                 <a:extLst>
                   <a:ext uri="{FF2B5EF4-FFF2-40B4-BE49-F238E27FC236}">
-                    <a16:creationId xmlns:a16="http://schemas.microsoft.com/office/drawing/2014/main" id="{B925B727-E892-43CA-9AD4-9C7249126232}"/>
+                    <a16:creationId xmlns:a16="http://schemas.microsoft.com/office/drawing/2014/main" xmlns="" id="{B925B727-E892-43CA-9AD4-9C7249126232}"/>
                   </a:ext>
                 </a:extLst>
               </p:cNvPr>
@@ -4578,7 +4609,7 @@
               <p:cNvPr id="76" name="TextBox 75">
                 <a:extLst>
                   <a:ext uri="{FF2B5EF4-FFF2-40B4-BE49-F238E27FC236}">
-                    <a16:creationId xmlns:a16="http://schemas.microsoft.com/office/drawing/2014/main" id="{155F49A2-5FA7-4BBF-B6B9-FFFCE23D36F7}"/>
+                    <a16:creationId xmlns:a16="http://schemas.microsoft.com/office/drawing/2014/main" xmlns="" id="{155F49A2-5FA7-4BBF-B6B9-FFFCE23D36F7}"/>
                   </a:ext>
                 </a:extLst>
               </p:cNvPr>
@@ -4711,7 +4742,7 @@
             <p:cNvPr id="81" name="그룹 80">
               <a:extLst>
                 <a:ext uri="{FF2B5EF4-FFF2-40B4-BE49-F238E27FC236}">
-                  <a16:creationId xmlns:a16="http://schemas.microsoft.com/office/drawing/2014/main" id="{69781F0C-D2A0-4241-A8D4-6E7FCE65B6DC}"/>
+                  <a16:creationId xmlns:a16="http://schemas.microsoft.com/office/drawing/2014/main" xmlns="" id="{69781F0C-D2A0-4241-A8D4-6E7FCE65B6DC}"/>
                 </a:ext>
               </a:extLst>
             </p:cNvPr>
@@ -4731,7 +4762,7 @@
               <p:cNvPr id="71" name="TextBox 70">
                 <a:extLst>
                   <a:ext uri="{FF2B5EF4-FFF2-40B4-BE49-F238E27FC236}">
-                    <a16:creationId xmlns:a16="http://schemas.microsoft.com/office/drawing/2014/main" id="{E56853B2-9F9D-4D07-BC67-DE433EB885DE}"/>
+                    <a16:creationId xmlns:a16="http://schemas.microsoft.com/office/drawing/2014/main" xmlns="" id="{E56853B2-9F9D-4D07-BC67-DE433EB885DE}"/>
                   </a:ext>
                 </a:extLst>
               </p:cNvPr>
@@ -4772,7 +4803,7 @@
               <p:cNvPr id="77" name="TextBox 76">
                 <a:extLst>
                   <a:ext uri="{FF2B5EF4-FFF2-40B4-BE49-F238E27FC236}">
-                    <a16:creationId xmlns:a16="http://schemas.microsoft.com/office/drawing/2014/main" id="{C1296AE9-66DB-4374-8A4C-724AABEAA6FC}"/>
+                    <a16:creationId xmlns:a16="http://schemas.microsoft.com/office/drawing/2014/main" xmlns="" id="{C1296AE9-66DB-4374-8A4C-724AABEAA6FC}"/>
                   </a:ext>
                 </a:extLst>
               </p:cNvPr>
@@ -4858,7 +4889,7 @@
             <p:cNvPr id="88" name="TextBox 87">
               <a:extLst>
                 <a:ext uri="{FF2B5EF4-FFF2-40B4-BE49-F238E27FC236}">
-                  <a16:creationId xmlns:a16="http://schemas.microsoft.com/office/drawing/2014/main" id="{B0D030C3-CB79-4F4A-B121-CAC3F6C7188A}"/>
+                  <a16:creationId xmlns:a16="http://schemas.microsoft.com/office/drawing/2014/main" xmlns="" id="{B0D030C3-CB79-4F4A-B121-CAC3F6C7188A}"/>
                 </a:ext>
               </a:extLst>
             </p:cNvPr>
@@ -4908,7 +4939,7 @@
           <p:cNvPr id="28" name="표 37">
             <a:extLst>
               <a:ext uri="{FF2B5EF4-FFF2-40B4-BE49-F238E27FC236}">
-                <a16:creationId xmlns:a16="http://schemas.microsoft.com/office/drawing/2014/main" id="{D508838C-8C60-4765-8080-A5F322408B34}"/>
+                <a16:creationId xmlns:a16="http://schemas.microsoft.com/office/drawing/2014/main" xmlns="" id="{D508838C-8C60-4765-8080-A5F322408B34}"/>
               </a:ext>
             </a:extLst>
           </p:cNvPr>
@@ -4937,63 +4968,63 @@
                 <a:gridCol w="446575">
                   <a:extLst>
                     <a:ext uri="{9D8B030D-6E8A-4147-A177-3AD203B41FA5}">
-                      <a16:colId xmlns:a16="http://schemas.microsoft.com/office/drawing/2014/main" val="3961222721"/>
+                      <a16:colId xmlns:a16="http://schemas.microsoft.com/office/drawing/2014/main" xmlns="" val="3961222721"/>
                     </a:ext>
                   </a:extLst>
                 </a:gridCol>
                 <a:gridCol w="446575">
                   <a:extLst>
                     <a:ext uri="{9D8B030D-6E8A-4147-A177-3AD203B41FA5}">
-                      <a16:colId xmlns:a16="http://schemas.microsoft.com/office/drawing/2014/main" val="3366559855"/>
+                      <a16:colId xmlns:a16="http://schemas.microsoft.com/office/drawing/2014/main" xmlns="" val="3366559855"/>
                     </a:ext>
                   </a:extLst>
                 </a:gridCol>
                 <a:gridCol w="446575">
                   <a:extLst>
                     <a:ext uri="{9D8B030D-6E8A-4147-A177-3AD203B41FA5}">
-                      <a16:colId xmlns:a16="http://schemas.microsoft.com/office/drawing/2014/main" val="879715482"/>
+                      <a16:colId xmlns:a16="http://schemas.microsoft.com/office/drawing/2014/main" xmlns="" val="879715482"/>
                     </a:ext>
                   </a:extLst>
                 </a:gridCol>
                 <a:gridCol w="446575">
                   <a:extLst>
                     <a:ext uri="{9D8B030D-6E8A-4147-A177-3AD203B41FA5}">
-                      <a16:colId xmlns:a16="http://schemas.microsoft.com/office/drawing/2014/main" val="704460017"/>
+                      <a16:colId xmlns:a16="http://schemas.microsoft.com/office/drawing/2014/main" xmlns="" val="704460017"/>
                     </a:ext>
                   </a:extLst>
                 </a:gridCol>
                 <a:gridCol w="446575">
                   <a:extLst>
                     <a:ext uri="{9D8B030D-6E8A-4147-A177-3AD203B41FA5}">
-                      <a16:colId xmlns:a16="http://schemas.microsoft.com/office/drawing/2014/main" val="3866993554"/>
+                      <a16:colId xmlns:a16="http://schemas.microsoft.com/office/drawing/2014/main" xmlns="" val="3866993554"/>
                     </a:ext>
                   </a:extLst>
                 </a:gridCol>
                 <a:gridCol w="446575">
                   <a:extLst>
                     <a:ext uri="{9D8B030D-6E8A-4147-A177-3AD203B41FA5}">
-                      <a16:colId xmlns:a16="http://schemas.microsoft.com/office/drawing/2014/main" val="1797360196"/>
+                      <a16:colId xmlns:a16="http://schemas.microsoft.com/office/drawing/2014/main" xmlns="" val="1797360196"/>
                     </a:ext>
                   </a:extLst>
                 </a:gridCol>
                 <a:gridCol w="446575">
                   <a:extLst>
                     <a:ext uri="{9D8B030D-6E8A-4147-A177-3AD203B41FA5}">
-                      <a16:colId xmlns:a16="http://schemas.microsoft.com/office/drawing/2014/main" val="3937540474"/>
+                      <a16:colId xmlns:a16="http://schemas.microsoft.com/office/drawing/2014/main" xmlns="" val="3937540474"/>
                     </a:ext>
                   </a:extLst>
                 </a:gridCol>
                 <a:gridCol w="446575">
                   <a:extLst>
                     <a:ext uri="{9D8B030D-6E8A-4147-A177-3AD203B41FA5}">
-                      <a16:colId xmlns:a16="http://schemas.microsoft.com/office/drawing/2014/main" val="2441943587"/>
+                      <a16:colId xmlns:a16="http://schemas.microsoft.com/office/drawing/2014/main" xmlns="" val="2441943587"/>
                     </a:ext>
                   </a:extLst>
                 </a:gridCol>
                 <a:gridCol w="446575">
                   <a:extLst>
                     <a:ext uri="{9D8B030D-6E8A-4147-A177-3AD203B41FA5}">
-                      <a16:colId xmlns:a16="http://schemas.microsoft.com/office/drawing/2014/main" val="3455568965"/>
+                      <a16:colId xmlns:a16="http://schemas.microsoft.com/office/drawing/2014/main" xmlns="" val="3455568965"/>
                     </a:ext>
                   </a:extLst>
                 </a:gridCol>
@@ -5595,7 +5626,7 @@
                 </a:tc>
                 <a:extLst>
                   <a:ext uri="{0D108BD9-81ED-4DB2-BD59-A6C34878D82A}">
-                    <a16:rowId xmlns:a16="http://schemas.microsoft.com/office/drawing/2014/main" val="254760153"/>
+                    <a16:rowId xmlns:a16="http://schemas.microsoft.com/office/drawing/2014/main" xmlns="" val="254760153"/>
                   </a:ext>
                 </a:extLst>
               </a:tr>
@@ -6203,7 +6234,7 @@
                 </a:tc>
                 <a:extLst>
                   <a:ext uri="{0D108BD9-81ED-4DB2-BD59-A6C34878D82A}">
-                    <a16:rowId xmlns:a16="http://schemas.microsoft.com/office/drawing/2014/main" val="906317860"/>
+                    <a16:rowId xmlns:a16="http://schemas.microsoft.com/office/drawing/2014/main" xmlns="" val="906317860"/>
                   </a:ext>
                 </a:extLst>
               </a:tr>
@@ -6841,7 +6872,7 @@
                 </a:tc>
                 <a:extLst>
                   <a:ext uri="{0D108BD9-81ED-4DB2-BD59-A6C34878D82A}">
-                    <a16:rowId xmlns:a16="http://schemas.microsoft.com/office/drawing/2014/main" val="998227271"/>
+                    <a16:rowId xmlns:a16="http://schemas.microsoft.com/office/drawing/2014/main" xmlns="" val="998227271"/>
                   </a:ext>
                 </a:extLst>
               </a:tr>
@@ -7449,7 +7480,7 @@
                 </a:tc>
                 <a:extLst>
                   <a:ext uri="{0D108BD9-81ED-4DB2-BD59-A6C34878D82A}">
-                    <a16:rowId xmlns:a16="http://schemas.microsoft.com/office/drawing/2014/main" val="1225336522"/>
+                    <a16:rowId xmlns:a16="http://schemas.microsoft.com/office/drawing/2014/main" xmlns="" val="1225336522"/>
                   </a:ext>
                 </a:extLst>
               </a:tr>
@@ -8057,7 +8088,7 @@
                 </a:tc>
                 <a:extLst>
                   <a:ext uri="{0D108BD9-81ED-4DB2-BD59-A6C34878D82A}">
-                    <a16:rowId xmlns:a16="http://schemas.microsoft.com/office/drawing/2014/main" val="4047267722"/>
+                    <a16:rowId xmlns:a16="http://schemas.microsoft.com/office/drawing/2014/main" xmlns="" val="4047267722"/>
                   </a:ext>
                 </a:extLst>
               </a:tr>
@@ -8665,7 +8696,7 @@
                 </a:tc>
                 <a:extLst>
                   <a:ext uri="{0D108BD9-81ED-4DB2-BD59-A6C34878D82A}">
-                    <a16:rowId xmlns:a16="http://schemas.microsoft.com/office/drawing/2014/main" val="1414616805"/>
+                    <a16:rowId xmlns:a16="http://schemas.microsoft.com/office/drawing/2014/main" xmlns="" val="1414616805"/>
                   </a:ext>
                 </a:extLst>
               </a:tr>
@@ -9284,7 +9315,7 @@
                 </a:tc>
                 <a:extLst>
                   <a:ext uri="{0D108BD9-81ED-4DB2-BD59-A6C34878D82A}">
-                    <a16:rowId xmlns:a16="http://schemas.microsoft.com/office/drawing/2014/main" val="2583695390"/>
+                    <a16:rowId xmlns:a16="http://schemas.microsoft.com/office/drawing/2014/main" xmlns="" val="2583695390"/>
                   </a:ext>
                 </a:extLst>
               </a:tr>
@@ -9885,7 +9916,7 @@
                 </a:tc>
                 <a:extLst>
                   <a:ext uri="{0D108BD9-81ED-4DB2-BD59-A6C34878D82A}">
-                    <a16:rowId xmlns:a16="http://schemas.microsoft.com/office/drawing/2014/main" val="1649571982"/>
+                    <a16:rowId xmlns:a16="http://schemas.microsoft.com/office/drawing/2014/main" xmlns="" val="1649571982"/>
                   </a:ext>
                 </a:extLst>
               </a:tr>
@@ -10504,7 +10535,7 @@
                 </a:tc>
                 <a:extLst>
                   <a:ext uri="{0D108BD9-81ED-4DB2-BD59-A6C34878D82A}">
-                    <a16:rowId xmlns:a16="http://schemas.microsoft.com/office/drawing/2014/main" val="1940719576"/>
+                    <a16:rowId xmlns:a16="http://schemas.microsoft.com/office/drawing/2014/main" xmlns="" val="1940719576"/>
                   </a:ext>
                 </a:extLst>
               </a:tr>
@@ -10517,7 +10548,7 @@
           <p:cNvPr id="39" name="표 39">
             <a:extLst>
               <a:ext uri="{FF2B5EF4-FFF2-40B4-BE49-F238E27FC236}">
-                <a16:creationId xmlns:a16="http://schemas.microsoft.com/office/drawing/2014/main" id="{A0E997F0-CA2B-4089-AABC-732753609750}"/>
+                <a16:creationId xmlns:a16="http://schemas.microsoft.com/office/drawing/2014/main" xmlns="" id="{A0E997F0-CA2B-4089-AABC-732753609750}"/>
               </a:ext>
             </a:extLst>
           </p:cNvPr>
@@ -10546,21 +10577,21 @@
                 <a:gridCol w="1339725">
                   <a:extLst>
                     <a:ext uri="{9D8B030D-6E8A-4147-A177-3AD203B41FA5}">
-                      <a16:colId xmlns:a16="http://schemas.microsoft.com/office/drawing/2014/main" val="2506213531"/>
+                      <a16:colId xmlns:a16="http://schemas.microsoft.com/office/drawing/2014/main" xmlns="" val="2506213531"/>
                     </a:ext>
                   </a:extLst>
                 </a:gridCol>
                 <a:gridCol w="1339725">
                   <a:extLst>
                     <a:ext uri="{9D8B030D-6E8A-4147-A177-3AD203B41FA5}">
-                      <a16:colId xmlns:a16="http://schemas.microsoft.com/office/drawing/2014/main" val="3956944197"/>
+                      <a16:colId xmlns:a16="http://schemas.microsoft.com/office/drawing/2014/main" xmlns="" val="3956944197"/>
                     </a:ext>
                   </a:extLst>
                 </a:gridCol>
                 <a:gridCol w="1339725">
                   <a:extLst>
                     <a:ext uri="{9D8B030D-6E8A-4147-A177-3AD203B41FA5}">
-                      <a16:colId xmlns:a16="http://schemas.microsoft.com/office/drawing/2014/main" val="1151473981"/>
+                      <a16:colId xmlns:a16="http://schemas.microsoft.com/office/drawing/2014/main" xmlns="" val="1151473981"/>
                     </a:ext>
                   </a:extLst>
                 </a:gridCol>
@@ -10712,7 +10743,7 @@
                 </a:tc>
                 <a:extLst>
                   <a:ext uri="{0D108BD9-81ED-4DB2-BD59-A6C34878D82A}">
-                    <a16:rowId xmlns:a16="http://schemas.microsoft.com/office/drawing/2014/main" val="3586328922"/>
+                    <a16:rowId xmlns:a16="http://schemas.microsoft.com/office/drawing/2014/main" xmlns="" val="3586328922"/>
                   </a:ext>
                 </a:extLst>
               </a:tr>
@@ -10725,7 +10756,7 @@
           <p:cNvPr id="92" name="그림 91">
             <a:extLst>
               <a:ext uri="{FF2B5EF4-FFF2-40B4-BE49-F238E27FC236}">
-                <a16:creationId xmlns:a16="http://schemas.microsoft.com/office/drawing/2014/main" id="{467B8560-E004-47F1-89A4-2391006260B7}"/>
+                <a16:creationId xmlns:a16="http://schemas.microsoft.com/office/drawing/2014/main" xmlns="" id="{467B8560-E004-47F1-89A4-2391006260B7}"/>
               </a:ext>
             </a:extLst>
           </p:cNvPr>
@@ -10735,7 +10766,7 @@
           <p:nvPr/>
         </p:nvPicPr>
         <p:blipFill>
-          <a:blip r:embed="rId2">
+          <a:blip r:embed="rId2" cstate="print">
             <a:extLst>
               <a:ext uri="{28A0092B-C50C-407E-A947-70E740481C1C}">
                 <a14:useLocalDpi xmlns:a14="http://schemas.microsoft.com/office/drawing/2010/main" val="0"/>
@@ -10761,7 +10792,7 @@
           <p:cNvPr id="93" name="TextBox 92">
             <a:extLst>
               <a:ext uri="{FF2B5EF4-FFF2-40B4-BE49-F238E27FC236}">
-                <a16:creationId xmlns:a16="http://schemas.microsoft.com/office/drawing/2014/main" id="{479C066D-6C54-4654-8B10-8F739964E3E0}"/>
+                <a16:creationId xmlns:a16="http://schemas.microsoft.com/office/drawing/2014/main" xmlns="" id="{479C066D-6C54-4654-8B10-8F739964E3E0}"/>
               </a:ext>
             </a:extLst>
           </p:cNvPr>
@@ -10829,7 +10860,7 @@
           <p:cNvPr id="4" name="직사각형 3">
             <a:extLst>
               <a:ext uri="{FF2B5EF4-FFF2-40B4-BE49-F238E27FC236}">
-                <a16:creationId xmlns:a16="http://schemas.microsoft.com/office/drawing/2014/main" id="{294C750B-3019-4009-BAB0-2E54CD077885}"/>
+                <a16:creationId xmlns:a16="http://schemas.microsoft.com/office/drawing/2014/main" xmlns="" id="{294C750B-3019-4009-BAB0-2E54CD077885}"/>
               </a:ext>
             </a:extLst>
           </p:cNvPr>
@@ -10879,7 +10910,7 @@
           <p:cNvPr id="8" name="TextBox 7">
             <a:extLst>
               <a:ext uri="{FF2B5EF4-FFF2-40B4-BE49-F238E27FC236}">
-                <a16:creationId xmlns:a16="http://schemas.microsoft.com/office/drawing/2014/main" id="{CE8992EF-381A-4CB2-8A86-651B67341985}"/>
+                <a16:creationId xmlns:a16="http://schemas.microsoft.com/office/drawing/2014/main" xmlns="" id="{CE8992EF-381A-4CB2-8A86-651B67341985}"/>
               </a:ext>
             </a:extLst>
           </p:cNvPr>
@@ -11159,7 +11190,7 @@
           <p:cNvPr id="9" name="직사각형 8">
             <a:extLst>
               <a:ext uri="{FF2B5EF4-FFF2-40B4-BE49-F238E27FC236}">
-                <a16:creationId xmlns:a16="http://schemas.microsoft.com/office/drawing/2014/main" id="{D22A6F0F-E4FC-44AB-A71E-923AD4A90A05}"/>
+                <a16:creationId xmlns:a16="http://schemas.microsoft.com/office/drawing/2014/main" xmlns="" id="{D22A6F0F-E4FC-44AB-A71E-923AD4A90A05}"/>
               </a:ext>
             </a:extLst>
           </p:cNvPr>
@@ -11219,7 +11250,7 @@
           <p:cNvPr id="10" name="표 37">
             <a:extLst>
               <a:ext uri="{FF2B5EF4-FFF2-40B4-BE49-F238E27FC236}">
-                <a16:creationId xmlns:a16="http://schemas.microsoft.com/office/drawing/2014/main" id="{BD346520-C75C-4FE4-87D8-2B088976BAAE}"/>
+                <a16:creationId xmlns:a16="http://schemas.microsoft.com/office/drawing/2014/main" xmlns="" id="{BD346520-C75C-4FE4-87D8-2B088976BAAE}"/>
               </a:ext>
             </a:extLst>
           </p:cNvPr>
@@ -11248,63 +11279,63 @@
                 <a:gridCol w="446575">
                   <a:extLst>
                     <a:ext uri="{9D8B030D-6E8A-4147-A177-3AD203B41FA5}">
-                      <a16:colId xmlns:a16="http://schemas.microsoft.com/office/drawing/2014/main" val="3961222721"/>
+                      <a16:colId xmlns:a16="http://schemas.microsoft.com/office/drawing/2014/main" xmlns="" val="3961222721"/>
                     </a:ext>
                   </a:extLst>
                 </a:gridCol>
                 <a:gridCol w="446575">
                   <a:extLst>
                     <a:ext uri="{9D8B030D-6E8A-4147-A177-3AD203B41FA5}">
-                      <a16:colId xmlns:a16="http://schemas.microsoft.com/office/drawing/2014/main" val="3366559855"/>
+                      <a16:colId xmlns:a16="http://schemas.microsoft.com/office/drawing/2014/main" xmlns="" val="3366559855"/>
                     </a:ext>
                   </a:extLst>
                 </a:gridCol>
                 <a:gridCol w="446575">
                   <a:extLst>
                     <a:ext uri="{9D8B030D-6E8A-4147-A177-3AD203B41FA5}">
-                      <a16:colId xmlns:a16="http://schemas.microsoft.com/office/drawing/2014/main" val="879715482"/>
+                      <a16:colId xmlns:a16="http://schemas.microsoft.com/office/drawing/2014/main" xmlns="" val="879715482"/>
                     </a:ext>
                   </a:extLst>
                 </a:gridCol>
                 <a:gridCol w="446575">
                   <a:extLst>
                     <a:ext uri="{9D8B030D-6E8A-4147-A177-3AD203B41FA5}">
-                      <a16:colId xmlns:a16="http://schemas.microsoft.com/office/drawing/2014/main" val="704460017"/>
+                      <a16:colId xmlns:a16="http://schemas.microsoft.com/office/drawing/2014/main" xmlns="" val="704460017"/>
                     </a:ext>
                   </a:extLst>
                 </a:gridCol>
                 <a:gridCol w="446575">
                   <a:extLst>
                     <a:ext uri="{9D8B030D-6E8A-4147-A177-3AD203B41FA5}">
-                      <a16:colId xmlns:a16="http://schemas.microsoft.com/office/drawing/2014/main" val="3866993554"/>
+                      <a16:colId xmlns:a16="http://schemas.microsoft.com/office/drawing/2014/main" xmlns="" val="3866993554"/>
                     </a:ext>
                   </a:extLst>
                 </a:gridCol>
                 <a:gridCol w="446575">
                   <a:extLst>
                     <a:ext uri="{9D8B030D-6E8A-4147-A177-3AD203B41FA5}">
-                      <a16:colId xmlns:a16="http://schemas.microsoft.com/office/drawing/2014/main" val="1797360196"/>
+                      <a16:colId xmlns:a16="http://schemas.microsoft.com/office/drawing/2014/main" xmlns="" val="1797360196"/>
                     </a:ext>
                   </a:extLst>
                 </a:gridCol>
                 <a:gridCol w="446575">
                   <a:extLst>
                     <a:ext uri="{9D8B030D-6E8A-4147-A177-3AD203B41FA5}">
-                      <a16:colId xmlns:a16="http://schemas.microsoft.com/office/drawing/2014/main" val="3937540474"/>
+                      <a16:colId xmlns:a16="http://schemas.microsoft.com/office/drawing/2014/main" xmlns="" val="3937540474"/>
                     </a:ext>
                   </a:extLst>
                 </a:gridCol>
                 <a:gridCol w="446575">
                   <a:extLst>
                     <a:ext uri="{9D8B030D-6E8A-4147-A177-3AD203B41FA5}">
-                      <a16:colId xmlns:a16="http://schemas.microsoft.com/office/drawing/2014/main" val="2441943587"/>
+                      <a16:colId xmlns:a16="http://schemas.microsoft.com/office/drawing/2014/main" xmlns="" val="2441943587"/>
                     </a:ext>
                   </a:extLst>
                 </a:gridCol>
                 <a:gridCol w="446575">
                   <a:extLst>
                     <a:ext uri="{9D8B030D-6E8A-4147-A177-3AD203B41FA5}">
-                      <a16:colId xmlns:a16="http://schemas.microsoft.com/office/drawing/2014/main" val="3455568965"/>
+                      <a16:colId xmlns:a16="http://schemas.microsoft.com/office/drawing/2014/main" xmlns="" val="3455568965"/>
                     </a:ext>
                   </a:extLst>
                 </a:gridCol>
@@ -11906,7 +11937,7 @@
                 </a:tc>
                 <a:extLst>
                   <a:ext uri="{0D108BD9-81ED-4DB2-BD59-A6C34878D82A}">
-                    <a16:rowId xmlns:a16="http://schemas.microsoft.com/office/drawing/2014/main" val="254760153"/>
+                    <a16:rowId xmlns:a16="http://schemas.microsoft.com/office/drawing/2014/main" xmlns="" val="254760153"/>
                   </a:ext>
                 </a:extLst>
               </a:tr>
@@ -12514,7 +12545,7 @@
                 </a:tc>
                 <a:extLst>
                   <a:ext uri="{0D108BD9-81ED-4DB2-BD59-A6C34878D82A}">
-                    <a16:rowId xmlns:a16="http://schemas.microsoft.com/office/drawing/2014/main" val="906317860"/>
+                    <a16:rowId xmlns:a16="http://schemas.microsoft.com/office/drawing/2014/main" xmlns="" val="906317860"/>
                   </a:ext>
                 </a:extLst>
               </a:tr>
@@ -13152,7 +13183,7 @@
                 </a:tc>
                 <a:extLst>
                   <a:ext uri="{0D108BD9-81ED-4DB2-BD59-A6C34878D82A}">
-                    <a16:rowId xmlns:a16="http://schemas.microsoft.com/office/drawing/2014/main" val="998227271"/>
+                    <a16:rowId xmlns:a16="http://schemas.microsoft.com/office/drawing/2014/main" xmlns="" val="998227271"/>
                   </a:ext>
                 </a:extLst>
               </a:tr>
@@ -13760,7 +13791,7 @@
                 </a:tc>
                 <a:extLst>
                   <a:ext uri="{0D108BD9-81ED-4DB2-BD59-A6C34878D82A}">
-                    <a16:rowId xmlns:a16="http://schemas.microsoft.com/office/drawing/2014/main" val="1225336522"/>
+                    <a16:rowId xmlns:a16="http://schemas.microsoft.com/office/drawing/2014/main" xmlns="" val="1225336522"/>
                   </a:ext>
                 </a:extLst>
               </a:tr>
@@ -14368,7 +14399,7 @@
                 </a:tc>
                 <a:extLst>
                   <a:ext uri="{0D108BD9-81ED-4DB2-BD59-A6C34878D82A}">
-                    <a16:rowId xmlns:a16="http://schemas.microsoft.com/office/drawing/2014/main" val="4047267722"/>
+                    <a16:rowId xmlns:a16="http://schemas.microsoft.com/office/drawing/2014/main" xmlns="" val="4047267722"/>
                   </a:ext>
                 </a:extLst>
               </a:tr>
@@ -14976,7 +15007,7 @@
                 </a:tc>
                 <a:extLst>
                   <a:ext uri="{0D108BD9-81ED-4DB2-BD59-A6C34878D82A}">
-                    <a16:rowId xmlns:a16="http://schemas.microsoft.com/office/drawing/2014/main" val="1414616805"/>
+                    <a16:rowId xmlns:a16="http://schemas.microsoft.com/office/drawing/2014/main" xmlns="" val="1414616805"/>
                   </a:ext>
                 </a:extLst>
               </a:tr>
@@ -15595,7 +15626,7 @@
                 </a:tc>
                 <a:extLst>
                   <a:ext uri="{0D108BD9-81ED-4DB2-BD59-A6C34878D82A}">
-                    <a16:rowId xmlns:a16="http://schemas.microsoft.com/office/drawing/2014/main" val="2583695390"/>
+                    <a16:rowId xmlns:a16="http://schemas.microsoft.com/office/drawing/2014/main" xmlns="" val="2583695390"/>
                   </a:ext>
                 </a:extLst>
               </a:tr>
@@ -16196,7 +16227,7 @@
                 </a:tc>
                 <a:extLst>
                   <a:ext uri="{0D108BD9-81ED-4DB2-BD59-A6C34878D82A}">
-                    <a16:rowId xmlns:a16="http://schemas.microsoft.com/office/drawing/2014/main" val="1649571982"/>
+                    <a16:rowId xmlns:a16="http://schemas.microsoft.com/office/drawing/2014/main" xmlns="" val="1649571982"/>
                   </a:ext>
                 </a:extLst>
               </a:tr>
@@ -16815,7 +16846,7 @@
                 </a:tc>
                 <a:extLst>
                   <a:ext uri="{0D108BD9-81ED-4DB2-BD59-A6C34878D82A}">
-                    <a16:rowId xmlns:a16="http://schemas.microsoft.com/office/drawing/2014/main" val="1940719576"/>
+                    <a16:rowId xmlns:a16="http://schemas.microsoft.com/office/drawing/2014/main" xmlns="" val="1940719576"/>
                   </a:ext>
                 </a:extLst>
               </a:tr>
@@ -16828,7 +16859,7 @@
           <p:cNvPr id="11" name="표 39">
             <a:extLst>
               <a:ext uri="{FF2B5EF4-FFF2-40B4-BE49-F238E27FC236}">
-                <a16:creationId xmlns:a16="http://schemas.microsoft.com/office/drawing/2014/main" id="{FC1C7D3C-7DE0-48F9-923A-90E43D91EDAD}"/>
+                <a16:creationId xmlns:a16="http://schemas.microsoft.com/office/drawing/2014/main" xmlns="" id="{FC1C7D3C-7DE0-48F9-923A-90E43D91EDAD}"/>
               </a:ext>
             </a:extLst>
           </p:cNvPr>
@@ -16857,21 +16888,21 @@
                 <a:gridCol w="1339725">
                   <a:extLst>
                     <a:ext uri="{9D8B030D-6E8A-4147-A177-3AD203B41FA5}">
-                      <a16:colId xmlns:a16="http://schemas.microsoft.com/office/drawing/2014/main" val="2506213531"/>
+                      <a16:colId xmlns:a16="http://schemas.microsoft.com/office/drawing/2014/main" xmlns="" val="2506213531"/>
                     </a:ext>
                   </a:extLst>
                 </a:gridCol>
                 <a:gridCol w="1339725">
                   <a:extLst>
                     <a:ext uri="{9D8B030D-6E8A-4147-A177-3AD203B41FA5}">
-                      <a16:colId xmlns:a16="http://schemas.microsoft.com/office/drawing/2014/main" val="3956944197"/>
+                      <a16:colId xmlns:a16="http://schemas.microsoft.com/office/drawing/2014/main" xmlns="" val="3956944197"/>
                     </a:ext>
                   </a:extLst>
                 </a:gridCol>
                 <a:gridCol w="1339725">
                   <a:extLst>
                     <a:ext uri="{9D8B030D-6E8A-4147-A177-3AD203B41FA5}">
-                      <a16:colId xmlns:a16="http://schemas.microsoft.com/office/drawing/2014/main" val="1151473981"/>
+                      <a16:colId xmlns:a16="http://schemas.microsoft.com/office/drawing/2014/main" xmlns="" val="1151473981"/>
                     </a:ext>
                   </a:extLst>
                 </a:gridCol>
@@ -17053,7 +17084,7 @@
                 </a:tc>
                 <a:extLst>
                   <a:ext uri="{0D108BD9-81ED-4DB2-BD59-A6C34878D82A}">
-                    <a16:rowId xmlns:a16="http://schemas.microsoft.com/office/drawing/2014/main" val="3586328922"/>
+                    <a16:rowId xmlns:a16="http://schemas.microsoft.com/office/drawing/2014/main" xmlns="" val="3586328922"/>
                   </a:ext>
                 </a:extLst>
               </a:tr>
@@ -17066,7 +17097,7 @@
           <p:cNvPr id="12" name="TextBox 11">
             <a:extLst>
               <a:ext uri="{FF2B5EF4-FFF2-40B4-BE49-F238E27FC236}">
-                <a16:creationId xmlns:a16="http://schemas.microsoft.com/office/drawing/2014/main" id="{6982598B-0F90-43BF-8041-C0670891FD9C}"/>
+                <a16:creationId xmlns:a16="http://schemas.microsoft.com/office/drawing/2014/main" xmlns="" id="{6982598B-0F90-43BF-8041-C0670891FD9C}"/>
               </a:ext>
             </a:extLst>
           </p:cNvPr>
@@ -17108,7 +17139,7 @@
           <p:cNvPr id="13" name="직사각형 12">
             <a:extLst>
               <a:ext uri="{FF2B5EF4-FFF2-40B4-BE49-F238E27FC236}">
-                <a16:creationId xmlns:a16="http://schemas.microsoft.com/office/drawing/2014/main" id="{FD8B48AC-50DB-47B5-B781-011301C247EC}"/>
+                <a16:creationId xmlns:a16="http://schemas.microsoft.com/office/drawing/2014/main" xmlns="" id="{FD8B48AC-50DB-47B5-B781-011301C247EC}"/>
               </a:ext>
             </a:extLst>
           </p:cNvPr>
@@ -17162,7 +17193,7 @@
           <p:cNvPr id="14" name="TextBox 13">
             <a:extLst>
               <a:ext uri="{FF2B5EF4-FFF2-40B4-BE49-F238E27FC236}">
-                <a16:creationId xmlns:a16="http://schemas.microsoft.com/office/drawing/2014/main" id="{AA55FE6F-EF39-47EC-A338-5CE12D7D789F}"/>
+                <a16:creationId xmlns:a16="http://schemas.microsoft.com/office/drawing/2014/main" xmlns="" id="{AA55FE6F-EF39-47EC-A338-5CE12D7D789F}"/>
               </a:ext>
             </a:extLst>
           </p:cNvPr>
@@ -17204,7 +17235,7 @@
           <p:cNvPr id="15" name="직선 연결선 14">
             <a:extLst>
               <a:ext uri="{FF2B5EF4-FFF2-40B4-BE49-F238E27FC236}">
-                <a16:creationId xmlns:a16="http://schemas.microsoft.com/office/drawing/2014/main" id="{B9B9FDE7-162F-479C-B640-8583F20B5A3C}"/>
+                <a16:creationId xmlns:a16="http://schemas.microsoft.com/office/drawing/2014/main" xmlns="" id="{B9B9FDE7-162F-479C-B640-8583F20B5A3C}"/>
               </a:ext>
             </a:extLst>
           </p:cNvPr>
@@ -17245,7 +17276,7 @@
           <p:cNvPr id="16" name="TextBox 15">
             <a:extLst>
               <a:ext uri="{FF2B5EF4-FFF2-40B4-BE49-F238E27FC236}">
-                <a16:creationId xmlns:a16="http://schemas.microsoft.com/office/drawing/2014/main" id="{DF303BD1-B1BF-49D5-9A36-AA863C5C6479}"/>
+                <a16:creationId xmlns:a16="http://schemas.microsoft.com/office/drawing/2014/main" xmlns="" id="{DF303BD1-B1BF-49D5-9A36-AA863C5C6479}"/>
               </a:ext>
             </a:extLst>
           </p:cNvPr>
@@ -17287,7 +17318,7 @@
           <p:cNvPr id="17" name="그림 16">
             <a:extLst>
               <a:ext uri="{FF2B5EF4-FFF2-40B4-BE49-F238E27FC236}">
-                <a16:creationId xmlns:a16="http://schemas.microsoft.com/office/drawing/2014/main" id="{FA7FCACD-BFC1-46AC-928C-F22A5651E7CF}"/>
+                <a16:creationId xmlns:a16="http://schemas.microsoft.com/office/drawing/2014/main" xmlns="" id="{FA7FCACD-BFC1-46AC-928C-F22A5651E7CF}"/>
               </a:ext>
             </a:extLst>
           </p:cNvPr>
@@ -17297,7 +17328,7 @@
           <p:nvPr/>
         </p:nvPicPr>
         <p:blipFill>
-          <a:blip r:embed="rId2">
+          <a:blip r:embed="rId2" cstate="print">
             <a:extLst>
               <a:ext uri="{28A0092B-C50C-407E-A947-70E740481C1C}">
                 <a14:useLocalDpi xmlns:a14="http://schemas.microsoft.com/office/drawing/2010/main" val="0"/>
@@ -17323,7 +17354,7 @@
           <p:cNvPr id="18" name="TextBox 17">
             <a:extLst>
               <a:ext uri="{FF2B5EF4-FFF2-40B4-BE49-F238E27FC236}">
-                <a16:creationId xmlns:a16="http://schemas.microsoft.com/office/drawing/2014/main" id="{BD37D3A9-8FE7-4070-BDD5-DE3FFDDDADB4}"/>
+                <a16:creationId xmlns:a16="http://schemas.microsoft.com/office/drawing/2014/main" xmlns="" id="{BD37D3A9-8FE7-4070-BDD5-DE3FFDDDADB4}"/>
               </a:ext>
             </a:extLst>
           </p:cNvPr>
@@ -17361,7 +17392,7 @@
           <p:cNvPr id="19" name="그룹 18">
             <a:extLst>
               <a:ext uri="{FF2B5EF4-FFF2-40B4-BE49-F238E27FC236}">
-                <a16:creationId xmlns:a16="http://schemas.microsoft.com/office/drawing/2014/main" id="{956BB17D-6FD1-4715-92AF-3FDCFBCCA6B0}"/>
+                <a16:creationId xmlns:a16="http://schemas.microsoft.com/office/drawing/2014/main" xmlns="" id="{956BB17D-6FD1-4715-92AF-3FDCFBCCA6B0}"/>
               </a:ext>
             </a:extLst>
           </p:cNvPr>
@@ -17381,7 +17412,7 @@
             <p:cNvPr id="20" name="직사각형 19">
               <a:extLst>
                 <a:ext uri="{FF2B5EF4-FFF2-40B4-BE49-F238E27FC236}">
-                  <a16:creationId xmlns:a16="http://schemas.microsoft.com/office/drawing/2014/main" id="{0B9B7BD8-8CCF-47B5-B908-60FB3D4D00DB}"/>
+                  <a16:creationId xmlns:a16="http://schemas.microsoft.com/office/drawing/2014/main" xmlns="" id="{0B9B7BD8-8CCF-47B5-B908-60FB3D4D00DB}"/>
                 </a:ext>
               </a:extLst>
             </p:cNvPr>
@@ -17435,7 +17466,7 @@
             <p:cNvPr id="21" name="TextBox 20">
               <a:extLst>
                 <a:ext uri="{FF2B5EF4-FFF2-40B4-BE49-F238E27FC236}">
-                  <a16:creationId xmlns:a16="http://schemas.microsoft.com/office/drawing/2014/main" id="{34E915B8-92AF-4304-A2E6-743618AC7534}"/>
+                  <a16:creationId xmlns:a16="http://schemas.microsoft.com/office/drawing/2014/main" xmlns="" id="{34E915B8-92AF-4304-A2E6-743618AC7534}"/>
                 </a:ext>
               </a:extLst>
             </p:cNvPr>
@@ -17504,7 +17535,7 @@
           <p:cNvPr id="4" name="직사각형 3">
             <a:extLst>
               <a:ext uri="{FF2B5EF4-FFF2-40B4-BE49-F238E27FC236}">
-                <a16:creationId xmlns:a16="http://schemas.microsoft.com/office/drawing/2014/main" id="{294C750B-3019-4009-BAB0-2E54CD077885}"/>
+                <a16:creationId xmlns:a16="http://schemas.microsoft.com/office/drawing/2014/main" xmlns="" id="{294C750B-3019-4009-BAB0-2E54CD077885}"/>
               </a:ext>
             </a:extLst>
           </p:cNvPr>
@@ -17554,7 +17585,7 @@
           <p:cNvPr id="8" name="그룹 7">
             <a:extLst>
               <a:ext uri="{FF2B5EF4-FFF2-40B4-BE49-F238E27FC236}">
-                <a16:creationId xmlns:a16="http://schemas.microsoft.com/office/drawing/2014/main" id="{07E512A4-CA06-49D4-8DFE-426D00388F3B}"/>
+                <a16:creationId xmlns:a16="http://schemas.microsoft.com/office/drawing/2014/main" xmlns="" id="{07E512A4-CA06-49D4-8DFE-426D00388F3B}"/>
               </a:ext>
             </a:extLst>
           </p:cNvPr>
@@ -17574,7 +17605,7 @@
             <p:cNvPr id="9" name="직사각형 8">
               <a:extLst>
                 <a:ext uri="{FF2B5EF4-FFF2-40B4-BE49-F238E27FC236}">
-                  <a16:creationId xmlns:a16="http://schemas.microsoft.com/office/drawing/2014/main" id="{A8B66274-30C9-4A31-AE78-2FEB283B4C74}"/>
+                  <a16:creationId xmlns:a16="http://schemas.microsoft.com/office/drawing/2014/main" xmlns="" id="{A8B66274-30C9-4A31-AE78-2FEB283B4C74}"/>
                 </a:ext>
               </a:extLst>
             </p:cNvPr>
@@ -17628,7 +17659,7 @@
             <p:cNvPr id="10" name="TextBox 9">
               <a:extLst>
                 <a:ext uri="{FF2B5EF4-FFF2-40B4-BE49-F238E27FC236}">
-                  <a16:creationId xmlns:a16="http://schemas.microsoft.com/office/drawing/2014/main" id="{39974D9E-3287-4CB3-88C1-C8F66A8A085F}"/>
+                  <a16:creationId xmlns:a16="http://schemas.microsoft.com/office/drawing/2014/main" xmlns="" id="{39974D9E-3287-4CB3-88C1-C8F66A8A085F}"/>
                 </a:ext>
               </a:extLst>
             </p:cNvPr>
@@ -17667,7 +17698,7 @@
           <p:cNvPr id="11" name="사각형: 둥근 모서리 10">
             <a:extLst>
               <a:ext uri="{FF2B5EF4-FFF2-40B4-BE49-F238E27FC236}">
-                <a16:creationId xmlns:a16="http://schemas.microsoft.com/office/drawing/2014/main" id="{4A0617E0-BDF9-4492-B06C-13DF08B6CC80}"/>
+                <a16:creationId xmlns:a16="http://schemas.microsoft.com/office/drawing/2014/main" xmlns="" id="{4A0617E0-BDF9-4492-B06C-13DF08B6CC80}"/>
               </a:ext>
             </a:extLst>
           </p:cNvPr>
@@ -17720,7 +17751,7 @@
           <p:cNvPr id="25" name="그룹 24">
             <a:extLst>
               <a:ext uri="{FF2B5EF4-FFF2-40B4-BE49-F238E27FC236}">
-                <a16:creationId xmlns:a16="http://schemas.microsoft.com/office/drawing/2014/main" id="{FF075232-9E3D-4967-A9E1-26ADBD0FB10D}"/>
+                <a16:creationId xmlns:a16="http://schemas.microsoft.com/office/drawing/2014/main" xmlns="" id="{FF075232-9E3D-4967-A9E1-26ADBD0FB10D}"/>
               </a:ext>
             </a:extLst>
           </p:cNvPr>
@@ -17740,7 +17771,7 @@
             <p:cNvPr id="23" name="그룹 22">
               <a:extLst>
                 <a:ext uri="{FF2B5EF4-FFF2-40B4-BE49-F238E27FC236}">
-                  <a16:creationId xmlns:a16="http://schemas.microsoft.com/office/drawing/2014/main" id="{693A8219-69BB-49A4-8D37-786F60F361B2}"/>
+                  <a16:creationId xmlns:a16="http://schemas.microsoft.com/office/drawing/2014/main" xmlns="" id="{693A8219-69BB-49A4-8D37-786F60F361B2}"/>
                 </a:ext>
               </a:extLst>
             </p:cNvPr>
@@ -17760,7 +17791,7 @@
               <p:cNvPr id="13" name="타원 12">
                 <a:extLst>
                   <a:ext uri="{FF2B5EF4-FFF2-40B4-BE49-F238E27FC236}">
-                    <a16:creationId xmlns:a16="http://schemas.microsoft.com/office/drawing/2014/main" id="{AB14F9E7-A0E6-4FF4-A47E-4E17B75347E8}"/>
+                    <a16:creationId xmlns:a16="http://schemas.microsoft.com/office/drawing/2014/main" xmlns="" id="{AB14F9E7-A0E6-4FF4-A47E-4E17B75347E8}"/>
                   </a:ext>
                 </a:extLst>
               </p:cNvPr>
@@ -17810,7 +17841,7 @@
               <p:cNvPr id="16" name="TextBox 15">
                 <a:extLst>
                   <a:ext uri="{FF2B5EF4-FFF2-40B4-BE49-F238E27FC236}">
-                    <a16:creationId xmlns:a16="http://schemas.microsoft.com/office/drawing/2014/main" id="{008E79F5-CBED-449F-8779-8948667093AC}"/>
+                    <a16:creationId xmlns:a16="http://schemas.microsoft.com/office/drawing/2014/main" xmlns="" id="{008E79F5-CBED-449F-8779-8948667093AC}"/>
                   </a:ext>
                 </a:extLst>
               </p:cNvPr>
@@ -17853,7 +17884,7 @@
             <p:cNvPr id="24" name="그룹 23">
               <a:extLst>
                 <a:ext uri="{FF2B5EF4-FFF2-40B4-BE49-F238E27FC236}">
-                  <a16:creationId xmlns:a16="http://schemas.microsoft.com/office/drawing/2014/main" id="{403023AA-9F92-4926-966A-B83172C22E8F}"/>
+                  <a16:creationId xmlns:a16="http://schemas.microsoft.com/office/drawing/2014/main" xmlns="" id="{403023AA-9F92-4926-966A-B83172C22E8F}"/>
                 </a:ext>
               </a:extLst>
             </p:cNvPr>
@@ -17873,7 +17904,7 @@
               <p:cNvPr id="22" name="그룹 21">
                 <a:extLst>
                   <a:ext uri="{FF2B5EF4-FFF2-40B4-BE49-F238E27FC236}">
-                    <a16:creationId xmlns:a16="http://schemas.microsoft.com/office/drawing/2014/main" id="{43F74260-779C-4134-8BF8-471FA6EDCF16}"/>
+                    <a16:creationId xmlns:a16="http://schemas.microsoft.com/office/drawing/2014/main" xmlns="" id="{43F74260-779C-4134-8BF8-471FA6EDCF16}"/>
                   </a:ext>
                 </a:extLst>
               </p:cNvPr>
@@ -17893,7 +17924,7 @@
                 <p:cNvPr id="3" name="타원 2">
                   <a:extLst>
                     <a:ext uri="{FF2B5EF4-FFF2-40B4-BE49-F238E27FC236}">
-                      <a16:creationId xmlns:a16="http://schemas.microsoft.com/office/drawing/2014/main" id="{FAA2216F-707E-48D7-B5D7-B6C73560983D}"/>
+                      <a16:creationId xmlns:a16="http://schemas.microsoft.com/office/drawing/2014/main" xmlns="" id="{FAA2216F-707E-48D7-B5D7-B6C73560983D}"/>
                     </a:ext>
                   </a:extLst>
                 </p:cNvPr>
@@ -17943,7 +17974,7 @@
                 <p:cNvPr id="17" name="TextBox 16">
                   <a:extLst>
                     <a:ext uri="{FF2B5EF4-FFF2-40B4-BE49-F238E27FC236}">
-                      <a16:creationId xmlns:a16="http://schemas.microsoft.com/office/drawing/2014/main" id="{6931E201-3159-453B-B4F8-180AD6EC0841}"/>
+                      <a16:creationId xmlns:a16="http://schemas.microsoft.com/office/drawing/2014/main" xmlns="" id="{6931E201-3159-453B-B4F8-180AD6EC0841}"/>
                     </a:ext>
                   </a:extLst>
                 </p:cNvPr>
@@ -17986,7 +18017,7 @@
               <p:cNvPr id="18" name="화살표: 아래쪽 17">
                 <a:extLst>
                   <a:ext uri="{FF2B5EF4-FFF2-40B4-BE49-F238E27FC236}">
-                    <a16:creationId xmlns:a16="http://schemas.microsoft.com/office/drawing/2014/main" id="{11B9C161-AE57-418A-BF02-F125F58E7944}"/>
+                    <a16:creationId xmlns:a16="http://schemas.microsoft.com/office/drawing/2014/main" xmlns="" id="{11B9C161-AE57-418A-BF02-F125F58E7944}"/>
                   </a:ext>
                 </a:extLst>
               </p:cNvPr>
@@ -18045,7 +18076,7 @@
             <p:cNvPr id="19" name="화살표: 아래쪽 18">
               <a:extLst>
                 <a:ext uri="{FF2B5EF4-FFF2-40B4-BE49-F238E27FC236}">
-                  <a16:creationId xmlns:a16="http://schemas.microsoft.com/office/drawing/2014/main" id="{0E15D57F-6524-4156-B006-463A72FBD08F}"/>
+                  <a16:creationId xmlns:a16="http://schemas.microsoft.com/office/drawing/2014/main" xmlns="" id="{0E15D57F-6524-4156-B006-463A72FBD08F}"/>
                 </a:ext>
               </a:extLst>
             </p:cNvPr>
@@ -18103,7 +18134,7 @@
             <p:cNvPr id="20" name="화살표: 아래쪽 19">
               <a:extLst>
                 <a:ext uri="{FF2B5EF4-FFF2-40B4-BE49-F238E27FC236}">
-                  <a16:creationId xmlns:a16="http://schemas.microsoft.com/office/drawing/2014/main" id="{6635C45C-949C-4E8E-BFDE-267255969F20}"/>
+                  <a16:creationId xmlns:a16="http://schemas.microsoft.com/office/drawing/2014/main" xmlns="" id="{6635C45C-949C-4E8E-BFDE-267255969F20}"/>
                 </a:ext>
               </a:extLst>
             </p:cNvPr>
@@ -18162,7 +18193,7 @@
           <p:cNvPr id="27" name="TextBox 26">
             <a:extLst>
               <a:ext uri="{FF2B5EF4-FFF2-40B4-BE49-F238E27FC236}">
-                <a16:creationId xmlns:a16="http://schemas.microsoft.com/office/drawing/2014/main" id="{3EB63D6D-30C2-41A8-8C4E-E98068529FF3}"/>
+                <a16:creationId xmlns:a16="http://schemas.microsoft.com/office/drawing/2014/main" xmlns="" id="{3EB63D6D-30C2-41A8-8C4E-E98068529FF3}"/>
               </a:ext>
             </a:extLst>
           </p:cNvPr>
@@ -18345,7 +18376,7 @@
           <p:cNvPr id="29" name="타원 28">
             <a:extLst>
               <a:ext uri="{FF2B5EF4-FFF2-40B4-BE49-F238E27FC236}">
-                <a16:creationId xmlns:a16="http://schemas.microsoft.com/office/drawing/2014/main" id="{821F0E1E-DFD1-4E75-A45C-6A70F84AEAF8}"/>
+                <a16:creationId xmlns:a16="http://schemas.microsoft.com/office/drawing/2014/main" xmlns="" id="{821F0E1E-DFD1-4E75-A45C-6A70F84AEAF8}"/>
               </a:ext>
             </a:extLst>
           </p:cNvPr>
@@ -18395,7 +18426,7 @@
           <p:cNvPr id="30" name="TextBox 29">
             <a:extLst>
               <a:ext uri="{FF2B5EF4-FFF2-40B4-BE49-F238E27FC236}">
-                <a16:creationId xmlns:a16="http://schemas.microsoft.com/office/drawing/2014/main" id="{8805027C-6531-4374-94EF-EA1905886CF1}"/>
+                <a16:creationId xmlns:a16="http://schemas.microsoft.com/office/drawing/2014/main" xmlns="" id="{8805027C-6531-4374-94EF-EA1905886CF1}"/>
               </a:ext>
             </a:extLst>
           </p:cNvPr>
@@ -18437,7 +18468,7 @@
           <p:cNvPr id="31" name="TextBox 30">
             <a:extLst>
               <a:ext uri="{FF2B5EF4-FFF2-40B4-BE49-F238E27FC236}">
-                <a16:creationId xmlns:a16="http://schemas.microsoft.com/office/drawing/2014/main" id="{6D200FC6-72AA-4410-A2B8-2A67A0D2A134}"/>
+                <a16:creationId xmlns:a16="http://schemas.microsoft.com/office/drawing/2014/main" xmlns="" id="{6D200FC6-72AA-4410-A2B8-2A67A0D2A134}"/>
               </a:ext>
             </a:extLst>
           </p:cNvPr>
@@ -18515,7 +18546,7 @@
           <p:cNvPr id="4" name="직사각형 3">
             <a:extLst>
               <a:ext uri="{FF2B5EF4-FFF2-40B4-BE49-F238E27FC236}">
-                <a16:creationId xmlns:a16="http://schemas.microsoft.com/office/drawing/2014/main" id="{294C750B-3019-4009-BAB0-2E54CD077885}"/>
+                <a16:creationId xmlns:a16="http://schemas.microsoft.com/office/drawing/2014/main" xmlns="" id="{294C750B-3019-4009-BAB0-2E54CD077885}"/>
               </a:ext>
             </a:extLst>
           </p:cNvPr>
@@ -18565,7 +18596,7 @@
           <p:cNvPr id="8" name="그룹 7">
             <a:extLst>
               <a:ext uri="{FF2B5EF4-FFF2-40B4-BE49-F238E27FC236}">
-                <a16:creationId xmlns:a16="http://schemas.microsoft.com/office/drawing/2014/main" id="{07E512A4-CA06-49D4-8DFE-426D00388F3B}"/>
+                <a16:creationId xmlns:a16="http://schemas.microsoft.com/office/drawing/2014/main" xmlns="" id="{07E512A4-CA06-49D4-8DFE-426D00388F3B}"/>
               </a:ext>
             </a:extLst>
           </p:cNvPr>
@@ -18585,7 +18616,7 @@
             <p:cNvPr id="9" name="직사각형 8">
               <a:extLst>
                 <a:ext uri="{FF2B5EF4-FFF2-40B4-BE49-F238E27FC236}">
-                  <a16:creationId xmlns:a16="http://schemas.microsoft.com/office/drawing/2014/main" id="{A8B66274-30C9-4A31-AE78-2FEB283B4C74}"/>
+                  <a16:creationId xmlns:a16="http://schemas.microsoft.com/office/drawing/2014/main" xmlns="" id="{A8B66274-30C9-4A31-AE78-2FEB283B4C74}"/>
                 </a:ext>
               </a:extLst>
             </p:cNvPr>
@@ -18639,7 +18670,7 @@
             <p:cNvPr id="10" name="TextBox 9">
               <a:extLst>
                 <a:ext uri="{FF2B5EF4-FFF2-40B4-BE49-F238E27FC236}">
-                  <a16:creationId xmlns:a16="http://schemas.microsoft.com/office/drawing/2014/main" id="{39974D9E-3287-4CB3-88C1-C8F66A8A085F}"/>
+                  <a16:creationId xmlns:a16="http://schemas.microsoft.com/office/drawing/2014/main" xmlns="" id="{39974D9E-3287-4CB3-88C1-C8F66A8A085F}"/>
                 </a:ext>
               </a:extLst>
             </p:cNvPr>
@@ -18678,7 +18709,7 @@
           <p:cNvPr id="23" name="사각형: 둥근 모서리 22">
             <a:extLst>
               <a:ext uri="{FF2B5EF4-FFF2-40B4-BE49-F238E27FC236}">
-                <a16:creationId xmlns:a16="http://schemas.microsoft.com/office/drawing/2014/main" id="{9F8976D4-5EBC-4AAC-AAD9-53AD83F10180}"/>
+                <a16:creationId xmlns:a16="http://schemas.microsoft.com/office/drawing/2014/main" xmlns="" id="{9F8976D4-5EBC-4AAC-AAD9-53AD83F10180}"/>
               </a:ext>
             </a:extLst>
           </p:cNvPr>
@@ -18731,7 +18762,7 @@
           <p:cNvPr id="6" name="그룹 5">
             <a:extLst>
               <a:ext uri="{FF2B5EF4-FFF2-40B4-BE49-F238E27FC236}">
-                <a16:creationId xmlns:a16="http://schemas.microsoft.com/office/drawing/2014/main" id="{02294748-7D21-4A07-810A-0AABFE80EA79}"/>
+                <a16:creationId xmlns:a16="http://schemas.microsoft.com/office/drawing/2014/main" xmlns="" id="{02294748-7D21-4A07-810A-0AABFE80EA79}"/>
               </a:ext>
             </a:extLst>
           </p:cNvPr>
@@ -18751,7 +18782,7 @@
             <p:cNvPr id="7" name="그룹 6">
               <a:extLst>
                 <a:ext uri="{FF2B5EF4-FFF2-40B4-BE49-F238E27FC236}">
-                  <a16:creationId xmlns:a16="http://schemas.microsoft.com/office/drawing/2014/main" id="{E40F3D9C-239F-4302-8CDD-8ED80F54841B}"/>
+                  <a16:creationId xmlns:a16="http://schemas.microsoft.com/office/drawing/2014/main" xmlns="" id="{E40F3D9C-239F-4302-8CDD-8ED80F54841B}"/>
                 </a:ext>
               </a:extLst>
             </p:cNvPr>
@@ -18771,7 +18802,7 @@
               <p:cNvPr id="21" name="타원 20">
                 <a:extLst>
                   <a:ext uri="{FF2B5EF4-FFF2-40B4-BE49-F238E27FC236}">
-                    <a16:creationId xmlns:a16="http://schemas.microsoft.com/office/drawing/2014/main" id="{3948DA32-7988-4093-83B1-F2536B4CC673}"/>
+                    <a16:creationId xmlns:a16="http://schemas.microsoft.com/office/drawing/2014/main" xmlns="" id="{3948DA32-7988-4093-83B1-F2536B4CC673}"/>
                   </a:ext>
                 </a:extLst>
               </p:cNvPr>
@@ -18821,7 +18852,7 @@
               <p:cNvPr id="22" name="TextBox 21">
                 <a:extLst>
                   <a:ext uri="{FF2B5EF4-FFF2-40B4-BE49-F238E27FC236}">
-                    <a16:creationId xmlns:a16="http://schemas.microsoft.com/office/drawing/2014/main" id="{51FFE983-CB81-404B-AFA7-436F6D3AA663}"/>
+                    <a16:creationId xmlns:a16="http://schemas.microsoft.com/office/drawing/2014/main" xmlns="" id="{51FFE983-CB81-404B-AFA7-436F6D3AA663}"/>
                   </a:ext>
                 </a:extLst>
               </p:cNvPr>
@@ -18864,7 +18895,7 @@
             <p:cNvPr id="11" name="그룹 10">
               <a:extLst>
                 <a:ext uri="{FF2B5EF4-FFF2-40B4-BE49-F238E27FC236}">
-                  <a16:creationId xmlns:a16="http://schemas.microsoft.com/office/drawing/2014/main" id="{5BC6A654-EADD-4D31-A195-5F2B3C8D594C}"/>
+                  <a16:creationId xmlns:a16="http://schemas.microsoft.com/office/drawing/2014/main" xmlns="" id="{5BC6A654-EADD-4D31-A195-5F2B3C8D594C}"/>
                 </a:ext>
               </a:extLst>
             </p:cNvPr>
@@ -18884,7 +18915,7 @@
               <p:cNvPr id="14" name="그룹 13">
                 <a:extLst>
                   <a:ext uri="{FF2B5EF4-FFF2-40B4-BE49-F238E27FC236}">
-                    <a16:creationId xmlns:a16="http://schemas.microsoft.com/office/drawing/2014/main" id="{F16E0E63-B4CD-4409-B45D-33D3DD9B5CD0}"/>
+                    <a16:creationId xmlns:a16="http://schemas.microsoft.com/office/drawing/2014/main" xmlns="" id="{F16E0E63-B4CD-4409-B45D-33D3DD9B5CD0}"/>
                   </a:ext>
                 </a:extLst>
               </p:cNvPr>
@@ -18904,7 +18935,7 @@
                 <p:cNvPr id="19" name="타원 18">
                   <a:extLst>
                     <a:ext uri="{FF2B5EF4-FFF2-40B4-BE49-F238E27FC236}">
-                      <a16:creationId xmlns:a16="http://schemas.microsoft.com/office/drawing/2014/main" id="{AD506D23-0560-4CDC-90E2-FB477678791C}"/>
+                      <a16:creationId xmlns:a16="http://schemas.microsoft.com/office/drawing/2014/main" xmlns="" id="{AD506D23-0560-4CDC-90E2-FB477678791C}"/>
                     </a:ext>
                   </a:extLst>
                 </p:cNvPr>
@@ -18954,7 +18985,7 @@
                 <p:cNvPr id="20" name="TextBox 19">
                   <a:extLst>
                     <a:ext uri="{FF2B5EF4-FFF2-40B4-BE49-F238E27FC236}">
-                      <a16:creationId xmlns:a16="http://schemas.microsoft.com/office/drawing/2014/main" id="{37666EB0-2839-4AF2-8EA3-2AE8927688AE}"/>
+                      <a16:creationId xmlns:a16="http://schemas.microsoft.com/office/drawing/2014/main" xmlns="" id="{37666EB0-2839-4AF2-8EA3-2AE8927688AE}"/>
                     </a:ext>
                   </a:extLst>
                 </p:cNvPr>
@@ -18997,7 +19028,7 @@
               <p:cNvPr id="15" name="그룹 14">
                 <a:extLst>
                   <a:ext uri="{FF2B5EF4-FFF2-40B4-BE49-F238E27FC236}">
-                    <a16:creationId xmlns:a16="http://schemas.microsoft.com/office/drawing/2014/main" id="{64E50049-EBAD-4293-BD0F-5CE5515C5E70}"/>
+                    <a16:creationId xmlns:a16="http://schemas.microsoft.com/office/drawing/2014/main" xmlns="" id="{64E50049-EBAD-4293-BD0F-5CE5515C5E70}"/>
                   </a:ext>
                 </a:extLst>
               </p:cNvPr>
@@ -19017,7 +19048,7 @@
                 <p:cNvPr id="17" name="타원 16">
                   <a:extLst>
                     <a:ext uri="{FF2B5EF4-FFF2-40B4-BE49-F238E27FC236}">
-                      <a16:creationId xmlns:a16="http://schemas.microsoft.com/office/drawing/2014/main" id="{9E2D4C9B-BF95-4029-821C-EA5A262015DF}"/>
+                      <a16:creationId xmlns:a16="http://schemas.microsoft.com/office/drawing/2014/main" xmlns="" id="{9E2D4C9B-BF95-4029-821C-EA5A262015DF}"/>
                     </a:ext>
                   </a:extLst>
                 </p:cNvPr>
@@ -19067,7 +19098,7 @@
                 <p:cNvPr id="18" name="TextBox 17">
                   <a:extLst>
                     <a:ext uri="{FF2B5EF4-FFF2-40B4-BE49-F238E27FC236}">
-                      <a16:creationId xmlns:a16="http://schemas.microsoft.com/office/drawing/2014/main" id="{9CEE749B-11A2-4A5B-A097-80CB45D9F38C}"/>
+                      <a16:creationId xmlns:a16="http://schemas.microsoft.com/office/drawing/2014/main" xmlns="" id="{9CEE749B-11A2-4A5B-A097-80CB45D9F38C}"/>
                     </a:ext>
                   </a:extLst>
                 </p:cNvPr>
@@ -19110,7 +19141,7 @@
               <p:cNvPr id="16" name="화살표: 아래쪽 15">
                 <a:extLst>
                   <a:ext uri="{FF2B5EF4-FFF2-40B4-BE49-F238E27FC236}">
-                    <a16:creationId xmlns:a16="http://schemas.microsoft.com/office/drawing/2014/main" id="{9B5D48D6-FAF2-4EBE-89B5-19CF067D31D7}"/>
+                    <a16:creationId xmlns:a16="http://schemas.microsoft.com/office/drawing/2014/main" xmlns="" id="{9B5D48D6-FAF2-4EBE-89B5-19CF067D31D7}"/>
                   </a:ext>
                 </a:extLst>
               </p:cNvPr>
@@ -19170,7 +19201,7 @@
           <p:cNvPr id="24" name="TextBox 23">
             <a:extLst>
               <a:ext uri="{FF2B5EF4-FFF2-40B4-BE49-F238E27FC236}">
-                <a16:creationId xmlns:a16="http://schemas.microsoft.com/office/drawing/2014/main" id="{AE2D02DB-D30D-4051-AEBE-29F87E923B7D}"/>
+                <a16:creationId xmlns:a16="http://schemas.microsoft.com/office/drawing/2014/main" xmlns="" id="{AE2D02DB-D30D-4051-AEBE-29F87E923B7D}"/>
               </a:ext>
             </a:extLst>
           </p:cNvPr>
@@ -19310,7 +19341,7 @@
           <p:cNvPr id="25" name="TextBox 24">
             <a:extLst>
               <a:ext uri="{FF2B5EF4-FFF2-40B4-BE49-F238E27FC236}">
-                <a16:creationId xmlns:a16="http://schemas.microsoft.com/office/drawing/2014/main" id="{CD45180C-18BF-4FEE-9478-3F22F720C63A}"/>
+                <a16:creationId xmlns:a16="http://schemas.microsoft.com/office/drawing/2014/main" xmlns="" id="{CD45180C-18BF-4FEE-9478-3F22F720C63A}"/>
               </a:ext>
             </a:extLst>
           </p:cNvPr>
@@ -19358,7 +19389,7 @@
           <p:cNvPr id="26" name="TextBox 25">
             <a:extLst>
               <a:ext uri="{FF2B5EF4-FFF2-40B4-BE49-F238E27FC236}">
-                <a16:creationId xmlns:a16="http://schemas.microsoft.com/office/drawing/2014/main" id="{DD22B390-3671-4295-88B5-DC6717D0F9C7}"/>
+                <a16:creationId xmlns:a16="http://schemas.microsoft.com/office/drawing/2014/main" xmlns="" id="{DD22B390-3671-4295-88B5-DC6717D0F9C7}"/>
               </a:ext>
             </a:extLst>
           </p:cNvPr>
@@ -19430,7 +19461,7 @@
           <p:cNvPr id="27" name="화살표: 아래쪽 26">
             <a:extLst>
               <a:ext uri="{FF2B5EF4-FFF2-40B4-BE49-F238E27FC236}">
-                <a16:creationId xmlns:a16="http://schemas.microsoft.com/office/drawing/2014/main" id="{90829D5A-706A-49B1-8F55-FEBACE7FE955}"/>
+                <a16:creationId xmlns:a16="http://schemas.microsoft.com/office/drawing/2014/main" xmlns="" id="{90829D5A-706A-49B1-8F55-FEBACE7FE955}"/>
               </a:ext>
             </a:extLst>
           </p:cNvPr>
@@ -19488,7 +19519,7 @@
           <p:cNvPr id="28" name="화살표: 아래쪽 27">
             <a:extLst>
               <a:ext uri="{FF2B5EF4-FFF2-40B4-BE49-F238E27FC236}">
-                <a16:creationId xmlns:a16="http://schemas.microsoft.com/office/drawing/2014/main" id="{A5B50D57-E172-45A7-A16C-7391961EB136}"/>
+                <a16:creationId xmlns:a16="http://schemas.microsoft.com/office/drawing/2014/main" xmlns="" id="{A5B50D57-E172-45A7-A16C-7391961EB136}"/>
               </a:ext>
             </a:extLst>
           </p:cNvPr>
@@ -19576,7 +19607,7 @@
           <p:cNvPr id="4" name="직사각형 3">
             <a:extLst>
               <a:ext uri="{FF2B5EF4-FFF2-40B4-BE49-F238E27FC236}">
-                <a16:creationId xmlns:a16="http://schemas.microsoft.com/office/drawing/2014/main" id="{294C750B-3019-4009-BAB0-2E54CD077885}"/>
+                <a16:creationId xmlns:a16="http://schemas.microsoft.com/office/drawing/2014/main" xmlns="" id="{294C750B-3019-4009-BAB0-2E54CD077885}"/>
               </a:ext>
             </a:extLst>
           </p:cNvPr>
@@ -19626,7 +19657,7 @@
           <p:cNvPr id="8" name="그룹 7">
             <a:extLst>
               <a:ext uri="{FF2B5EF4-FFF2-40B4-BE49-F238E27FC236}">
-                <a16:creationId xmlns:a16="http://schemas.microsoft.com/office/drawing/2014/main" id="{07E512A4-CA06-49D4-8DFE-426D00388F3B}"/>
+                <a16:creationId xmlns:a16="http://schemas.microsoft.com/office/drawing/2014/main" xmlns="" id="{07E512A4-CA06-49D4-8DFE-426D00388F3B}"/>
               </a:ext>
             </a:extLst>
           </p:cNvPr>
@@ -19646,7 +19677,7 @@
             <p:cNvPr id="9" name="직사각형 8">
               <a:extLst>
                 <a:ext uri="{FF2B5EF4-FFF2-40B4-BE49-F238E27FC236}">
-                  <a16:creationId xmlns:a16="http://schemas.microsoft.com/office/drawing/2014/main" id="{A8B66274-30C9-4A31-AE78-2FEB283B4C74}"/>
+                  <a16:creationId xmlns:a16="http://schemas.microsoft.com/office/drawing/2014/main" xmlns="" id="{A8B66274-30C9-4A31-AE78-2FEB283B4C74}"/>
                 </a:ext>
               </a:extLst>
             </p:cNvPr>
@@ -19700,7 +19731,7 @@
             <p:cNvPr id="10" name="TextBox 9">
               <a:extLst>
                 <a:ext uri="{FF2B5EF4-FFF2-40B4-BE49-F238E27FC236}">
-                  <a16:creationId xmlns:a16="http://schemas.microsoft.com/office/drawing/2014/main" id="{39974D9E-3287-4CB3-88C1-C8F66A8A085F}"/>
+                  <a16:creationId xmlns:a16="http://schemas.microsoft.com/office/drawing/2014/main" xmlns="" id="{39974D9E-3287-4CB3-88C1-C8F66A8A085F}"/>
                 </a:ext>
               </a:extLst>
             </p:cNvPr>
@@ -19739,7 +19770,7 @@
           <p:cNvPr id="37" name="사각형: 둥근 모서리 36">
             <a:extLst>
               <a:ext uri="{FF2B5EF4-FFF2-40B4-BE49-F238E27FC236}">
-                <a16:creationId xmlns:a16="http://schemas.microsoft.com/office/drawing/2014/main" id="{A6C1CCF8-4891-465D-87A8-A901D0BAD8EA}"/>
+                <a16:creationId xmlns:a16="http://schemas.microsoft.com/office/drawing/2014/main" xmlns="" id="{A6C1CCF8-4891-465D-87A8-A901D0BAD8EA}"/>
               </a:ext>
             </a:extLst>
           </p:cNvPr>
@@ -19792,7 +19823,7 @@
           <p:cNvPr id="23" name="그룹 22">
             <a:extLst>
               <a:ext uri="{FF2B5EF4-FFF2-40B4-BE49-F238E27FC236}">
-                <a16:creationId xmlns:a16="http://schemas.microsoft.com/office/drawing/2014/main" id="{89A2BBE6-1432-4764-B452-95B17D21FE0F}"/>
+                <a16:creationId xmlns:a16="http://schemas.microsoft.com/office/drawing/2014/main" xmlns="" id="{89A2BBE6-1432-4764-B452-95B17D21FE0F}"/>
               </a:ext>
             </a:extLst>
           </p:cNvPr>
@@ -19812,7 +19843,7 @@
             <p:cNvPr id="24" name="그룹 23">
               <a:extLst>
                 <a:ext uri="{FF2B5EF4-FFF2-40B4-BE49-F238E27FC236}">
-                  <a16:creationId xmlns:a16="http://schemas.microsoft.com/office/drawing/2014/main" id="{ED61B6D9-6BE5-4C9F-ACBC-E58DB3638E94}"/>
+                  <a16:creationId xmlns:a16="http://schemas.microsoft.com/office/drawing/2014/main" xmlns="" id="{ED61B6D9-6BE5-4C9F-ACBC-E58DB3638E94}"/>
                 </a:ext>
               </a:extLst>
             </p:cNvPr>
@@ -19832,7 +19863,7 @@
               <p:cNvPr id="35" name="타원 34">
                 <a:extLst>
                   <a:ext uri="{FF2B5EF4-FFF2-40B4-BE49-F238E27FC236}">
-                    <a16:creationId xmlns:a16="http://schemas.microsoft.com/office/drawing/2014/main" id="{4E597163-AD7D-4C53-A7A4-F6930A0BC3FC}"/>
+                    <a16:creationId xmlns:a16="http://schemas.microsoft.com/office/drawing/2014/main" xmlns="" id="{4E597163-AD7D-4C53-A7A4-F6930A0BC3FC}"/>
                   </a:ext>
                 </a:extLst>
               </p:cNvPr>
@@ -19882,7 +19913,7 @@
               <p:cNvPr id="36" name="TextBox 35">
                 <a:extLst>
                   <a:ext uri="{FF2B5EF4-FFF2-40B4-BE49-F238E27FC236}">
-                    <a16:creationId xmlns:a16="http://schemas.microsoft.com/office/drawing/2014/main" id="{F12C09C5-8749-4BB5-A90B-04869A6927A6}"/>
+                    <a16:creationId xmlns:a16="http://schemas.microsoft.com/office/drawing/2014/main" xmlns="" id="{F12C09C5-8749-4BB5-A90B-04869A6927A6}"/>
                   </a:ext>
                 </a:extLst>
               </p:cNvPr>
@@ -19925,7 +19956,7 @@
             <p:cNvPr id="25" name="그룹 24">
               <a:extLst>
                 <a:ext uri="{FF2B5EF4-FFF2-40B4-BE49-F238E27FC236}">
-                  <a16:creationId xmlns:a16="http://schemas.microsoft.com/office/drawing/2014/main" id="{5A98161B-F74D-4FF3-A791-E260CEE9F3E5}"/>
+                  <a16:creationId xmlns:a16="http://schemas.microsoft.com/office/drawing/2014/main" xmlns="" id="{5A98161B-F74D-4FF3-A791-E260CEE9F3E5}"/>
                 </a:ext>
               </a:extLst>
             </p:cNvPr>
@@ -19945,7 +19976,7 @@
               <p:cNvPr id="28" name="그룹 27">
                 <a:extLst>
                   <a:ext uri="{FF2B5EF4-FFF2-40B4-BE49-F238E27FC236}">
-                    <a16:creationId xmlns:a16="http://schemas.microsoft.com/office/drawing/2014/main" id="{71389007-ECC8-4811-9FEC-03D2CB1045F6}"/>
+                    <a16:creationId xmlns:a16="http://schemas.microsoft.com/office/drawing/2014/main" xmlns="" id="{71389007-ECC8-4811-9FEC-03D2CB1045F6}"/>
                   </a:ext>
                 </a:extLst>
               </p:cNvPr>
@@ -19965,7 +19996,7 @@
                 <p:cNvPr id="33" name="타원 32">
                   <a:extLst>
                     <a:ext uri="{FF2B5EF4-FFF2-40B4-BE49-F238E27FC236}">
-                      <a16:creationId xmlns:a16="http://schemas.microsoft.com/office/drawing/2014/main" id="{601EC7A7-31B8-4D29-9AAA-5D619ED40B5D}"/>
+                      <a16:creationId xmlns:a16="http://schemas.microsoft.com/office/drawing/2014/main" xmlns="" id="{601EC7A7-31B8-4D29-9AAA-5D619ED40B5D}"/>
                     </a:ext>
                   </a:extLst>
                 </p:cNvPr>
@@ -20015,7 +20046,7 @@
                 <p:cNvPr id="34" name="TextBox 33">
                   <a:extLst>
                     <a:ext uri="{FF2B5EF4-FFF2-40B4-BE49-F238E27FC236}">
-                      <a16:creationId xmlns:a16="http://schemas.microsoft.com/office/drawing/2014/main" id="{FDF20371-E9C0-44AA-B163-E75962A3D5E0}"/>
+                      <a16:creationId xmlns:a16="http://schemas.microsoft.com/office/drawing/2014/main" xmlns="" id="{FDF20371-E9C0-44AA-B163-E75962A3D5E0}"/>
                     </a:ext>
                   </a:extLst>
                 </p:cNvPr>
@@ -20058,7 +20089,7 @@
               <p:cNvPr id="29" name="그룹 28">
                 <a:extLst>
                   <a:ext uri="{FF2B5EF4-FFF2-40B4-BE49-F238E27FC236}">
-                    <a16:creationId xmlns:a16="http://schemas.microsoft.com/office/drawing/2014/main" id="{96C1475A-0613-4150-A1AE-19299728C87D}"/>
+                    <a16:creationId xmlns:a16="http://schemas.microsoft.com/office/drawing/2014/main" xmlns="" id="{96C1475A-0613-4150-A1AE-19299728C87D}"/>
                   </a:ext>
                 </a:extLst>
               </p:cNvPr>
@@ -20078,7 +20109,7 @@
                 <p:cNvPr id="31" name="타원 30">
                   <a:extLst>
                     <a:ext uri="{FF2B5EF4-FFF2-40B4-BE49-F238E27FC236}">
-                      <a16:creationId xmlns:a16="http://schemas.microsoft.com/office/drawing/2014/main" id="{1E0BDD3D-CE22-46E0-A14D-96319932B510}"/>
+                      <a16:creationId xmlns:a16="http://schemas.microsoft.com/office/drawing/2014/main" xmlns="" id="{1E0BDD3D-CE22-46E0-A14D-96319932B510}"/>
                     </a:ext>
                   </a:extLst>
                 </p:cNvPr>
@@ -20128,7 +20159,7 @@
                 <p:cNvPr id="32" name="TextBox 31">
                   <a:extLst>
                     <a:ext uri="{FF2B5EF4-FFF2-40B4-BE49-F238E27FC236}">
-                      <a16:creationId xmlns:a16="http://schemas.microsoft.com/office/drawing/2014/main" id="{66AEABE0-8AE2-4FB5-AAE0-70091E5572ED}"/>
+                      <a16:creationId xmlns:a16="http://schemas.microsoft.com/office/drawing/2014/main" xmlns="" id="{66AEABE0-8AE2-4FB5-AAE0-70091E5572ED}"/>
                     </a:ext>
                   </a:extLst>
                 </p:cNvPr>
@@ -20171,7 +20202,7 @@
               <p:cNvPr id="30" name="화살표: 아래쪽 29">
                 <a:extLst>
                   <a:ext uri="{FF2B5EF4-FFF2-40B4-BE49-F238E27FC236}">
-                    <a16:creationId xmlns:a16="http://schemas.microsoft.com/office/drawing/2014/main" id="{202F927C-6B16-487C-8110-9DA3BF2E5FC4}"/>
+                    <a16:creationId xmlns:a16="http://schemas.microsoft.com/office/drawing/2014/main" xmlns="" id="{202F927C-6B16-487C-8110-9DA3BF2E5FC4}"/>
                   </a:ext>
                 </a:extLst>
               </p:cNvPr>
@@ -20231,7 +20262,7 @@
           <p:cNvPr id="40" name="TextBox 39">
             <a:extLst>
               <a:ext uri="{FF2B5EF4-FFF2-40B4-BE49-F238E27FC236}">
-                <a16:creationId xmlns:a16="http://schemas.microsoft.com/office/drawing/2014/main" id="{178F25BB-D0D8-4349-8151-737C5502ECC2}"/>
+                <a16:creationId xmlns:a16="http://schemas.microsoft.com/office/drawing/2014/main" xmlns="" id="{178F25BB-D0D8-4349-8151-737C5502ECC2}"/>
               </a:ext>
             </a:extLst>
           </p:cNvPr>
@@ -20847,7 +20878,7 @@
           <p:cNvPr id="41" name="화살표: 아래쪽 40">
             <a:extLst>
               <a:ext uri="{FF2B5EF4-FFF2-40B4-BE49-F238E27FC236}">
-                <a16:creationId xmlns:a16="http://schemas.microsoft.com/office/drawing/2014/main" id="{DA89E9B2-3FF5-4257-A607-2D9457384286}"/>
+                <a16:creationId xmlns:a16="http://schemas.microsoft.com/office/drawing/2014/main" xmlns="" id="{DA89E9B2-3FF5-4257-A607-2D9457384286}"/>
               </a:ext>
             </a:extLst>
           </p:cNvPr>
@@ -20905,7 +20936,7 @@
           <p:cNvPr id="42" name="화살표: 아래쪽 41">
             <a:extLst>
               <a:ext uri="{FF2B5EF4-FFF2-40B4-BE49-F238E27FC236}">
-                <a16:creationId xmlns:a16="http://schemas.microsoft.com/office/drawing/2014/main" id="{75ECEB0F-45AD-4CE3-A2B3-38F4F4758B81}"/>
+                <a16:creationId xmlns:a16="http://schemas.microsoft.com/office/drawing/2014/main" xmlns="" id="{75ECEB0F-45AD-4CE3-A2B3-38F4F4758B81}"/>
               </a:ext>
             </a:extLst>
           </p:cNvPr>
@@ -20993,7 +21024,7 @@
           <p:cNvPr id="4" name="직사각형 3">
             <a:extLst>
               <a:ext uri="{FF2B5EF4-FFF2-40B4-BE49-F238E27FC236}">
-                <a16:creationId xmlns:a16="http://schemas.microsoft.com/office/drawing/2014/main" id="{294C750B-3019-4009-BAB0-2E54CD077885}"/>
+                <a16:creationId xmlns:a16="http://schemas.microsoft.com/office/drawing/2014/main" xmlns="" id="{294C750B-3019-4009-BAB0-2E54CD077885}"/>
               </a:ext>
             </a:extLst>
           </p:cNvPr>
@@ -21043,7 +21074,7 @@
           <p:cNvPr id="8" name="그룹 7">
             <a:extLst>
               <a:ext uri="{FF2B5EF4-FFF2-40B4-BE49-F238E27FC236}">
-                <a16:creationId xmlns:a16="http://schemas.microsoft.com/office/drawing/2014/main" id="{07E512A4-CA06-49D4-8DFE-426D00388F3B}"/>
+                <a16:creationId xmlns:a16="http://schemas.microsoft.com/office/drawing/2014/main" xmlns="" id="{07E512A4-CA06-49D4-8DFE-426D00388F3B}"/>
               </a:ext>
             </a:extLst>
           </p:cNvPr>
@@ -21063,7 +21094,7 @@
             <p:cNvPr id="9" name="직사각형 8">
               <a:extLst>
                 <a:ext uri="{FF2B5EF4-FFF2-40B4-BE49-F238E27FC236}">
-                  <a16:creationId xmlns:a16="http://schemas.microsoft.com/office/drawing/2014/main" id="{A8B66274-30C9-4A31-AE78-2FEB283B4C74}"/>
+                  <a16:creationId xmlns:a16="http://schemas.microsoft.com/office/drawing/2014/main" xmlns="" id="{A8B66274-30C9-4A31-AE78-2FEB283B4C74}"/>
                 </a:ext>
               </a:extLst>
             </p:cNvPr>
@@ -21117,7 +21148,7 @@
             <p:cNvPr id="10" name="TextBox 9">
               <a:extLst>
                 <a:ext uri="{FF2B5EF4-FFF2-40B4-BE49-F238E27FC236}">
-                  <a16:creationId xmlns:a16="http://schemas.microsoft.com/office/drawing/2014/main" id="{39974D9E-3287-4CB3-88C1-C8F66A8A085F}"/>
+                  <a16:creationId xmlns:a16="http://schemas.microsoft.com/office/drawing/2014/main" xmlns="" id="{39974D9E-3287-4CB3-88C1-C8F66A8A085F}"/>
                 </a:ext>
               </a:extLst>
             </p:cNvPr>
@@ -21156,7 +21187,7 @@
           <p:cNvPr id="7" name="표 6">
             <a:extLst>
               <a:ext uri="{FF2B5EF4-FFF2-40B4-BE49-F238E27FC236}">
-                <a16:creationId xmlns:a16="http://schemas.microsoft.com/office/drawing/2014/main" id="{2B57BDF2-3AD7-419D-8DE4-5B5D0BDF67FB}"/>
+                <a16:creationId xmlns:a16="http://schemas.microsoft.com/office/drawing/2014/main" xmlns="" id="{2B57BDF2-3AD7-419D-8DE4-5B5D0BDF67FB}"/>
               </a:ext>
             </a:extLst>
           </p:cNvPr>
@@ -21173,7 +21204,7 @@
         </p:nvGraphicFramePr>
         <p:xfrm>
           <a:off x="6209955" y="920253"/>
-          <a:ext cx="5134600" cy="5193766"/>
+          <a:ext cx="5134600" cy="5201204"/>
         </p:xfrm>
         <a:graphic>
           <a:graphicData uri="http://schemas.openxmlformats.org/drawingml/2006/table">
@@ -21183,28 +21214,28 @@
                 <a:gridCol w="1640818">
                   <a:extLst>
                     <a:ext uri="{9D8B030D-6E8A-4147-A177-3AD203B41FA5}">
-                      <a16:colId xmlns:a16="http://schemas.microsoft.com/office/drawing/2014/main" val="463989297"/>
+                      <a16:colId xmlns:a16="http://schemas.microsoft.com/office/drawing/2014/main" xmlns="" val="463989297"/>
                     </a:ext>
                   </a:extLst>
                 </a:gridCol>
                 <a:gridCol w="1640818">
                   <a:extLst>
                     <a:ext uri="{9D8B030D-6E8A-4147-A177-3AD203B41FA5}">
-                      <a16:colId xmlns:a16="http://schemas.microsoft.com/office/drawing/2014/main" val="2986710420"/>
+                      <a16:colId xmlns:a16="http://schemas.microsoft.com/office/drawing/2014/main" xmlns="" val="2986710420"/>
                     </a:ext>
                   </a:extLst>
                 </a:gridCol>
                 <a:gridCol w="926482">
                   <a:extLst>
                     <a:ext uri="{9D8B030D-6E8A-4147-A177-3AD203B41FA5}">
-                      <a16:colId xmlns:a16="http://schemas.microsoft.com/office/drawing/2014/main" val="4229937639"/>
+                      <a16:colId xmlns:a16="http://schemas.microsoft.com/office/drawing/2014/main" xmlns="" val="4229937639"/>
                     </a:ext>
                   </a:extLst>
                 </a:gridCol>
                 <a:gridCol w="926482">
                   <a:extLst>
                     <a:ext uri="{9D8B030D-6E8A-4147-A177-3AD203B41FA5}">
-                      <a16:colId xmlns:a16="http://schemas.microsoft.com/office/drawing/2014/main" val="1655793811"/>
+                      <a16:colId xmlns:a16="http://schemas.microsoft.com/office/drawing/2014/main" xmlns="" val="1655793811"/>
                     </a:ext>
                   </a:extLst>
                 </a:gridCol>
@@ -21508,7 +21539,7 @@
                 </a:tc>
                 <a:extLst>
                   <a:ext uri="{0D108BD9-81ED-4DB2-BD59-A6C34878D82A}">
-                    <a16:rowId xmlns:a16="http://schemas.microsoft.com/office/drawing/2014/main" val="1558325455"/>
+                    <a16:rowId xmlns:a16="http://schemas.microsoft.com/office/drawing/2014/main" xmlns="" val="1558325455"/>
                   </a:ext>
                 </a:extLst>
               </a:tr>
@@ -21838,7 +21869,7 @@
                 </a:tc>
                 <a:extLst>
                   <a:ext uri="{0D108BD9-81ED-4DB2-BD59-A6C34878D82A}">
-                    <a16:rowId xmlns:a16="http://schemas.microsoft.com/office/drawing/2014/main" val="2655710132"/>
+                    <a16:rowId xmlns:a16="http://schemas.microsoft.com/office/drawing/2014/main" xmlns="" val="2655710132"/>
                   </a:ext>
                 </a:extLst>
               </a:tr>
@@ -22299,7 +22330,7 @@
                 </a:tc>
                 <a:extLst>
                   <a:ext uri="{0D108BD9-81ED-4DB2-BD59-A6C34878D82A}">
-                    <a16:rowId xmlns:a16="http://schemas.microsoft.com/office/drawing/2014/main" val="652349332"/>
+                    <a16:rowId xmlns:a16="http://schemas.microsoft.com/office/drawing/2014/main" xmlns="" val="652349332"/>
                   </a:ext>
                 </a:extLst>
               </a:tr>
@@ -22521,7 +22552,7 @@
                 </a:tc>
                 <a:extLst>
                   <a:ext uri="{0D108BD9-81ED-4DB2-BD59-A6C34878D82A}">
-                    <a16:rowId xmlns:a16="http://schemas.microsoft.com/office/drawing/2014/main" val="2470215993"/>
+                    <a16:rowId xmlns:a16="http://schemas.microsoft.com/office/drawing/2014/main" xmlns="" val="2470215993"/>
                   </a:ext>
                 </a:extLst>
               </a:tr>
@@ -22743,7 +22774,7 @@
                 </a:tc>
                 <a:extLst>
                   <a:ext uri="{0D108BD9-81ED-4DB2-BD59-A6C34878D82A}">
-                    <a16:rowId xmlns:a16="http://schemas.microsoft.com/office/drawing/2014/main" val="715158925"/>
+                    <a16:rowId xmlns:a16="http://schemas.microsoft.com/office/drawing/2014/main" xmlns="" val="715158925"/>
                   </a:ext>
                 </a:extLst>
               </a:tr>
@@ -23171,7 +23202,7 @@
                 </a:tc>
                 <a:extLst>
                   <a:ext uri="{0D108BD9-81ED-4DB2-BD59-A6C34878D82A}">
-                    <a16:rowId xmlns:a16="http://schemas.microsoft.com/office/drawing/2014/main" val="2347331310"/>
+                    <a16:rowId xmlns:a16="http://schemas.microsoft.com/office/drawing/2014/main" xmlns="" val="2347331310"/>
                   </a:ext>
                 </a:extLst>
               </a:tr>
@@ -23492,7 +23523,7 @@
                 </a:tc>
                 <a:extLst>
                   <a:ext uri="{0D108BD9-81ED-4DB2-BD59-A6C34878D82A}">
-                    <a16:rowId xmlns:a16="http://schemas.microsoft.com/office/drawing/2014/main" val="383924151"/>
+                    <a16:rowId xmlns:a16="http://schemas.microsoft.com/office/drawing/2014/main" xmlns="" val="383924151"/>
                   </a:ext>
                 </a:extLst>
               </a:tr>
@@ -23758,7 +23789,7 @@
                 </a:tc>
                 <a:extLst>
                   <a:ext uri="{0D108BD9-81ED-4DB2-BD59-A6C34878D82A}">
-                    <a16:rowId xmlns:a16="http://schemas.microsoft.com/office/drawing/2014/main" val="1157750878"/>
+                    <a16:rowId xmlns:a16="http://schemas.microsoft.com/office/drawing/2014/main" xmlns="" val="1157750878"/>
                   </a:ext>
                 </a:extLst>
               </a:tr>
@@ -24049,7 +24080,7 @@
                 </a:tc>
                 <a:extLst>
                   <a:ext uri="{0D108BD9-81ED-4DB2-BD59-A6C34878D82A}">
-                    <a16:rowId xmlns:a16="http://schemas.microsoft.com/office/drawing/2014/main" val="1739847828"/>
+                    <a16:rowId xmlns:a16="http://schemas.microsoft.com/office/drawing/2014/main" xmlns="" val="1739847828"/>
                   </a:ext>
                 </a:extLst>
               </a:tr>
@@ -24380,7 +24411,7 @@
                 </a:tc>
                 <a:extLst>
                   <a:ext uri="{0D108BD9-81ED-4DB2-BD59-A6C34878D82A}">
-                    <a16:rowId xmlns:a16="http://schemas.microsoft.com/office/drawing/2014/main" val="1293466133"/>
+                    <a16:rowId xmlns:a16="http://schemas.microsoft.com/office/drawing/2014/main" xmlns="" val="1293466133"/>
                   </a:ext>
                 </a:extLst>
               </a:tr>
@@ -24393,7 +24424,7 @@
           <p:cNvPr id="13" name="그림 12" descr="텍스트이(가) 표시된 사진&#10;&#10;자동 생성된 설명">
             <a:extLst>
               <a:ext uri="{FF2B5EF4-FFF2-40B4-BE49-F238E27FC236}">
-                <a16:creationId xmlns:a16="http://schemas.microsoft.com/office/drawing/2014/main" id="{EEB7CDE5-D2E3-4CA1-B56C-6B430F910747}"/>
+                <a16:creationId xmlns:a16="http://schemas.microsoft.com/office/drawing/2014/main" xmlns="" id="{EEB7CDE5-D2E3-4CA1-B56C-6B430F910747}"/>
               </a:ext>
             </a:extLst>
           </p:cNvPr>
@@ -24434,7 +24465,7 @@
           <p:cNvPr id="15" name="직선 화살표 연결선 14">
             <a:extLst>
               <a:ext uri="{FF2B5EF4-FFF2-40B4-BE49-F238E27FC236}">
-                <a16:creationId xmlns:a16="http://schemas.microsoft.com/office/drawing/2014/main" id="{641CB158-094A-4D45-90BA-6350B995BB01}"/>
+                <a16:creationId xmlns:a16="http://schemas.microsoft.com/office/drawing/2014/main" xmlns="" id="{641CB158-094A-4D45-90BA-6350B995BB01}"/>
               </a:ext>
             </a:extLst>
           </p:cNvPr>
@@ -24770,7 +24801,7 @@
   <a:extraClrSchemeLst/>
   <a:extLst>
     <a:ext uri="{05A4C25C-085E-4340-85A3-A5531E510DB2}">
-      <thm15:themeFamily xmlns:thm15="http://schemas.microsoft.com/office/thememl/2012/main" name="Office Theme" id="{62F939B6-93AF-4DB8-9C6B-D6C7DFDC589F}" vid="{4A3C46E8-61CC-4603-A589-7422A47A8E4A}"/>
+      <thm15:themeFamily xmlns:thm15="http://schemas.microsoft.com/office/thememl/2012/main" xmlns="" name="Office Theme" id="{62F939B6-93AF-4DB8-9C6B-D6C7DFDC589F}" vid="{4A3C46E8-61CC-4603-A589-7422A47A8E4A}"/>
     </a:ext>
   </a:extLst>
 </a:theme>

--- a/AD 프로젝트 발표자료_20203090 신민경.pptx
+++ b/AD 프로젝트 발표자료_20203090 신민경.pptx
@@ -21,29 +21,29 @@
       <p:regular r:id="rId9"/>
     </p:embeddedFont>
     <p:embeddedFont>
-      <p:font typeface="나눔스퀘어라운드 Bold" panose="020B0600000101010101" pitchFamily="50" charset="-127"/>
-      <p:bold r:id="rId10"/>
+      <p:font typeface="a옛날사진관3" panose="02020600000000000000" pitchFamily="18" charset="-127"/>
+      <p:regular r:id="rId10"/>
+    </p:embeddedFont>
+    <p:embeddedFont>
+      <p:font typeface="a옛날사진관2" panose="02020600000000000000" pitchFamily="18" charset="-127"/>
+      <p:regular r:id="rId11"/>
+    </p:embeddedFont>
+    <p:embeddedFont>
+      <p:font typeface="a옛날사진관5" panose="02020600000000000000" pitchFamily="18" charset="-127"/>
+      <p:regular r:id="rId12"/>
     </p:embeddedFont>
     <p:embeddedFont>
       <p:font typeface="a옛날사진관4" panose="02020600000000000000" pitchFamily="18" charset="-127"/>
-      <p:regular r:id="rId11"/>
+      <p:regular r:id="rId13"/>
+    </p:embeddedFont>
+    <p:embeddedFont>
+      <p:font typeface="나눔스퀘어라운드 Bold" panose="020B0600000101010101" pitchFamily="50" charset="-127"/>
+      <p:bold r:id="rId14"/>
     </p:embeddedFont>
     <p:embeddedFont>
       <p:font typeface="맑은 고딕" panose="020B0503020000020004" pitchFamily="50" charset="-127"/>
-      <p:regular r:id="rId12"/>
-      <p:bold r:id="rId13"/>
-    </p:embeddedFont>
-    <p:embeddedFont>
-      <p:font typeface="a옛날사진관2" panose="02020600000000000000" pitchFamily="18" charset="-127"/>
-      <p:regular r:id="rId14"/>
-    </p:embeddedFont>
-    <p:embeddedFont>
-      <p:font typeface="a옛날사진관5" panose="02020600000000000000" pitchFamily="18" charset="-127"/>
       <p:regular r:id="rId15"/>
-    </p:embeddedFont>
-    <p:embeddedFont>
-      <p:font typeface="a옛날사진관3" panose="02020600000000000000" pitchFamily="18" charset="-127"/>
-      <p:regular r:id="rId16"/>
+      <p:bold r:id="rId16"/>
     </p:embeddedFont>
   </p:embeddedFontLst>
   <p:defaultTextStyle>
@@ -166,7 +166,7 @@
           <p:cNvPr id="2" name="제목 1">
             <a:extLst>
               <a:ext uri="{FF2B5EF4-FFF2-40B4-BE49-F238E27FC236}">
-                <a16:creationId xmlns:a16="http://schemas.microsoft.com/office/drawing/2014/main" xmlns="" id="{2C1CD2A5-8640-435C-B9B2-555402054E9A}"/>
+                <a16:creationId xmlns="" xmlns:a16="http://schemas.microsoft.com/office/drawing/2014/main" id="{2C1CD2A5-8640-435C-B9B2-555402054E9A}"/>
               </a:ext>
             </a:extLst>
           </p:cNvPr>
@@ -203,7 +203,7 @@
           <p:cNvPr id="3" name="부제목 2">
             <a:extLst>
               <a:ext uri="{FF2B5EF4-FFF2-40B4-BE49-F238E27FC236}">
-                <a16:creationId xmlns:a16="http://schemas.microsoft.com/office/drawing/2014/main" xmlns="" id="{7C832903-F59A-42C3-9B2B-72A3B0C3C1C2}"/>
+                <a16:creationId xmlns="" xmlns:a16="http://schemas.microsoft.com/office/drawing/2014/main" id="{7C832903-F59A-42C3-9B2B-72A3B0C3C1C2}"/>
               </a:ext>
             </a:extLst>
           </p:cNvPr>
@@ -273,7 +273,7 @@
           <p:cNvPr id="4" name="날짜 개체 틀 3">
             <a:extLst>
               <a:ext uri="{FF2B5EF4-FFF2-40B4-BE49-F238E27FC236}">
-                <a16:creationId xmlns:a16="http://schemas.microsoft.com/office/drawing/2014/main" xmlns="" id="{174B13B8-335A-4590-B23B-E3CDCF475812}"/>
+                <a16:creationId xmlns="" xmlns:a16="http://schemas.microsoft.com/office/drawing/2014/main" id="{174B13B8-335A-4590-B23B-E3CDCF475812}"/>
               </a:ext>
             </a:extLst>
           </p:cNvPr>
@@ -302,7 +302,7 @@
           <p:cNvPr id="5" name="바닥글 개체 틀 4">
             <a:extLst>
               <a:ext uri="{FF2B5EF4-FFF2-40B4-BE49-F238E27FC236}">
-                <a16:creationId xmlns:a16="http://schemas.microsoft.com/office/drawing/2014/main" xmlns="" id="{5CB21809-74C3-407B-8CC3-F693DD690F6B}"/>
+                <a16:creationId xmlns="" xmlns:a16="http://schemas.microsoft.com/office/drawing/2014/main" id="{5CB21809-74C3-407B-8CC3-F693DD690F6B}"/>
               </a:ext>
             </a:extLst>
           </p:cNvPr>
@@ -327,7 +327,7 @@
           <p:cNvPr id="6" name="슬라이드 번호 개체 틀 5">
             <a:extLst>
               <a:ext uri="{FF2B5EF4-FFF2-40B4-BE49-F238E27FC236}">
-                <a16:creationId xmlns:a16="http://schemas.microsoft.com/office/drawing/2014/main" xmlns="" id="{2EAADCF3-DC9C-403B-A760-D144C6EB6379}"/>
+                <a16:creationId xmlns="" xmlns:a16="http://schemas.microsoft.com/office/drawing/2014/main" id="{2EAADCF3-DC9C-403B-A760-D144C6EB6379}"/>
               </a:ext>
             </a:extLst>
           </p:cNvPr>
@@ -386,7 +386,7 @@
           <p:cNvPr id="2" name="제목 1">
             <a:extLst>
               <a:ext uri="{FF2B5EF4-FFF2-40B4-BE49-F238E27FC236}">
-                <a16:creationId xmlns:a16="http://schemas.microsoft.com/office/drawing/2014/main" xmlns="" id="{FF016065-E792-4BBA-B14C-DD608EF8AE71}"/>
+                <a16:creationId xmlns="" xmlns:a16="http://schemas.microsoft.com/office/drawing/2014/main" id="{FF016065-E792-4BBA-B14C-DD608EF8AE71}"/>
               </a:ext>
             </a:extLst>
           </p:cNvPr>
@@ -414,7 +414,7 @@
           <p:cNvPr id="3" name="세로 텍스트 개체 틀 2">
             <a:extLst>
               <a:ext uri="{FF2B5EF4-FFF2-40B4-BE49-F238E27FC236}">
-                <a16:creationId xmlns:a16="http://schemas.microsoft.com/office/drawing/2014/main" xmlns="" id="{C301EBB6-305E-41A9-9FDA-8E5213CAA571}"/>
+                <a16:creationId xmlns="" xmlns:a16="http://schemas.microsoft.com/office/drawing/2014/main" id="{C301EBB6-305E-41A9-9FDA-8E5213CAA571}"/>
               </a:ext>
             </a:extLst>
           </p:cNvPr>
@@ -471,7 +471,7 @@
           <p:cNvPr id="4" name="날짜 개체 틀 3">
             <a:extLst>
               <a:ext uri="{FF2B5EF4-FFF2-40B4-BE49-F238E27FC236}">
-                <a16:creationId xmlns:a16="http://schemas.microsoft.com/office/drawing/2014/main" xmlns="" id="{A00F59C3-3D8E-46D0-8961-8B1EB0F229C8}"/>
+                <a16:creationId xmlns="" xmlns:a16="http://schemas.microsoft.com/office/drawing/2014/main" id="{A00F59C3-3D8E-46D0-8961-8B1EB0F229C8}"/>
               </a:ext>
             </a:extLst>
           </p:cNvPr>
@@ -500,7 +500,7 @@
           <p:cNvPr id="5" name="바닥글 개체 틀 4">
             <a:extLst>
               <a:ext uri="{FF2B5EF4-FFF2-40B4-BE49-F238E27FC236}">
-                <a16:creationId xmlns:a16="http://schemas.microsoft.com/office/drawing/2014/main" xmlns="" id="{94C0E562-C661-4D60-AAE4-04AF36CC928D}"/>
+                <a16:creationId xmlns="" xmlns:a16="http://schemas.microsoft.com/office/drawing/2014/main" id="{94C0E562-C661-4D60-AAE4-04AF36CC928D}"/>
               </a:ext>
             </a:extLst>
           </p:cNvPr>
@@ -525,7 +525,7 @@
           <p:cNvPr id="6" name="슬라이드 번호 개체 틀 5">
             <a:extLst>
               <a:ext uri="{FF2B5EF4-FFF2-40B4-BE49-F238E27FC236}">
-                <a16:creationId xmlns:a16="http://schemas.microsoft.com/office/drawing/2014/main" xmlns="" id="{889A8879-F5E5-4320-BB83-01964100E2D7}"/>
+                <a16:creationId xmlns="" xmlns:a16="http://schemas.microsoft.com/office/drawing/2014/main" id="{889A8879-F5E5-4320-BB83-01964100E2D7}"/>
               </a:ext>
             </a:extLst>
           </p:cNvPr>
@@ -584,7 +584,7 @@
           <p:cNvPr id="2" name="세로 제목 1">
             <a:extLst>
               <a:ext uri="{FF2B5EF4-FFF2-40B4-BE49-F238E27FC236}">
-                <a16:creationId xmlns:a16="http://schemas.microsoft.com/office/drawing/2014/main" xmlns="" id="{3F2ECF68-2BAC-451A-ACB6-2F2CC4BEE525}"/>
+                <a16:creationId xmlns="" xmlns:a16="http://schemas.microsoft.com/office/drawing/2014/main" id="{3F2ECF68-2BAC-451A-ACB6-2F2CC4BEE525}"/>
               </a:ext>
             </a:extLst>
           </p:cNvPr>
@@ -617,7 +617,7 @@
           <p:cNvPr id="3" name="세로 텍스트 개체 틀 2">
             <a:extLst>
               <a:ext uri="{FF2B5EF4-FFF2-40B4-BE49-F238E27FC236}">
-                <a16:creationId xmlns:a16="http://schemas.microsoft.com/office/drawing/2014/main" xmlns="" id="{3E707FBE-59A3-4BDD-B9A8-4C659A89F392}"/>
+                <a16:creationId xmlns="" xmlns:a16="http://schemas.microsoft.com/office/drawing/2014/main" id="{3E707FBE-59A3-4BDD-B9A8-4C659A89F392}"/>
               </a:ext>
             </a:extLst>
           </p:cNvPr>
@@ -679,7 +679,7 @@
           <p:cNvPr id="4" name="날짜 개체 틀 3">
             <a:extLst>
               <a:ext uri="{FF2B5EF4-FFF2-40B4-BE49-F238E27FC236}">
-                <a16:creationId xmlns:a16="http://schemas.microsoft.com/office/drawing/2014/main" xmlns="" id="{F1D013D8-C1C5-4DA0-AEF7-0FD2E25EFC90}"/>
+                <a16:creationId xmlns="" xmlns:a16="http://schemas.microsoft.com/office/drawing/2014/main" id="{F1D013D8-C1C5-4DA0-AEF7-0FD2E25EFC90}"/>
               </a:ext>
             </a:extLst>
           </p:cNvPr>
@@ -708,7 +708,7 @@
           <p:cNvPr id="5" name="바닥글 개체 틀 4">
             <a:extLst>
               <a:ext uri="{FF2B5EF4-FFF2-40B4-BE49-F238E27FC236}">
-                <a16:creationId xmlns:a16="http://schemas.microsoft.com/office/drawing/2014/main" xmlns="" id="{14669746-EC55-4B19-9144-593528965925}"/>
+                <a16:creationId xmlns="" xmlns:a16="http://schemas.microsoft.com/office/drawing/2014/main" id="{14669746-EC55-4B19-9144-593528965925}"/>
               </a:ext>
             </a:extLst>
           </p:cNvPr>
@@ -733,7 +733,7 @@
           <p:cNvPr id="6" name="슬라이드 번호 개체 틀 5">
             <a:extLst>
               <a:ext uri="{FF2B5EF4-FFF2-40B4-BE49-F238E27FC236}">
-                <a16:creationId xmlns:a16="http://schemas.microsoft.com/office/drawing/2014/main" xmlns="" id="{7CB4D3AE-724B-4C08-95C7-684B45FCEFE6}"/>
+                <a16:creationId xmlns="" xmlns:a16="http://schemas.microsoft.com/office/drawing/2014/main" id="{7CB4D3AE-724B-4C08-95C7-684B45FCEFE6}"/>
               </a:ext>
             </a:extLst>
           </p:cNvPr>
@@ -792,7 +792,7 @@
           <p:cNvPr id="2" name="제목 1">
             <a:extLst>
               <a:ext uri="{FF2B5EF4-FFF2-40B4-BE49-F238E27FC236}">
-                <a16:creationId xmlns:a16="http://schemas.microsoft.com/office/drawing/2014/main" xmlns="" id="{B3A504A5-108D-4A25-9FF3-1A4624895B8D}"/>
+                <a16:creationId xmlns="" xmlns:a16="http://schemas.microsoft.com/office/drawing/2014/main" id="{B3A504A5-108D-4A25-9FF3-1A4624895B8D}"/>
               </a:ext>
             </a:extLst>
           </p:cNvPr>
@@ -820,7 +820,7 @@
           <p:cNvPr id="3" name="내용 개체 틀 2">
             <a:extLst>
               <a:ext uri="{FF2B5EF4-FFF2-40B4-BE49-F238E27FC236}">
-                <a16:creationId xmlns:a16="http://schemas.microsoft.com/office/drawing/2014/main" xmlns="" id="{039F4BC9-9E3B-4C89-8440-70C46B7385B5}"/>
+                <a16:creationId xmlns="" xmlns:a16="http://schemas.microsoft.com/office/drawing/2014/main" id="{039F4BC9-9E3B-4C89-8440-70C46B7385B5}"/>
               </a:ext>
             </a:extLst>
           </p:cNvPr>
@@ -877,7 +877,7 @@
           <p:cNvPr id="4" name="날짜 개체 틀 3">
             <a:extLst>
               <a:ext uri="{FF2B5EF4-FFF2-40B4-BE49-F238E27FC236}">
-                <a16:creationId xmlns:a16="http://schemas.microsoft.com/office/drawing/2014/main" xmlns="" id="{DF1CD081-AD86-4521-A8FA-89BBF53B705F}"/>
+                <a16:creationId xmlns="" xmlns:a16="http://schemas.microsoft.com/office/drawing/2014/main" id="{DF1CD081-AD86-4521-A8FA-89BBF53B705F}"/>
               </a:ext>
             </a:extLst>
           </p:cNvPr>
@@ -906,7 +906,7 @@
           <p:cNvPr id="5" name="바닥글 개체 틀 4">
             <a:extLst>
               <a:ext uri="{FF2B5EF4-FFF2-40B4-BE49-F238E27FC236}">
-                <a16:creationId xmlns:a16="http://schemas.microsoft.com/office/drawing/2014/main" xmlns="" id="{1B931048-3E72-4547-B4E0-01CE0465EC1E}"/>
+                <a16:creationId xmlns="" xmlns:a16="http://schemas.microsoft.com/office/drawing/2014/main" id="{1B931048-3E72-4547-B4E0-01CE0465EC1E}"/>
               </a:ext>
             </a:extLst>
           </p:cNvPr>
@@ -931,7 +931,7 @@
           <p:cNvPr id="6" name="슬라이드 번호 개체 틀 5">
             <a:extLst>
               <a:ext uri="{FF2B5EF4-FFF2-40B4-BE49-F238E27FC236}">
-                <a16:creationId xmlns:a16="http://schemas.microsoft.com/office/drawing/2014/main" xmlns="" id="{EC6D6044-7174-416E-84F4-1CDFA3AF4119}"/>
+                <a16:creationId xmlns="" xmlns:a16="http://schemas.microsoft.com/office/drawing/2014/main" id="{EC6D6044-7174-416E-84F4-1CDFA3AF4119}"/>
               </a:ext>
             </a:extLst>
           </p:cNvPr>
@@ -990,7 +990,7 @@
           <p:cNvPr id="2" name="제목 1">
             <a:extLst>
               <a:ext uri="{FF2B5EF4-FFF2-40B4-BE49-F238E27FC236}">
-                <a16:creationId xmlns:a16="http://schemas.microsoft.com/office/drawing/2014/main" xmlns="" id="{B2A81EE9-89E0-418F-BFAE-DA3A43085D9F}"/>
+                <a16:creationId xmlns="" xmlns:a16="http://schemas.microsoft.com/office/drawing/2014/main" id="{B2A81EE9-89E0-418F-BFAE-DA3A43085D9F}"/>
               </a:ext>
             </a:extLst>
           </p:cNvPr>
@@ -1027,7 +1027,7 @@
           <p:cNvPr id="3" name="텍스트 개체 틀 2">
             <a:extLst>
               <a:ext uri="{FF2B5EF4-FFF2-40B4-BE49-F238E27FC236}">
-                <a16:creationId xmlns:a16="http://schemas.microsoft.com/office/drawing/2014/main" xmlns="" id="{02146D16-0A9E-4CBC-B0C7-6FA512102CEC}"/>
+                <a16:creationId xmlns="" xmlns:a16="http://schemas.microsoft.com/office/drawing/2014/main" id="{02146D16-0A9E-4CBC-B0C7-6FA512102CEC}"/>
               </a:ext>
             </a:extLst>
           </p:cNvPr>
@@ -1152,7 +1152,7 @@
           <p:cNvPr id="4" name="날짜 개체 틀 3">
             <a:extLst>
               <a:ext uri="{FF2B5EF4-FFF2-40B4-BE49-F238E27FC236}">
-                <a16:creationId xmlns:a16="http://schemas.microsoft.com/office/drawing/2014/main" xmlns="" id="{7A471684-1692-4B51-B048-35EEC7EEA3A5}"/>
+                <a16:creationId xmlns="" xmlns:a16="http://schemas.microsoft.com/office/drawing/2014/main" id="{7A471684-1692-4B51-B048-35EEC7EEA3A5}"/>
               </a:ext>
             </a:extLst>
           </p:cNvPr>
@@ -1181,7 +1181,7 @@
           <p:cNvPr id="5" name="바닥글 개체 틀 4">
             <a:extLst>
               <a:ext uri="{FF2B5EF4-FFF2-40B4-BE49-F238E27FC236}">
-                <a16:creationId xmlns:a16="http://schemas.microsoft.com/office/drawing/2014/main" xmlns="" id="{315248D9-5700-4D27-9332-A6C5E1143CC7}"/>
+                <a16:creationId xmlns="" xmlns:a16="http://schemas.microsoft.com/office/drawing/2014/main" id="{315248D9-5700-4D27-9332-A6C5E1143CC7}"/>
               </a:ext>
             </a:extLst>
           </p:cNvPr>
@@ -1206,7 +1206,7 @@
           <p:cNvPr id="6" name="슬라이드 번호 개체 틀 5">
             <a:extLst>
               <a:ext uri="{FF2B5EF4-FFF2-40B4-BE49-F238E27FC236}">
-                <a16:creationId xmlns:a16="http://schemas.microsoft.com/office/drawing/2014/main" xmlns="" id="{C7644652-E0F5-4B3A-855A-86213EF77D60}"/>
+                <a16:creationId xmlns="" xmlns:a16="http://schemas.microsoft.com/office/drawing/2014/main" id="{C7644652-E0F5-4B3A-855A-86213EF77D60}"/>
               </a:ext>
             </a:extLst>
           </p:cNvPr>
@@ -1265,7 +1265,7 @@
           <p:cNvPr id="2" name="제목 1">
             <a:extLst>
               <a:ext uri="{FF2B5EF4-FFF2-40B4-BE49-F238E27FC236}">
-                <a16:creationId xmlns:a16="http://schemas.microsoft.com/office/drawing/2014/main" xmlns="" id="{9E761318-3CA4-4AD0-A370-75EC8A0A4ECE}"/>
+                <a16:creationId xmlns="" xmlns:a16="http://schemas.microsoft.com/office/drawing/2014/main" id="{9E761318-3CA4-4AD0-A370-75EC8A0A4ECE}"/>
               </a:ext>
             </a:extLst>
           </p:cNvPr>
@@ -1293,7 +1293,7 @@
           <p:cNvPr id="3" name="내용 개체 틀 2">
             <a:extLst>
               <a:ext uri="{FF2B5EF4-FFF2-40B4-BE49-F238E27FC236}">
-                <a16:creationId xmlns:a16="http://schemas.microsoft.com/office/drawing/2014/main" xmlns="" id="{EC14AA7C-1BFC-4749-AAC1-2F7876DF6223}"/>
+                <a16:creationId xmlns="" xmlns:a16="http://schemas.microsoft.com/office/drawing/2014/main" id="{EC14AA7C-1BFC-4749-AAC1-2F7876DF6223}"/>
               </a:ext>
             </a:extLst>
           </p:cNvPr>
@@ -1355,7 +1355,7 @@
           <p:cNvPr id="4" name="내용 개체 틀 3">
             <a:extLst>
               <a:ext uri="{FF2B5EF4-FFF2-40B4-BE49-F238E27FC236}">
-                <a16:creationId xmlns:a16="http://schemas.microsoft.com/office/drawing/2014/main" xmlns="" id="{B6985218-C04A-4420-8064-A1B317EA8B73}"/>
+                <a16:creationId xmlns="" xmlns:a16="http://schemas.microsoft.com/office/drawing/2014/main" id="{B6985218-C04A-4420-8064-A1B317EA8B73}"/>
               </a:ext>
             </a:extLst>
           </p:cNvPr>
@@ -1417,7 +1417,7 @@
           <p:cNvPr id="5" name="날짜 개체 틀 4">
             <a:extLst>
               <a:ext uri="{FF2B5EF4-FFF2-40B4-BE49-F238E27FC236}">
-                <a16:creationId xmlns:a16="http://schemas.microsoft.com/office/drawing/2014/main" xmlns="" id="{E4AA5B72-01E9-47A1-88AA-D7E7831F97FA}"/>
+                <a16:creationId xmlns="" xmlns:a16="http://schemas.microsoft.com/office/drawing/2014/main" id="{E4AA5B72-01E9-47A1-88AA-D7E7831F97FA}"/>
               </a:ext>
             </a:extLst>
           </p:cNvPr>
@@ -1446,7 +1446,7 @@
           <p:cNvPr id="6" name="바닥글 개체 틀 5">
             <a:extLst>
               <a:ext uri="{FF2B5EF4-FFF2-40B4-BE49-F238E27FC236}">
-                <a16:creationId xmlns:a16="http://schemas.microsoft.com/office/drawing/2014/main" xmlns="" id="{2D9D3EA9-CDAC-4AD5-B71E-A5BCE06BB6C9}"/>
+                <a16:creationId xmlns="" xmlns:a16="http://schemas.microsoft.com/office/drawing/2014/main" id="{2D9D3EA9-CDAC-4AD5-B71E-A5BCE06BB6C9}"/>
               </a:ext>
             </a:extLst>
           </p:cNvPr>
@@ -1471,7 +1471,7 @@
           <p:cNvPr id="7" name="슬라이드 번호 개체 틀 6">
             <a:extLst>
               <a:ext uri="{FF2B5EF4-FFF2-40B4-BE49-F238E27FC236}">
-                <a16:creationId xmlns:a16="http://schemas.microsoft.com/office/drawing/2014/main" xmlns="" id="{A59A37D9-4C7C-4D90-BD32-B295B57367CB}"/>
+                <a16:creationId xmlns="" xmlns:a16="http://schemas.microsoft.com/office/drawing/2014/main" id="{A59A37D9-4C7C-4D90-BD32-B295B57367CB}"/>
               </a:ext>
             </a:extLst>
           </p:cNvPr>
@@ -1530,7 +1530,7 @@
           <p:cNvPr id="2" name="제목 1">
             <a:extLst>
               <a:ext uri="{FF2B5EF4-FFF2-40B4-BE49-F238E27FC236}">
-                <a16:creationId xmlns:a16="http://schemas.microsoft.com/office/drawing/2014/main" xmlns="" id="{C5A57EE9-87EA-4246-8521-EB2745E42CCC}"/>
+                <a16:creationId xmlns="" xmlns:a16="http://schemas.microsoft.com/office/drawing/2014/main" id="{C5A57EE9-87EA-4246-8521-EB2745E42CCC}"/>
               </a:ext>
             </a:extLst>
           </p:cNvPr>
@@ -1563,7 +1563,7 @@
           <p:cNvPr id="3" name="텍스트 개체 틀 2">
             <a:extLst>
               <a:ext uri="{FF2B5EF4-FFF2-40B4-BE49-F238E27FC236}">
-                <a16:creationId xmlns:a16="http://schemas.microsoft.com/office/drawing/2014/main" xmlns="" id="{BA0C0CCB-6AA4-40DE-B160-A165FD926234}"/>
+                <a16:creationId xmlns="" xmlns:a16="http://schemas.microsoft.com/office/drawing/2014/main" id="{BA0C0CCB-6AA4-40DE-B160-A165FD926234}"/>
               </a:ext>
             </a:extLst>
           </p:cNvPr>
@@ -1634,7 +1634,7 @@
           <p:cNvPr id="4" name="내용 개체 틀 3">
             <a:extLst>
               <a:ext uri="{FF2B5EF4-FFF2-40B4-BE49-F238E27FC236}">
-                <a16:creationId xmlns:a16="http://schemas.microsoft.com/office/drawing/2014/main" xmlns="" id="{5B131ECC-0380-4FC6-A375-6EBA4717F886}"/>
+                <a16:creationId xmlns="" xmlns:a16="http://schemas.microsoft.com/office/drawing/2014/main" id="{5B131ECC-0380-4FC6-A375-6EBA4717F886}"/>
               </a:ext>
             </a:extLst>
           </p:cNvPr>
@@ -1696,7 +1696,7 @@
           <p:cNvPr id="5" name="텍스트 개체 틀 4">
             <a:extLst>
               <a:ext uri="{FF2B5EF4-FFF2-40B4-BE49-F238E27FC236}">
-                <a16:creationId xmlns:a16="http://schemas.microsoft.com/office/drawing/2014/main" xmlns="" id="{3D977F23-4FEB-4714-B042-3107BDD4E7C3}"/>
+                <a16:creationId xmlns="" xmlns:a16="http://schemas.microsoft.com/office/drawing/2014/main" id="{3D977F23-4FEB-4714-B042-3107BDD4E7C3}"/>
               </a:ext>
             </a:extLst>
           </p:cNvPr>
@@ -1767,7 +1767,7 @@
           <p:cNvPr id="6" name="내용 개체 틀 5">
             <a:extLst>
               <a:ext uri="{FF2B5EF4-FFF2-40B4-BE49-F238E27FC236}">
-                <a16:creationId xmlns:a16="http://schemas.microsoft.com/office/drawing/2014/main" xmlns="" id="{BFD50F0A-01EF-4D53-A9CE-72809D65B2DE}"/>
+                <a16:creationId xmlns="" xmlns:a16="http://schemas.microsoft.com/office/drawing/2014/main" id="{BFD50F0A-01EF-4D53-A9CE-72809D65B2DE}"/>
               </a:ext>
             </a:extLst>
           </p:cNvPr>
@@ -1829,7 +1829,7 @@
           <p:cNvPr id="7" name="날짜 개체 틀 6">
             <a:extLst>
               <a:ext uri="{FF2B5EF4-FFF2-40B4-BE49-F238E27FC236}">
-                <a16:creationId xmlns:a16="http://schemas.microsoft.com/office/drawing/2014/main" xmlns="" id="{90D9CDF6-6308-40F4-8D8D-EDF5D09C8CDC}"/>
+                <a16:creationId xmlns="" xmlns:a16="http://schemas.microsoft.com/office/drawing/2014/main" id="{90D9CDF6-6308-40F4-8D8D-EDF5D09C8CDC}"/>
               </a:ext>
             </a:extLst>
           </p:cNvPr>
@@ -1858,7 +1858,7 @@
           <p:cNvPr id="8" name="바닥글 개체 틀 7">
             <a:extLst>
               <a:ext uri="{FF2B5EF4-FFF2-40B4-BE49-F238E27FC236}">
-                <a16:creationId xmlns:a16="http://schemas.microsoft.com/office/drawing/2014/main" xmlns="" id="{270E8A5E-21A4-4B31-9F6A-7B302318FD95}"/>
+                <a16:creationId xmlns="" xmlns:a16="http://schemas.microsoft.com/office/drawing/2014/main" id="{270E8A5E-21A4-4B31-9F6A-7B302318FD95}"/>
               </a:ext>
             </a:extLst>
           </p:cNvPr>
@@ -1883,7 +1883,7 @@
           <p:cNvPr id="9" name="슬라이드 번호 개체 틀 8">
             <a:extLst>
               <a:ext uri="{FF2B5EF4-FFF2-40B4-BE49-F238E27FC236}">
-                <a16:creationId xmlns:a16="http://schemas.microsoft.com/office/drawing/2014/main" xmlns="" id="{73BBD117-FA63-4713-A0B8-9AF0150FBFD0}"/>
+                <a16:creationId xmlns="" xmlns:a16="http://schemas.microsoft.com/office/drawing/2014/main" id="{73BBD117-FA63-4713-A0B8-9AF0150FBFD0}"/>
               </a:ext>
             </a:extLst>
           </p:cNvPr>
@@ -1942,7 +1942,7 @@
           <p:cNvPr id="2" name="제목 1">
             <a:extLst>
               <a:ext uri="{FF2B5EF4-FFF2-40B4-BE49-F238E27FC236}">
-                <a16:creationId xmlns:a16="http://schemas.microsoft.com/office/drawing/2014/main" xmlns="" id="{CB77F49F-8499-4B44-AB82-F3F34C1B62E7}"/>
+                <a16:creationId xmlns="" xmlns:a16="http://schemas.microsoft.com/office/drawing/2014/main" id="{CB77F49F-8499-4B44-AB82-F3F34C1B62E7}"/>
               </a:ext>
             </a:extLst>
           </p:cNvPr>
@@ -1970,7 +1970,7 @@
           <p:cNvPr id="3" name="날짜 개체 틀 2">
             <a:extLst>
               <a:ext uri="{FF2B5EF4-FFF2-40B4-BE49-F238E27FC236}">
-                <a16:creationId xmlns:a16="http://schemas.microsoft.com/office/drawing/2014/main" xmlns="" id="{68472348-4384-4E28-AD82-A59EE751A674}"/>
+                <a16:creationId xmlns="" xmlns:a16="http://schemas.microsoft.com/office/drawing/2014/main" id="{68472348-4384-4E28-AD82-A59EE751A674}"/>
               </a:ext>
             </a:extLst>
           </p:cNvPr>
@@ -1999,7 +1999,7 @@
           <p:cNvPr id="4" name="바닥글 개체 틀 3">
             <a:extLst>
               <a:ext uri="{FF2B5EF4-FFF2-40B4-BE49-F238E27FC236}">
-                <a16:creationId xmlns:a16="http://schemas.microsoft.com/office/drawing/2014/main" xmlns="" id="{A1BE0A09-3C9A-4175-AC77-BCDB9AB09D33}"/>
+                <a16:creationId xmlns="" xmlns:a16="http://schemas.microsoft.com/office/drawing/2014/main" id="{A1BE0A09-3C9A-4175-AC77-BCDB9AB09D33}"/>
               </a:ext>
             </a:extLst>
           </p:cNvPr>
@@ -2024,7 +2024,7 @@
           <p:cNvPr id="5" name="슬라이드 번호 개체 틀 4">
             <a:extLst>
               <a:ext uri="{FF2B5EF4-FFF2-40B4-BE49-F238E27FC236}">
-                <a16:creationId xmlns:a16="http://schemas.microsoft.com/office/drawing/2014/main" xmlns="" id="{8EC1851A-A456-4DE3-9FFC-41370F19EBC3}"/>
+                <a16:creationId xmlns="" xmlns:a16="http://schemas.microsoft.com/office/drawing/2014/main" id="{8EC1851A-A456-4DE3-9FFC-41370F19EBC3}"/>
               </a:ext>
             </a:extLst>
           </p:cNvPr>
@@ -2083,7 +2083,7 @@
           <p:cNvPr id="2" name="날짜 개체 틀 1">
             <a:extLst>
               <a:ext uri="{FF2B5EF4-FFF2-40B4-BE49-F238E27FC236}">
-                <a16:creationId xmlns:a16="http://schemas.microsoft.com/office/drawing/2014/main" xmlns="" id="{1EDE5D8A-5B2B-42F5-B01A-C143D6610D43}"/>
+                <a16:creationId xmlns="" xmlns:a16="http://schemas.microsoft.com/office/drawing/2014/main" id="{1EDE5D8A-5B2B-42F5-B01A-C143D6610D43}"/>
               </a:ext>
             </a:extLst>
           </p:cNvPr>
@@ -2112,7 +2112,7 @@
           <p:cNvPr id="3" name="바닥글 개체 틀 2">
             <a:extLst>
               <a:ext uri="{FF2B5EF4-FFF2-40B4-BE49-F238E27FC236}">
-                <a16:creationId xmlns:a16="http://schemas.microsoft.com/office/drawing/2014/main" xmlns="" id="{B8E58D1F-4D4C-4494-91ED-D024C9CD11D8}"/>
+                <a16:creationId xmlns="" xmlns:a16="http://schemas.microsoft.com/office/drawing/2014/main" id="{B8E58D1F-4D4C-4494-91ED-D024C9CD11D8}"/>
               </a:ext>
             </a:extLst>
           </p:cNvPr>
@@ -2137,7 +2137,7 @@
           <p:cNvPr id="4" name="슬라이드 번호 개체 틀 3">
             <a:extLst>
               <a:ext uri="{FF2B5EF4-FFF2-40B4-BE49-F238E27FC236}">
-                <a16:creationId xmlns:a16="http://schemas.microsoft.com/office/drawing/2014/main" xmlns="" id="{EA11E903-4BBD-47F8-84BE-A3D6A4A82BD8}"/>
+                <a16:creationId xmlns="" xmlns:a16="http://schemas.microsoft.com/office/drawing/2014/main" id="{EA11E903-4BBD-47F8-84BE-A3D6A4A82BD8}"/>
               </a:ext>
             </a:extLst>
           </p:cNvPr>
@@ -2196,7 +2196,7 @@
           <p:cNvPr id="2" name="제목 1">
             <a:extLst>
               <a:ext uri="{FF2B5EF4-FFF2-40B4-BE49-F238E27FC236}">
-                <a16:creationId xmlns:a16="http://schemas.microsoft.com/office/drawing/2014/main" xmlns="" id="{08999A85-1F10-402B-8A17-D336C3048947}"/>
+                <a16:creationId xmlns="" xmlns:a16="http://schemas.microsoft.com/office/drawing/2014/main" id="{08999A85-1F10-402B-8A17-D336C3048947}"/>
               </a:ext>
             </a:extLst>
           </p:cNvPr>
@@ -2233,7 +2233,7 @@
           <p:cNvPr id="3" name="내용 개체 틀 2">
             <a:extLst>
               <a:ext uri="{FF2B5EF4-FFF2-40B4-BE49-F238E27FC236}">
-                <a16:creationId xmlns:a16="http://schemas.microsoft.com/office/drawing/2014/main" xmlns="" id="{1AE9FBE8-C656-4C49-BAFF-139527246E9E}"/>
+                <a16:creationId xmlns="" xmlns:a16="http://schemas.microsoft.com/office/drawing/2014/main" id="{1AE9FBE8-C656-4C49-BAFF-139527246E9E}"/>
               </a:ext>
             </a:extLst>
           </p:cNvPr>
@@ -2323,7 +2323,7 @@
           <p:cNvPr id="4" name="텍스트 개체 틀 3">
             <a:extLst>
               <a:ext uri="{FF2B5EF4-FFF2-40B4-BE49-F238E27FC236}">
-                <a16:creationId xmlns:a16="http://schemas.microsoft.com/office/drawing/2014/main" xmlns="" id="{01A5CA55-8985-4418-AF6E-4EA9E926D2A2}"/>
+                <a16:creationId xmlns="" xmlns:a16="http://schemas.microsoft.com/office/drawing/2014/main" id="{01A5CA55-8985-4418-AF6E-4EA9E926D2A2}"/>
               </a:ext>
             </a:extLst>
           </p:cNvPr>
@@ -2394,7 +2394,7 @@
           <p:cNvPr id="5" name="날짜 개체 틀 4">
             <a:extLst>
               <a:ext uri="{FF2B5EF4-FFF2-40B4-BE49-F238E27FC236}">
-                <a16:creationId xmlns:a16="http://schemas.microsoft.com/office/drawing/2014/main" xmlns="" id="{D7A32E4A-81E6-4CD9-B116-3B39E4F2AC31}"/>
+                <a16:creationId xmlns="" xmlns:a16="http://schemas.microsoft.com/office/drawing/2014/main" id="{D7A32E4A-81E6-4CD9-B116-3B39E4F2AC31}"/>
               </a:ext>
             </a:extLst>
           </p:cNvPr>
@@ -2423,7 +2423,7 @@
           <p:cNvPr id="6" name="바닥글 개체 틀 5">
             <a:extLst>
               <a:ext uri="{FF2B5EF4-FFF2-40B4-BE49-F238E27FC236}">
-                <a16:creationId xmlns:a16="http://schemas.microsoft.com/office/drawing/2014/main" xmlns="" id="{122342FB-BA9A-432A-981A-9110AD000798}"/>
+                <a16:creationId xmlns="" xmlns:a16="http://schemas.microsoft.com/office/drawing/2014/main" id="{122342FB-BA9A-432A-981A-9110AD000798}"/>
               </a:ext>
             </a:extLst>
           </p:cNvPr>
@@ -2448,7 +2448,7 @@
           <p:cNvPr id="7" name="슬라이드 번호 개체 틀 6">
             <a:extLst>
               <a:ext uri="{FF2B5EF4-FFF2-40B4-BE49-F238E27FC236}">
-                <a16:creationId xmlns:a16="http://schemas.microsoft.com/office/drawing/2014/main" xmlns="" id="{07E0CAE6-2E91-44EA-A79F-F57A4F5CD873}"/>
+                <a16:creationId xmlns="" xmlns:a16="http://schemas.microsoft.com/office/drawing/2014/main" id="{07E0CAE6-2E91-44EA-A79F-F57A4F5CD873}"/>
               </a:ext>
             </a:extLst>
           </p:cNvPr>
@@ -2507,7 +2507,7 @@
           <p:cNvPr id="2" name="제목 1">
             <a:extLst>
               <a:ext uri="{FF2B5EF4-FFF2-40B4-BE49-F238E27FC236}">
-                <a16:creationId xmlns:a16="http://schemas.microsoft.com/office/drawing/2014/main" xmlns="" id="{B7B375B7-0263-40CC-8CF2-F6E2219715C0}"/>
+                <a16:creationId xmlns="" xmlns:a16="http://schemas.microsoft.com/office/drawing/2014/main" id="{B7B375B7-0263-40CC-8CF2-F6E2219715C0}"/>
               </a:ext>
             </a:extLst>
           </p:cNvPr>
@@ -2544,7 +2544,7 @@
           <p:cNvPr id="3" name="그림 개체 틀 2">
             <a:extLst>
               <a:ext uri="{FF2B5EF4-FFF2-40B4-BE49-F238E27FC236}">
-                <a16:creationId xmlns:a16="http://schemas.microsoft.com/office/drawing/2014/main" xmlns="" id="{F252EF2A-632D-4AB5-B8F4-5E577116F8E6}"/>
+                <a16:creationId xmlns="" xmlns:a16="http://schemas.microsoft.com/office/drawing/2014/main" id="{F252EF2A-632D-4AB5-B8F4-5E577116F8E6}"/>
               </a:ext>
             </a:extLst>
           </p:cNvPr>
@@ -2611,7 +2611,7 @@
           <p:cNvPr id="4" name="텍스트 개체 틀 3">
             <a:extLst>
               <a:ext uri="{FF2B5EF4-FFF2-40B4-BE49-F238E27FC236}">
-                <a16:creationId xmlns:a16="http://schemas.microsoft.com/office/drawing/2014/main" xmlns="" id="{9202AF78-4FC9-4B2B-A23F-633D04B6AC16}"/>
+                <a16:creationId xmlns="" xmlns:a16="http://schemas.microsoft.com/office/drawing/2014/main" id="{9202AF78-4FC9-4B2B-A23F-633D04B6AC16}"/>
               </a:ext>
             </a:extLst>
           </p:cNvPr>
@@ -2682,7 +2682,7 @@
           <p:cNvPr id="5" name="날짜 개체 틀 4">
             <a:extLst>
               <a:ext uri="{FF2B5EF4-FFF2-40B4-BE49-F238E27FC236}">
-                <a16:creationId xmlns:a16="http://schemas.microsoft.com/office/drawing/2014/main" xmlns="" id="{30DA6ABF-6E94-4F89-92CD-8389D312518A}"/>
+                <a16:creationId xmlns="" xmlns:a16="http://schemas.microsoft.com/office/drawing/2014/main" id="{30DA6ABF-6E94-4F89-92CD-8389D312518A}"/>
               </a:ext>
             </a:extLst>
           </p:cNvPr>
@@ -2711,7 +2711,7 @@
           <p:cNvPr id="6" name="바닥글 개체 틀 5">
             <a:extLst>
               <a:ext uri="{FF2B5EF4-FFF2-40B4-BE49-F238E27FC236}">
-                <a16:creationId xmlns:a16="http://schemas.microsoft.com/office/drawing/2014/main" xmlns="" id="{6F332B6C-3A14-4FFE-8334-511FEA549806}"/>
+                <a16:creationId xmlns="" xmlns:a16="http://schemas.microsoft.com/office/drawing/2014/main" id="{6F332B6C-3A14-4FFE-8334-511FEA549806}"/>
               </a:ext>
             </a:extLst>
           </p:cNvPr>
@@ -2736,7 +2736,7 @@
           <p:cNvPr id="7" name="슬라이드 번호 개체 틀 6">
             <a:extLst>
               <a:ext uri="{FF2B5EF4-FFF2-40B4-BE49-F238E27FC236}">
-                <a16:creationId xmlns:a16="http://schemas.microsoft.com/office/drawing/2014/main" xmlns="" id="{2AF42E06-F48E-49DE-928C-BFB2B8F1DB4D}"/>
+                <a16:creationId xmlns="" xmlns:a16="http://schemas.microsoft.com/office/drawing/2014/main" id="{2AF42E06-F48E-49DE-928C-BFB2B8F1DB4D}"/>
               </a:ext>
             </a:extLst>
           </p:cNvPr>
@@ -2800,7 +2800,7 @@
           <p:cNvPr id="2" name="제목 개체 틀 1">
             <a:extLst>
               <a:ext uri="{FF2B5EF4-FFF2-40B4-BE49-F238E27FC236}">
-                <a16:creationId xmlns:a16="http://schemas.microsoft.com/office/drawing/2014/main" xmlns="" id="{4D67F31F-28AF-48E1-8497-BACD7EFFE126}"/>
+                <a16:creationId xmlns="" xmlns:a16="http://schemas.microsoft.com/office/drawing/2014/main" id="{4D67F31F-28AF-48E1-8497-BACD7EFFE126}"/>
               </a:ext>
             </a:extLst>
           </p:cNvPr>
@@ -2838,7 +2838,7 @@
           <p:cNvPr id="3" name="텍스트 개체 틀 2">
             <a:extLst>
               <a:ext uri="{FF2B5EF4-FFF2-40B4-BE49-F238E27FC236}">
-                <a16:creationId xmlns:a16="http://schemas.microsoft.com/office/drawing/2014/main" xmlns="" id="{FAA9DFD6-D09F-4BBD-9C15-596CF0905D90}"/>
+                <a16:creationId xmlns="" xmlns:a16="http://schemas.microsoft.com/office/drawing/2014/main" id="{FAA9DFD6-D09F-4BBD-9C15-596CF0905D90}"/>
               </a:ext>
             </a:extLst>
           </p:cNvPr>
@@ -2905,7 +2905,7 @@
           <p:cNvPr id="4" name="날짜 개체 틀 3">
             <a:extLst>
               <a:ext uri="{FF2B5EF4-FFF2-40B4-BE49-F238E27FC236}">
-                <a16:creationId xmlns:a16="http://schemas.microsoft.com/office/drawing/2014/main" xmlns="" id="{B453EE43-258F-4021-9E86-DB8267009EEB}"/>
+                <a16:creationId xmlns="" xmlns:a16="http://schemas.microsoft.com/office/drawing/2014/main" id="{B453EE43-258F-4021-9E86-DB8267009EEB}"/>
               </a:ext>
             </a:extLst>
           </p:cNvPr>
@@ -2952,7 +2952,7 @@
           <p:cNvPr id="5" name="바닥글 개체 틀 4">
             <a:extLst>
               <a:ext uri="{FF2B5EF4-FFF2-40B4-BE49-F238E27FC236}">
-                <a16:creationId xmlns:a16="http://schemas.microsoft.com/office/drawing/2014/main" xmlns="" id="{CBC756C6-FE7F-4369-BC73-BC195DF46179}"/>
+                <a16:creationId xmlns="" xmlns:a16="http://schemas.microsoft.com/office/drawing/2014/main" id="{CBC756C6-FE7F-4369-BC73-BC195DF46179}"/>
               </a:ext>
             </a:extLst>
           </p:cNvPr>
@@ -2995,7 +2995,7 @@
           <p:cNvPr id="6" name="슬라이드 번호 개체 틀 5">
             <a:extLst>
               <a:ext uri="{FF2B5EF4-FFF2-40B4-BE49-F238E27FC236}">
-                <a16:creationId xmlns:a16="http://schemas.microsoft.com/office/drawing/2014/main" xmlns="" id="{6C7EAC72-EF60-4D46-A2B0-56BD798D1C68}"/>
+                <a16:creationId xmlns="" xmlns:a16="http://schemas.microsoft.com/office/drawing/2014/main" id="{6C7EAC72-EF60-4D46-A2B0-56BD798D1C68}"/>
               </a:ext>
             </a:extLst>
           </p:cNvPr>
@@ -3363,7 +3363,7 @@
           <p:cNvPr id="7" name="그룹 6">
             <a:extLst>
               <a:ext uri="{FF2B5EF4-FFF2-40B4-BE49-F238E27FC236}">
-                <a16:creationId xmlns:a16="http://schemas.microsoft.com/office/drawing/2014/main" xmlns="" id="{94FEBA31-977E-4CF2-8D71-766C0A6BD8C5}"/>
+                <a16:creationId xmlns="" xmlns:a16="http://schemas.microsoft.com/office/drawing/2014/main" id="{94FEBA31-977E-4CF2-8D71-766C0A6BD8C5}"/>
               </a:ext>
             </a:extLst>
           </p:cNvPr>
@@ -3383,7 +3383,7 @@
             <p:cNvPr id="4" name="직사각형 3">
               <a:extLst>
                 <a:ext uri="{FF2B5EF4-FFF2-40B4-BE49-F238E27FC236}">
-                  <a16:creationId xmlns:a16="http://schemas.microsoft.com/office/drawing/2014/main" xmlns="" id="{294C750B-3019-4009-BAB0-2E54CD077885}"/>
+                  <a16:creationId xmlns="" xmlns:a16="http://schemas.microsoft.com/office/drawing/2014/main" id="{294C750B-3019-4009-BAB0-2E54CD077885}"/>
                 </a:ext>
               </a:extLst>
             </p:cNvPr>
@@ -3433,7 +3433,7 @@
             <p:cNvPr id="6" name="TextBox 5">
               <a:extLst>
                 <a:ext uri="{FF2B5EF4-FFF2-40B4-BE49-F238E27FC236}">
-                  <a16:creationId xmlns:a16="http://schemas.microsoft.com/office/drawing/2014/main" xmlns="" id="{6E2F4AC8-6E5C-4228-97E6-E2117C9BB95A}"/>
+                  <a16:creationId xmlns="" xmlns:a16="http://schemas.microsoft.com/office/drawing/2014/main" id="{6E2F4AC8-6E5C-4228-97E6-E2117C9BB95A}"/>
                 </a:ext>
               </a:extLst>
             </p:cNvPr>
@@ -3493,7 +3493,7 @@
           <p:cNvPr id="11" name="TextBox 10">
             <a:extLst>
               <a:ext uri="{FF2B5EF4-FFF2-40B4-BE49-F238E27FC236}">
-                <a16:creationId xmlns:a16="http://schemas.microsoft.com/office/drawing/2014/main" xmlns="" id="{40B965CB-3C9D-40AE-909C-C0EA7CFD39BD}"/>
+                <a16:creationId xmlns="" xmlns:a16="http://schemas.microsoft.com/office/drawing/2014/main" id="{40B965CB-3C9D-40AE-909C-C0EA7CFD39BD}"/>
               </a:ext>
             </a:extLst>
           </p:cNvPr>
@@ -3535,7 +3535,7 @@
           <p:cNvPr id="13" name="그림 12" descr="표지판, 텍스트, 오렌지, 앉아있는이(가) 표시된 사진&#10;&#10;자동 생성된 설명">
             <a:extLst>
               <a:ext uri="{FF2B5EF4-FFF2-40B4-BE49-F238E27FC236}">
-                <a16:creationId xmlns:a16="http://schemas.microsoft.com/office/drawing/2014/main" xmlns="" id="{ABFB5E24-3A3C-41BA-8EB6-A82C13D54B91}"/>
+                <a16:creationId xmlns="" xmlns:a16="http://schemas.microsoft.com/office/drawing/2014/main" id="{ABFB5E24-3A3C-41BA-8EB6-A82C13D54B91}"/>
               </a:ext>
             </a:extLst>
           </p:cNvPr>
@@ -3571,7 +3571,7 @@
           <p:cNvPr id="15" name="TextBox 14">
             <a:extLst>
               <a:ext uri="{FF2B5EF4-FFF2-40B4-BE49-F238E27FC236}">
-                <a16:creationId xmlns:a16="http://schemas.microsoft.com/office/drawing/2014/main" xmlns="" id="{BA37F566-042C-4866-A4E8-9DD16D569C53}"/>
+                <a16:creationId xmlns="" xmlns:a16="http://schemas.microsoft.com/office/drawing/2014/main" id="{BA37F566-042C-4866-A4E8-9DD16D569C53}"/>
               </a:ext>
             </a:extLst>
           </p:cNvPr>
@@ -3653,7 +3653,7 @@
           <p:cNvPr id="4" name="직사각형 3">
             <a:extLst>
               <a:ext uri="{FF2B5EF4-FFF2-40B4-BE49-F238E27FC236}">
-                <a16:creationId xmlns:a16="http://schemas.microsoft.com/office/drawing/2014/main" xmlns="" id="{294C750B-3019-4009-BAB0-2E54CD077885}"/>
+                <a16:creationId xmlns="" xmlns:a16="http://schemas.microsoft.com/office/drawing/2014/main" id="{294C750B-3019-4009-BAB0-2E54CD077885}"/>
               </a:ext>
             </a:extLst>
           </p:cNvPr>
@@ -3703,7 +3703,7 @@
           <p:cNvPr id="94" name="그룹 93">
             <a:extLst>
               <a:ext uri="{FF2B5EF4-FFF2-40B4-BE49-F238E27FC236}">
-                <a16:creationId xmlns:a16="http://schemas.microsoft.com/office/drawing/2014/main" xmlns="" id="{57C905AF-1CD0-4611-AA9B-17A875C6256B}"/>
+                <a16:creationId xmlns="" xmlns:a16="http://schemas.microsoft.com/office/drawing/2014/main" id="{57C905AF-1CD0-4611-AA9B-17A875C6256B}"/>
               </a:ext>
             </a:extLst>
           </p:cNvPr>
@@ -3723,7 +3723,7 @@
             <p:cNvPr id="5" name="직사각형 4">
               <a:extLst>
                 <a:ext uri="{FF2B5EF4-FFF2-40B4-BE49-F238E27FC236}">
-                  <a16:creationId xmlns:a16="http://schemas.microsoft.com/office/drawing/2014/main" xmlns="" id="{0C79991C-F4CF-4137-BEB5-D0DBCF117434}"/>
+                  <a16:creationId xmlns="" xmlns:a16="http://schemas.microsoft.com/office/drawing/2014/main" id="{0C79991C-F4CF-4137-BEB5-D0DBCF117434}"/>
                 </a:ext>
               </a:extLst>
             </p:cNvPr>
@@ -3777,7 +3777,7 @@
             <p:cNvPr id="6" name="TextBox 5">
               <a:extLst>
                 <a:ext uri="{FF2B5EF4-FFF2-40B4-BE49-F238E27FC236}">
-                  <a16:creationId xmlns:a16="http://schemas.microsoft.com/office/drawing/2014/main" xmlns="" id="{6E2F4AC8-6E5C-4228-97E6-E2117C9BB95A}"/>
+                  <a16:creationId xmlns="" xmlns:a16="http://schemas.microsoft.com/office/drawing/2014/main" id="{6E2F4AC8-6E5C-4228-97E6-E2117C9BB95A}"/>
                 </a:ext>
               </a:extLst>
             </p:cNvPr>
@@ -3816,7 +3816,7 @@
           <p:cNvPr id="90" name="그룹 89">
             <a:extLst>
               <a:ext uri="{FF2B5EF4-FFF2-40B4-BE49-F238E27FC236}">
-                <a16:creationId xmlns:a16="http://schemas.microsoft.com/office/drawing/2014/main" xmlns="" id="{D2AAA848-59FB-4FF3-9CA8-A9C39AE289EC}"/>
+                <a16:creationId xmlns="" xmlns:a16="http://schemas.microsoft.com/office/drawing/2014/main" id="{D2AAA848-59FB-4FF3-9CA8-A9C39AE289EC}"/>
               </a:ext>
             </a:extLst>
           </p:cNvPr>
@@ -3836,7 +3836,7 @@
             <p:cNvPr id="43" name="그룹 42">
               <a:extLst>
                 <a:ext uri="{FF2B5EF4-FFF2-40B4-BE49-F238E27FC236}">
-                  <a16:creationId xmlns:a16="http://schemas.microsoft.com/office/drawing/2014/main" xmlns="" id="{4B51DB90-1278-40D6-85AA-BD825F1ADA41}"/>
+                  <a16:creationId xmlns="" xmlns:a16="http://schemas.microsoft.com/office/drawing/2014/main" id="{4B51DB90-1278-40D6-85AA-BD825F1ADA41}"/>
                 </a:ext>
               </a:extLst>
             </p:cNvPr>
@@ -3856,7 +3856,7 @@
               <p:cNvPr id="23" name="직사각형 22">
                 <a:extLst>
                   <a:ext uri="{FF2B5EF4-FFF2-40B4-BE49-F238E27FC236}">
-                    <a16:creationId xmlns:a16="http://schemas.microsoft.com/office/drawing/2014/main" xmlns="" id="{0AF66DBC-32E8-4772-93BF-CFA0BE6BFB3C}"/>
+                    <a16:creationId xmlns="" xmlns:a16="http://schemas.microsoft.com/office/drawing/2014/main" id="{0AF66DBC-32E8-4772-93BF-CFA0BE6BFB3C}"/>
                   </a:ext>
                 </a:extLst>
               </p:cNvPr>
@@ -3916,7 +3916,7 @@
               <p:cNvPr id="25" name="직선 연결선 24">
                 <a:extLst>
                   <a:ext uri="{FF2B5EF4-FFF2-40B4-BE49-F238E27FC236}">
-                    <a16:creationId xmlns:a16="http://schemas.microsoft.com/office/drawing/2014/main" xmlns="" id="{69CF30E6-A4E0-4888-9DC1-E3587F86AD68}"/>
+                    <a16:creationId xmlns="" xmlns:a16="http://schemas.microsoft.com/office/drawing/2014/main" id="{69CF30E6-A4E0-4888-9DC1-E3587F86AD68}"/>
                   </a:ext>
                 </a:extLst>
               </p:cNvPr>
@@ -3957,7 +3957,7 @@
               <p:cNvPr id="26" name="TextBox 25">
                 <a:extLst>
                   <a:ext uri="{FF2B5EF4-FFF2-40B4-BE49-F238E27FC236}">
-                    <a16:creationId xmlns:a16="http://schemas.microsoft.com/office/drawing/2014/main" xmlns="" id="{25FBDE8F-B4C0-4A9E-AE60-47A358D44B2A}"/>
+                    <a16:creationId xmlns="" xmlns:a16="http://schemas.microsoft.com/office/drawing/2014/main" id="{25FBDE8F-B4C0-4A9E-AE60-47A358D44B2A}"/>
                   </a:ext>
                 </a:extLst>
               </p:cNvPr>
@@ -3999,7 +3999,7 @@
               <p:cNvPr id="41" name="TextBox 40">
                 <a:extLst>
                   <a:ext uri="{FF2B5EF4-FFF2-40B4-BE49-F238E27FC236}">
-                    <a16:creationId xmlns:a16="http://schemas.microsoft.com/office/drawing/2014/main" xmlns="" id="{78DF7068-0676-4943-83BB-32ED7178772E}"/>
+                    <a16:creationId xmlns="" xmlns:a16="http://schemas.microsoft.com/office/drawing/2014/main" id="{78DF7068-0676-4943-83BB-32ED7178772E}"/>
                   </a:ext>
                 </a:extLst>
               </p:cNvPr>
@@ -4041,7 +4041,7 @@
               <p:cNvPr id="42" name="직사각형 41">
                 <a:extLst>
                   <a:ext uri="{FF2B5EF4-FFF2-40B4-BE49-F238E27FC236}">
-                    <a16:creationId xmlns:a16="http://schemas.microsoft.com/office/drawing/2014/main" xmlns="" id="{59EF6A87-A711-4347-9E11-7AB1275C45EC}"/>
+                    <a16:creationId xmlns="" xmlns:a16="http://schemas.microsoft.com/office/drawing/2014/main" id="{59EF6A87-A711-4347-9E11-7AB1275C45EC}"/>
                   </a:ext>
                 </a:extLst>
               </p:cNvPr>
@@ -4096,7 +4096,7 @@
             <p:cNvPr id="57" name="TextBox 56">
               <a:extLst>
                 <a:ext uri="{FF2B5EF4-FFF2-40B4-BE49-F238E27FC236}">
-                  <a16:creationId xmlns:a16="http://schemas.microsoft.com/office/drawing/2014/main" xmlns="" id="{57795F2B-CF8F-41C0-88B6-14B99CDDCDB1}"/>
+                  <a16:creationId xmlns="" xmlns:a16="http://schemas.microsoft.com/office/drawing/2014/main" id="{57795F2B-CF8F-41C0-88B6-14B99CDDCDB1}"/>
                 </a:ext>
               </a:extLst>
             </p:cNvPr>
@@ -4138,7 +4138,7 @@
             <p:cNvPr id="58" name="TextBox 57">
               <a:extLst>
                 <a:ext uri="{FF2B5EF4-FFF2-40B4-BE49-F238E27FC236}">
-                  <a16:creationId xmlns:a16="http://schemas.microsoft.com/office/drawing/2014/main" xmlns="" id="{B55656B6-047C-420C-864F-18C20A08E7B4}"/>
+                  <a16:creationId xmlns="" xmlns:a16="http://schemas.microsoft.com/office/drawing/2014/main" id="{B55656B6-047C-420C-864F-18C20A08E7B4}"/>
                 </a:ext>
               </a:extLst>
             </p:cNvPr>
@@ -4180,7 +4180,7 @@
             <p:cNvPr id="59" name="TextBox 58">
               <a:extLst>
                 <a:ext uri="{FF2B5EF4-FFF2-40B4-BE49-F238E27FC236}">
-                  <a16:creationId xmlns:a16="http://schemas.microsoft.com/office/drawing/2014/main" xmlns="" id="{5772970F-C1ED-4214-B779-31843E6702EC}"/>
+                  <a16:creationId xmlns="" xmlns:a16="http://schemas.microsoft.com/office/drawing/2014/main" id="{5772970F-C1ED-4214-B779-31843E6702EC}"/>
                 </a:ext>
               </a:extLst>
             </p:cNvPr>
@@ -4222,7 +4222,7 @@
             <p:cNvPr id="56" name="TextBox 55">
               <a:extLst>
                 <a:ext uri="{FF2B5EF4-FFF2-40B4-BE49-F238E27FC236}">
-                  <a16:creationId xmlns:a16="http://schemas.microsoft.com/office/drawing/2014/main" xmlns="" id="{EE554912-1417-431F-A7AF-BDFE67C00D16}"/>
+                  <a16:creationId xmlns="" xmlns:a16="http://schemas.microsoft.com/office/drawing/2014/main" id="{EE554912-1417-431F-A7AF-BDFE67C00D16}"/>
                 </a:ext>
               </a:extLst>
             </p:cNvPr>
@@ -4264,7 +4264,7 @@
             <p:cNvPr id="64" name="직선 연결선 63">
               <a:extLst>
                 <a:ext uri="{FF2B5EF4-FFF2-40B4-BE49-F238E27FC236}">
-                  <a16:creationId xmlns:a16="http://schemas.microsoft.com/office/drawing/2014/main" xmlns="" id="{2FCCDDB7-A970-4780-B02B-4BC8ED93CC0F}"/>
+                  <a16:creationId xmlns="" xmlns:a16="http://schemas.microsoft.com/office/drawing/2014/main" id="{2FCCDDB7-A970-4780-B02B-4BC8ED93CC0F}"/>
                 </a:ext>
               </a:extLst>
             </p:cNvPr>
@@ -4305,7 +4305,7 @@
             <p:cNvPr id="65" name="직선 연결선 64">
               <a:extLst>
                 <a:ext uri="{FF2B5EF4-FFF2-40B4-BE49-F238E27FC236}">
-                  <a16:creationId xmlns:a16="http://schemas.microsoft.com/office/drawing/2014/main" xmlns="" id="{4A7618CF-367C-4FBF-8CE4-A38170AB6C60}"/>
+                  <a16:creationId xmlns="" xmlns:a16="http://schemas.microsoft.com/office/drawing/2014/main" id="{4A7618CF-367C-4FBF-8CE4-A38170AB6C60}"/>
                 </a:ext>
               </a:extLst>
             </p:cNvPr>
@@ -4346,7 +4346,7 @@
             <p:cNvPr id="61" name="직선 연결선 60">
               <a:extLst>
                 <a:ext uri="{FF2B5EF4-FFF2-40B4-BE49-F238E27FC236}">
-                  <a16:creationId xmlns:a16="http://schemas.microsoft.com/office/drawing/2014/main" xmlns="" id="{CCD13C03-9022-4ACB-8C5E-9D9B6E13A8CA}"/>
+                  <a16:creationId xmlns="" xmlns:a16="http://schemas.microsoft.com/office/drawing/2014/main" id="{CCD13C03-9022-4ACB-8C5E-9D9B6E13A8CA}"/>
                 </a:ext>
               </a:extLst>
             </p:cNvPr>
@@ -4387,7 +4387,7 @@
             <p:cNvPr id="79" name="그룹 78">
               <a:extLst>
                 <a:ext uri="{FF2B5EF4-FFF2-40B4-BE49-F238E27FC236}">
-                  <a16:creationId xmlns:a16="http://schemas.microsoft.com/office/drawing/2014/main" xmlns="" id="{E74E3963-D014-4549-BD90-037A8A740A0C}"/>
+                  <a16:creationId xmlns="" xmlns:a16="http://schemas.microsoft.com/office/drawing/2014/main" id="{E74E3963-D014-4549-BD90-037A8A740A0C}"/>
                 </a:ext>
               </a:extLst>
             </p:cNvPr>
@@ -4407,7 +4407,7 @@
               <p:cNvPr id="68" name="TextBox 67">
                 <a:extLst>
                   <a:ext uri="{FF2B5EF4-FFF2-40B4-BE49-F238E27FC236}">
-                    <a16:creationId xmlns:a16="http://schemas.microsoft.com/office/drawing/2014/main" xmlns="" id="{BAF111A0-9AD9-4879-AE86-B45E5D26F94D}"/>
+                    <a16:creationId xmlns="" xmlns:a16="http://schemas.microsoft.com/office/drawing/2014/main" id="{BAF111A0-9AD9-4879-AE86-B45E5D26F94D}"/>
                   </a:ext>
                 </a:extLst>
               </p:cNvPr>
@@ -4465,7 +4465,7 @@
               <p:cNvPr id="72" name="TextBox 71">
                 <a:extLst>
                   <a:ext uri="{FF2B5EF4-FFF2-40B4-BE49-F238E27FC236}">
-                    <a16:creationId xmlns:a16="http://schemas.microsoft.com/office/drawing/2014/main" xmlns="" id="{D151B9A2-3191-4A8C-9E93-6021C7AB1230}"/>
+                    <a16:creationId xmlns="" xmlns:a16="http://schemas.microsoft.com/office/drawing/2014/main" id="{D151B9A2-3191-4A8C-9E93-6021C7AB1230}"/>
                   </a:ext>
                 </a:extLst>
               </p:cNvPr>
@@ -4531,7 +4531,7 @@
             <p:cNvPr id="80" name="그룹 79">
               <a:extLst>
                 <a:ext uri="{FF2B5EF4-FFF2-40B4-BE49-F238E27FC236}">
-                  <a16:creationId xmlns:a16="http://schemas.microsoft.com/office/drawing/2014/main" xmlns="" id="{298CF8C3-67E7-45A9-B266-4748317951FD}"/>
+                  <a16:creationId xmlns="" xmlns:a16="http://schemas.microsoft.com/office/drawing/2014/main" id="{298CF8C3-67E7-45A9-B266-4748317951FD}"/>
                 </a:ext>
               </a:extLst>
             </p:cNvPr>
@@ -4551,7 +4551,7 @@
               <p:cNvPr id="70" name="TextBox 69">
                 <a:extLst>
                   <a:ext uri="{FF2B5EF4-FFF2-40B4-BE49-F238E27FC236}">
-                    <a16:creationId xmlns:a16="http://schemas.microsoft.com/office/drawing/2014/main" xmlns="" id="{B925B727-E892-43CA-9AD4-9C7249126232}"/>
+                    <a16:creationId xmlns="" xmlns:a16="http://schemas.microsoft.com/office/drawing/2014/main" id="{B925B727-E892-43CA-9AD4-9C7249126232}"/>
                   </a:ext>
                 </a:extLst>
               </p:cNvPr>
@@ -4609,7 +4609,7 @@
               <p:cNvPr id="76" name="TextBox 75">
                 <a:extLst>
                   <a:ext uri="{FF2B5EF4-FFF2-40B4-BE49-F238E27FC236}">
-                    <a16:creationId xmlns:a16="http://schemas.microsoft.com/office/drawing/2014/main" xmlns="" id="{155F49A2-5FA7-4BBF-B6B9-FFFCE23D36F7}"/>
+                    <a16:creationId xmlns="" xmlns:a16="http://schemas.microsoft.com/office/drawing/2014/main" id="{155F49A2-5FA7-4BBF-B6B9-FFFCE23D36F7}"/>
                   </a:ext>
                 </a:extLst>
               </p:cNvPr>
@@ -4742,7 +4742,7 @@
             <p:cNvPr id="81" name="그룹 80">
               <a:extLst>
                 <a:ext uri="{FF2B5EF4-FFF2-40B4-BE49-F238E27FC236}">
-                  <a16:creationId xmlns:a16="http://schemas.microsoft.com/office/drawing/2014/main" xmlns="" id="{69781F0C-D2A0-4241-A8D4-6E7FCE65B6DC}"/>
+                  <a16:creationId xmlns="" xmlns:a16="http://schemas.microsoft.com/office/drawing/2014/main" id="{69781F0C-D2A0-4241-A8D4-6E7FCE65B6DC}"/>
                 </a:ext>
               </a:extLst>
             </p:cNvPr>
@@ -4762,7 +4762,7 @@
               <p:cNvPr id="71" name="TextBox 70">
                 <a:extLst>
                   <a:ext uri="{FF2B5EF4-FFF2-40B4-BE49-F238E27FC236}">
-                    <a16:creationId xmlns:a16="http://schemas.microsoft.com/office/drawing/2014/main" xmlns="" id="{E56853B2-9F9D-4D07-BC67-DE433EB885DE}"/>
+                    <a16:creationId xmlns="" xmlns:a16="http://schemas.microsoft.com/office/drawing/2014/main" id="{E56853B2-9F9D-4D07-BC67-DE433EB885DE}"/>
                   </a:ext>
                 </a:extLst>
               </p:cNvPr>
@@ -4803,7 +4803,7 @@
               <p:cNvPr id="77" name="TextBox 76">
                 <a:extLst>
                   <a:ext uri="{FF2B5EF4-FFF2-40B4-BE49-F238E27FC236}">
-                    <a16:creationId xmlns:a16="http://schemas.microsoft.com/office/drawing/2014/main" xmlns="" id="{C1296AE9-66DB-4374-8A4C-724AABEAA6FC}"/>
+                    <a16:creationId xmlns="" xmlns:a16="http://schemas.microsoft.com/office/drawing/2014/main" id="{C1296AE9-66DB-4374-8A4C-724AABEAA6FC}"/>
                   </a:ext>
                 </a:extLst>
               </p:cNvPr>
@@ -4889,7 +4889,7 @@
             <p:cNvPr id="88" name="TextBox 87">
               <a:extLst>
                 <a:ext uri="{FF2B5EF4-FFF2-40B4-BE49-F238E27FC236}">
-                  <a16:creationId xmlns:a16="http://schemas.microsoft.com/office/drawing/2014/main" xmlns="" id="{B0D030C3-CB79-4F4A-B121-CAC3F6C7188A}"/>
+                  <a16:creationId xmlns="" xmlns:a16="http://schemas.microsoft.com/office/drawing/2014/main" id="{B0D030C3-CB79-4F4A-B121-CAC3F6C7188A}"/>
                 </a:ext>
               </a:extLst>
             </p:cNvPr>
@@ -4939,7 +4939,7 @@
           <p:cNvPr id="28" name="표 37">
             <a:extLst>
               <a:ext uri="{FF2B5EF4-FFF2-40B4-BE49-F238E27FC236}">
-                <a16:creationId xmlns:a16="http://schemas.microsoft.com/office/drawing/2014/main" xmlns="" id="{D508838C-8C60-4765-8080-A5F322408B34}"/>
+                <a16:creationId xmlns="" xmlns:a16="http://schemas.microsoft.com/office/drawing/2014/main" id="{D508838C-8C60-4765-8080-A5F322408B34}"/>
               </a:ext>
             </a:extLst>
           </p:cNvPr>
@@ -4968,63 +4968,63 @@
                 <a:gridCol w="446575">
                   <a:extLst>
                     <a:ext uri="{9D8B030D-6E8A-4147-A177-3AD203B41FA5}">
-                      <a16:colId xmlns:a16="http://schemas.microsoft.com/office/drawing/2014/main" xmlns="" val="3961222721"/>
+                      <a16:colId xmlns="" xmlns:a16="http://schemas.microsoft.com/office/drawing/2014/main" val="3961222721"/>
                     </a:ext>
                   </a:extLst>
                 </a:gridCol>
                 <a:gridCol w="446575">
                   <a:extLst>
                     <a:ext uri="{9D8B030D-6E8A-4147-A177-3AD203B41FA5}">
-                      <a16:colId xmlns:a16="http://schemas.microsoft.com/office/drawing/2014/main" xmlns="" val="3366559855"/>
+                      <a16:colId xmlns="" xmlns:a16="http://schemas.microsoft.com/office/drawing/2014/main" val="3366559855"/>
                     </a:ext>
                   </a:extLst>
                 </a:gridCol>
                 <a:gridCol w="446575">
                   <a:extLst>
                     <a:ext uri="{9D8B030D-6E8A-4147-A177-3AD203B41FA5}">
-                      <a16:colId xmlns:a16="http://schemas.microsoft.com/office/drawing/2014/main" xmlns="" val="879715482"/>
+                      <a16:colId xmlns="" xmlns:a16="http://schemas.microsoft.com/office/drawing/2014/main" val="879715482"/>
                     </a:ext>
                   </a:extLst>
                 </a:gridCol>
                 <a:gridCol w="446575">
                   <a:extLst>
                     <a:ext uri="{9D8B030D-6E8A-4147-A177-3AD203B41FA5}">
-                      <a16:colId xmlns:a16="http://schemas.microsoft.com/office/drawing/2014/main" xmlns="" val="704460017"/>
+                      <a16:colId xmlns="" xmlns:a16="http://schemas.microsoft.com/office/drawing/2014/main" val="704460017"/>
                     </a:ext>
                   </a:extLst>
                 </a:gridCol>
                 <a:gridCol w="446575">
                   <a:extLst>
                     <a:ext uri="{9D8B030D-6E8A-4147-A177-3AD203B41FA5}">
-                      <a16:colId xmlns:a16="http://schemas.microsoft.com/office/drawing/2014/main" xmlns="" val="3866993554"/>
+                      <a16:colId xmlns="" xmlns:a16="http://schemas.microsoft.com/office/drawing/2014/main" val="3866993554"/>
                     </a:ext>
                   </a:extLst>
                 </a:gridCol>
                 <a:gridCol w="446575">
                   <a:extLst>
                     <a:ext uri="{9D8B030D-6E8A-4147-A177-3AD203B41FA5}">
-                      <a16:colId xmlns:a16="http://schemas.microsoft.com/office/drawing/2014/main" xmlns="" val="1797360196"/>
+                      <a16:colId xmlns="" xmlns:a16="http://schemas.microsoft.com/office/drawing/2014/main" val="1797360196"/>
                     </a:ext>
                   </a:extLst>
                 </a:gridCol>
                 <a:gridCol w="446575">
                   <a:extLst>
                     <a:ext uri="{9D8B030D-6E8A-4147-A177-3AD203B41FA5}">
-                      <a16:colId xmlns:a16="http://schemas.microsoft.com/office/drawing/2014/main" xmlns="" val="3937540474"/>
+                      <a16:colId xmlns="" xmlns:a16="http://schemas.microsoft.com/office/drawing/2014/main" val="3937540474"/>
                     </a:ext>
                   </a:extLst>
                 </a:gridCol>
                 <a:gridCol w="446575">
                   <a:extLst>
                     <a:ext uri="{9D8B030D-6E8A-4147-A177-3AD203B41FA5}">
-                      <a16:colId xmlns:a16="http://schemas.microsoft.com/office/drawing/2014/main" xmlns="" val="2441943587"/>
+                      <a16:colId xmlns="" xmlns:a16="http://schemas.microsoft.com/office/drawing/2014/main" val="2441943587"/>
                     </a:ext>
                   </a:extLst>
                 </a:gridCol>
                 <a:gridCol w="446575">
                   <a:extLst>
                     <a:ext uri="{9D8B030D-6E8A-4147-A177-3AD203B41FA5}">
-                      <a16:colId xmlns:a16="http://schemas.microsoft.com/office/drawing/2014/main" xmlns="" val="3455568965"/>
+                      <a16:colId xmlns="" xmlns:a16="http://schemas.microsoft.com/office/drawing/2014/main" val="3455568965"/>
                     </a:ext>
                   </a:extLst>
                 </a:gridCol>
@@ -5626,7 +5626,7 @@
                 </a:tc>
                 <a:extLst>
                   <a:ext uri="{0D108BD9-81ED-4DB2-BD59-A6C34878D82A}">
-                    <a16:rowId xmlns:a16="http://schemas.microsoft.com/office/drawing/2014/main" xmlns="" val="254760153"/>
+                    <a16:rowId xmlns="" xmlns:a16="http://schemas.microsoft.com/office/drawing/2014/main" val="254760153"/>
                   </a:ext>
                 </a:extLst>
               </a:tr>
@@ -6234,7 +6234,7 @@
                 </a:tc>
                 <a:extLst>
                   <a:ext uri="{0D108BD9-81ED-4DB2-BD59-A6C34878D82A}">
-                    <a16:rowId xmlns:a16="http://schemas.microsoft.com/office/drawing/2014/main" xmlns="" val="906317860"/>
+                    <a16:rowId xmlns="" xmlns:a16="http://schemas.microsoft.com/office/drawing/2014/main" val="906317860"/>
                   </a:ext>
                 </a:extLst>
               </a:tr>
@@ -6872,7 +6872,7 @@
                 </a:tc>
                 <a:extLst>
                   <a:ext uri="{0D108BD9-81ED-4DB2-BD59-A6C34878D82A}">
-                    <a16:rowId xmlns:a16="http://schemas.microsoft.com/office/drawing/2014/main" xmlns="" val="998227271"/>
+                    <a16:rowId xmlns="" xmlns:a16="http://schemas.microsoft.com/office/drawing/2014/main" val="998227271"/>
                   </a:ext>
                 </a:extLst>
               </a:tr>
@@ -7480,7 +7480,7 @@
                 </a:tc>
                 <a:extLst>
                   <a:ext uri="{0D108BD9-81ED-4DB2-BD59-A6C34878D82A}">
-                    <a16:rowId xmlns:a16="http://schemas.microsoft.com/office/drawing/2014/main" xmlns="" val="1225336522"/>
+                    <a16:rowId xmlns="" xmlns:a16="http://schemas.microsoft.com/office/drawing/2014/main" val="1225336522"/>
                   </a:ext>
                 </a:extLst>
               </a:tr>
@@ -8088,7 +8088,7 @@
                 </a:tc>
                 <a:extLst>
                   <a:ext uri="{0D108BD9-81ED-4DB2-BD59-A6C34878D82A}">
-                    <a16:rowId xmlns:a16="http://schemas.microsoft.com/office/drawing/2014/main" xmlns="" val="4047267722"/>
+                    <a16:rowId xmlns="" xmlns:a16="http://schemas.microsoft.com/office/drawing/2014/main" val="4047267722"/>
                   </a:ext>
                 </a:extLst>
               </a:tr>
@@ -8696,7 +8696,7 @@
                 </a:tc>
                 <a:extLst>
                   <a:ext uri="{0D108BD9-81ED-4DB2-BD59-A6C34878D82A}">
-                    <a16:rowId xmlns:a16="http://schemas.microsoft.com/office/drawing/2014/main" xmlns="" val="1414616805"/>
+                    <a16:rowId xmlns="" xmlns:a16="http://schemas.microsoft.com/office/drawing/2014/main" val="1414616805"/>
                   </a:ext>
                 </a:extLst>
               </a:tr>
@@ -9315,7 +9315,7 @@
                 </a:tc>
                 <a:extLst>
                   <a:ext uri="{0D108BD9-81ED-4DB2-BD59-A6C34878D82A}">
-                    <a16:rowId xmlns:a16="http://schemas.microsoft.com/office/drawing/2014/main" xmlns="" val="2583695390"/>
+                    <a16:rowId xmlns="" xmlns:a16="http://schemas.microsoft.com/office/drawing/2014/main" val="2583695390"/>
                   </a:ext>
                 </a:extLst>
               </a:tr>
@@ -9916,7 +9916,7 @@
                 </a:tc>
                 <a:extLst>
                   <a:ext uri="{0D108BD9-81ED-4DB2-BD59-A6C34878D82A}">
-                    <a16:rowId xmlns:a16="http://schemas.microsoft.com/office/drawing/2014/main" xmlns="" val="1649571982"/>
+                    <a16:rowId xmlns="" xmlns:a16="http://schemas.microsoft.com/office/drawing/2014/main" val="1649571982"/>
                   </a:ext>
                 </a:extLst>
               </a:tr>
@@ -10535,7 +10535,7 @@
                 </a:tc>
                 <a:extLst>
                   <a:ext uri="{0D108BD9-81ED-4DB2-BD59-A6C34878D82A}">
-                    <a16:rowId xmlns:a16="http://schemas.microsoft.com/office/drawing/2014/main" xmlns="" val="1940719576"/>
+                    <a16:rowId xmlns="" xmlns:a16="http://schemas.microsoft.com/office/drawing/2014/main" val="1940719576"/>
                   </a:ext>
                 </a:extLst>
               </a:tr>
@@ -10548,7 +10548,7 @@
           <p:cNvPr id="39" name="표 39">
             <a:extLst>
               <a:ext uri="{FF2B5EF4-FFF2-40B4-BE49-F238E27FC236}">
-                <a16:creationId xmlns:a16="http://schemas.microsoft.com/office/drawing/2014/main" xmlns="" id="{A0E997F0-CA2B-4089-AABC-732753609750}"/>
+                <a16:creationId xmlns="" xmlns:a16="http://schemas.microsoft.com/office/drawing/2014/main" id="{A0E997F0-CA2B-4089-AABC-732753609750}"/>
               </a:ext>
             </a:extLst>
           </p:cNvPr>
@@ -10577,21 +10577,21 @@
                 <a:gridCol w="1339725">
                   <a:extLst>
                     <a:ext uri="{9D8B030D-6E8A-4147-A177-3AD203B41FA5}">
-                      <a16:colId xmlns:a16="http://schemas.microsoft.com/office/drawing/2014/main" xmlns="" val="2506213531"/>
+                      <a16:colId xmlns="" xmlns:a16="http://schemas.microsoft.com/office/drawing/2014/main" val="2506213531"/>
                     </a:ext>
                   </a:extLst>
                 </a:gridCol>
                 <a:gridCol w="1339725">
                   <a:extLst>
                     <a:ext uri="{9D8B030D-6E8A-4147-A177-3AD203B41FA5}">
-                      <a16:colId xmlns:a16="http://schemas.microsoft.com/office/drawing/2014/main" xmlns="" val="3956944197"/>
+                      <a16:colId xmlns="" xmlns:a16="http://schemas.microsoft.com/office/drawing/2014/main" val="3956944197"/>
                     </a:ext>
                   </a:extLst>
                 </a:gridCol>
                 <a:gridCol w="1339725">
                   <a:extLst>
                     <a:ext uri="{9D8B030D-6E8A-4147-A177-3AD203B41FA5}">
-                      <a16:colId xmlns:a16="http://schemas.microsoft.com/office/drawing/2014/main" xmlns="" val="1151473981"/>
+                      <a16:colId xmlns="" xmlns:a16="http://schemas.microsoft.com/office/drawing/2014/main" val="1151473981"/>
                     </a:ext>
                   </a:extLst>
                 </a:gridCol>
@@ -10743,7 +10743,7 @@
                 </a:tc>
                 <a:extLst>
                   <a:ext uri="{0D108BD9-81ED-4DB2-BD59-A6C34878D82A}">
-                    <a16:rowId xmlns:a16="http://schemas.microsoft.com/office/drawing/2014/main" xmlns="" val="3586328922"/>
+                    <a16:rowId xmlns="" xmlns:a16="http://schemas.microsoft.com/office/drawing/2014/main" val="3586328922"/>
                   </a:ext>
                 </a:extLst>
               </a:tr>
@@ -10756,7 +10756,7 @@
           <p:cNvPr id="92" name="그림 91">
             <a:extLst>
               <a:ext uri="{FF2B5EF4-FFF2-40B4-BE49-F238E27FC236}">
-                <a16:creationId xmlns:a16="http://schemas.microsoft.com/office/drawing/2014/main" xmlns="" id="{467B8560-E004-47F1-89A4-2391006260B7}"/>
+                <a16:creationId xmlns="" xmlns:a16="http://schemas.microsoft.com/office/drawing/2014/main" id="{467B8560-E004-47F1-89A4-2391006260B7}"/>
               </a:ext>
             </a:extLst>
           </p:cNvPr>
@@ -10792,7 +10792,7 @@
           <p:cNvPr id="93" name="TextBox 92">
             <a:extLst>
               <a:ext uri="{FF2B5EF4-FFF2-40B4-BE49-F238E27FC236}">
-                <a16:creationId xmlns:a16="http://schemas.microsoft.com/office/drawing/2014/main" xmlns="" id="{479C066D-6C54-4654-8B10-8F739964E3E0}"/>
+                <a16:creationId xmlns="" xmlns:a16="http://schemas.microsoft.com/office/drawing/2014/main" id="{479C066D-6C54-4654-8B10-8F739964E3E0}"/>
               </a:ext>
             </a:extLst>
           </p:cNvPr>
@@ -10860,7 +10860,7 @@
           <p:cNvPr id="4" name="직사각형 3">
             <a:extLst>
               <a:ext uri="{FF2B5EF4-FFF2-40B4-BE49-F238E27FC236}">
-                <a16:creationId xmlns:a16="http://schemas.microsoft.com/office/drawing/2014/main" xmlns="" id="{294C750B-3019-4009-BAB0-2E54CD077885}"/>
+                <a16:creationId xmlns="" xmlns:a16="http://schemas.microsoft.com/office/drawing/2014/main" id="{294C750B-3019-4009-BAB0-2E54CD077885}"/>
               </a:ext>
             </a:extLst>
           </p:cNvPr>
@@ -10910,7 +10910,7 @@
           <p:cNvPr id="8" name="TextBox 7">
             <a:extLst>
               <a:ext uri="{FF2B5EF4-FFF2-40B4-BE49-F238E27FC236}">
-                <a16:creationId xmlns:a16="http://schemas.microsoft.com/office/drawing/2014/main" xmlns="" id="{CE8992EF-381A-4CB2-8A86-651B67341985}"/>
+                <a16:creationId xmlns="" xmlns:a16="http://schemas.microsoft.com/office/drawing/2014/main" id="{CE8992EF-381A-4CB2-8A86-651B67341985}"/>
               </a:ext>
             </a:extLst>
           </p:cNvPr>
@@ -11190,7 +11190,7 @@
           <p:cNvPr id="9" name="직사각형 8">
             <a:extLst>
               <a:ext uri="{FF2B5EF4-FFF2-40B4-BE49-F238E27FC236}">
-                <a16:creationId xmlns:a16="http://schemas.microsoft.com/office/drawing/2014/main" xmlns="" id="{D22A6F0F-E4FC-44AB-A71E-923AD4A90A05}"/>
+                <a16:creationId xmlns="" xmlns:a16="http://schemas.microsoft.com/office/drawing/2014/main" id="{D22A6F0F-E4FC-44AB-A71E-923AD4A90A05}"/>
               </a:ext>
             </a:extLst>
           </p:cNvPr>
@@ -11250,7 +11250,7 @@
           <p:cNvPr id="10" name="표 37">
             <a:extLst>
               <a:ext uri="{FF2B5EF4-FFF2-40B4-BE49-F238E27FC236}">
-                <a16:creationId xmlns:a16="http://schemas.microsoft.com/office/drawing/2014/main" xmlns="" id="{BD346520-C75C-4FE4-87D8-2B088976BAAE}"/>
+                <a16:creationId xmlns="" xmlns:a16="http://schemas.microsoft.com/office/drawing/2014/main" id="{BD346520-C75C-4FE4-87D8-2B088976BAAE}"/>
               </a:ext>
             </a:extLst>
           </p:cNvPr>
@@ -11279,63 +11279,63 @@
                 <a:gridCol w="446575">
                   <a:extLst>
                     <a:ext uri="{9D8B030D-6E8A-4147-A177-3AD203B41FA5}">
-                      <a16:colId xmlns:a16="http://schemas.microsoft.com/office/drawing/2014/main" xmlns="" val="3961222721"/>
+                      <a16:colId xmlns="" xmlns:a16="http://schemas.microsoft.com/office/drawing/2014/main" val="3961222721"/>
                     </a:ext>
                   </a:extLst>
                 </a:gridCol>
                 <a:gridCol w="446575">
                   <a:extLst>
                     <a:ext uri="{9D8B030D-6E8A-4147-A177-3AD203B41FA5}">
-                      <a16:colId xmlns:a16="http://schemas.microsoft.com/office/drawing/2014/main" xmlns="" val="3366559855"/>
+                      <a16:colId xmlns="" xmlns:a16="http://schemas.microsoft.com/office/drawing/2014/main" val="3366559855"/>
                     </a:ext>
                   </a:extLst>
                 </a:gridCol>
                 <a:gridCol w="446575">
                   <a:extLst>
                     <a:ext uri="{9D8B030D-6E8A-4147-A177-3AD203B41FA5}">
-                      <a16:colId xmlns:a16="http://schemas.microsoft.com/office/drawing/2014/main" xmlns="" val="879715482"/>
+                      <a16:colId xmlns="" xmlns:a16="http://schemas.microsoft.com/office/drawing/2014/main" val="879715482"/>
                     </a:ext>
                   </a:extLst>
                 </a:gridCol>
                 <a:gridCol w="446575">
                   <a:extLst>
                     <a:ext uri="{9D8B030D-6E8A-4147-A177-3AD203B41FA5}">
-                      <a16:colId xmlns:a16="http://schemas.microsoft.com/office/drawing/2014/main" xmlns="" val="704460017"/>
+                      <a16:colId xmlns="" xmlns:a16="http://schemas.microsoft.com/office/drawing/2014/main" val="704460017"/>
                     </a:ext>
                   </a:extLst>
                 </a:gridCol>
                 <a:gridCol w="446575">
                   <a:extLst>
                     <a:ext uri="{9D8B030D-6E8A-4147-A177-3AD203B41FA5}">
-                      <a16:colId xmlns:a16="http://schemas.microsoft.com/office/drawing/2014/main" xmlns="" val="3866993554"/>
+                      <a16:colId xmlns="" xmlns:a16="http://schemas.microsoft.com/office/drawing/2014/main" val="3866993554"/>
                     </a:ext>
                   </a:extLst>
                 </a:gridCol>
                 <a:gridCol w="446575">
                   <a:extLst>
                     <a:ext uri="{9D8B030D-6E8A-4147-A177-3AD203B41FA5}">
-                      <a16:colId xmlns:a16="http://schemas.microsoft.com/office/drawing/2014/main" xmlns="" val="1797360196"/>
+                      <a16:colId xmlns="" xmlns:a16="http://schemas.microsoft.com/office/drawing/2014/main" val="1797360196"/>
                     </a:ext>
                   </a:extLst>
                 </a:gridCol>
                 <a:gridCol w="446575">
                   <a:extLst>
                     <a:ext uri="{9D8B030D-6E8A-4147-A177-3AD203B41FA5}">
-                      <a16:colId xmlns:a16="http://schemas.microsoft.com/office/drawing/2014/main" xmlns="" val="3937540474"/>
+                      <a16:colId xmlns="" xmlns:a16="http://schemas.microsoft.com/office/drawing/2014/main" val="3937540474"/>
                     </a:ext>
                   </a:extLst>
                 </a:gridCol>
                 <a:gridCol w="446575">
                   <a:extLst>
                     <a:ext uri="{9D8B030D-6E8A-4147-A177-3AD203B41FA5}">
-                      <a16:colId xmlns:a16="http://schemas.microsoft.com/office/drawing/2014/main" xmlns="" val="2441943587"/>
+                      <a16:colId xmlns="" xmlns:a16="http://schemas.microsoft.com/office/drawing/2014/main" val="2441943587"/>
                     </a:ext>
                   </a:extLst>
                 </a:gridCol>
                 <a:gridCol w="446575">
                   <a:extLst>
                     <a:ext uri="{9D8B030D-6E8A-4147-A177-3AD203B41FA5}">
-                      <a16:colId xmlns:a16="http://schemas.microsoft.com/office/drawing/2014/main" xmlns="" val="3455568965"/>
+                      <a16:colId xmlns="" xmlns:a16="http://schemas.microsoft.com/office/drawing/2014/main" val="3455568965"/>
                     </a:ext>
                   </a:extLst>
                 </a:gridCol>
@@ -11937,7 +11937,7 @@
                 </a:tc>
                 <a:extLst>
                   <a:ext uri="{0D108BD9-81ED-4DB2-BD59-A6C34878D82A}">
-                    <a16:rowId xmlns:a16="http://schemas.microsoft.com/office/drawing/2014/main" xmlns="" val="254760153"/>
+                    <a16:rowId xmlns="" xmlns:a16="http://schemas.microsoft.com/office/drawing/2014/main" val="254760153"/>
                   </a:ext>
                 </a:extLst>
               </a:tr>
@@ -12545,7 +12545,7 @@
                 </a:tc>
                 <a:extLst>
                   <a:ext uri="{0D108BD9-81ED-4DB2-BD59-A6C34878D82A}">
-                    <a16:rowId xmlns:a16="http://schemas.microsoft.com/office/drawing/2014/main" xmlns="" val="906317860"/>
+                    <a16:rowId xmlns="" xmlns:a16="http://schemas.microsoft.com/office/drawing/2014/main" val="906317860"/>
                   </a:ext>
                 </a:extLst>
               </a:tr>
@@ -13183,7 +13183,7 @@
                 </a:tc>
                 <a:extLst>
                   <a:ext uri="{0D108BD9-81ED-4DB2-BD59-A6C34878D82A}">
-                    <a16:rowId xmlns:a16="http://schemas.microsoft.com/office/drawing/2014/main" xmlns="" val="998227271"/>
+                    <a16:rowId xmlns="" xmlns:a16="http://schemas.microsoft.com/office/drawing/2014/main" val="998227271"/>
                   </a:ext>
                 </a:extLst>
               </a:tr>
@@ -13791,7 +13791,7 @@
                 </a:tc>
                 <a:extLst>
                   <a:ext uri="{0D108BD9-81ED-4DB2-BD59-A6C34878D82A}">
-                    <a16:rowId xmlns:a16="http://schemas.microsoft.com/office/drawing/2014/main" xmlns="" val="1225336522"/>
+                    <a16:rowId xmlns="" xmlns:a16="http://schemas.microsoft.com/office/drawing/2014/main" val="1225336522"/>
                   </a:ext>
                 </a:extLst>
               </a:tr>
@@ -14399,7 +14399,7 @@
                 </a:tc>
                 <a:extLst>
                   <a:ext uri="{0D108BD9-81ED-4DB2-BD59-A6C34878D82A}">
-                    <a16:rowId xmlns:a16="http://schemas.microsoft.com/office/drawing/2014/main" xmlns="" val="4047267722"/>
+                    <a16:rowId xmlns="" xmlns:a16="http://schemas.microsoft.com/office/drawing/2014/main" val="4047267722"/>
                   </a:ext>
                 </a:extLst>
               </a:tr>
@@ -15007,7 +15007,7 @@
                 </a:tc>
                 <a:extLst>
                   <a:ext uri="{0D108BD9-81ED-4DB2-BD59-A6C34878D82A}">
-                    <a16:rowId xmlns:a16="http://schemas.microsoft.com/office/drawing/2014/main" xmlns="" val="1414616805"/>
+                    <a16:rowId xmlns="" xmlns:a16="http://schemas.microsoft.com/office/drawing/2014/main" val="1414616805"/>
                   </a:ext>
                 </a:extLst>
               </a:tr>
@@ -15626,7 +15626,7 @@
                 </a:tc>
                 <a:extLst>
                   <a:ext uri="{0D108BD9-81ED-4DB2-BD59-A6C34878D82A}">
-                    <a16:rowId xmlns:a16="http://schemas.microsoft.com/office/drawing/2014/main" xmlns="" val="2583695390"/>
+                    <a16:rowId xmlns="" xmlns:a16="http://schemas.microsoft.com/office/drawing/2014/main" val="2583695390"/>
                   </a:ext>
                 </a:extLst>
               </a:tr>
@@ -16227,7 +16227,7 @@
                 </a:tc>
                 <a:extLst>
                   <a:ext uri="{0D108BD9-81ED-4DB2-BD59-A6C34878D82A}">
-                    <a16:rowId xmlns:a16="http://schemas.microsoft.com/office/drawing/2014/main" xmlns="" val="1649571982"/>
+                    <a16:rowId xmlns="" xmlns:a16="http://schemas.microsoft.com/office/drawing/2014/main" val="1649571982"/>
                   </a:ext>
                 </a:extLst>
               </a:tr>
@@ -16846,7 +16846,7 @@
                 </a:tc>
                 <a:extLst>
                   <a:ext uri="{0D108BD9-81ED-4DB2-BD59-A6C34878D82A}">
-                    <a16:rowId xmlns:a16="http://schemas.microsoft.com/office/drawing/2014/main" xmlns="" val="1940719576"/>
+                    <a16:rowId xmlns="" xmlns:a16="http://schemas.microsoft.com/office/drawing/2014/main" val="1940719576"/>
                   </a:ext>
                 </a:extLst>
               </a:tr>
@@ -16859,7 +16859,7 @@
           <p:cNvPr id="11" name="표 39">
             <a:extLst>
               <a:ext uri="{FF2B5EF4-FFF2-40B4-BE49-F238E27FC236}">
-                <a16:creationId xmlns:a16="http://schemas.microsoft.com/office/drawing/2014/main" xmlns="" id="{FC1C7D3C-7DE0-48F9-923A-90E43D91EDAD}"/>
+                <a16:creationId xmlns="" xmlns:a16="http://schemas.microsoft.com/office/drawing/2014/main" id="{FC1C7D3C-7DE0-48F9-923A-90E43D91EDAD}"/>
               </a:ext>
             </a:extLst>
           </p:cNvPr>
@@ -16888,21 +16888,21 @@
                 <a:gridCol w="1339725">
                   <a:extLst>
                     <a:ext uri="{9D8B030D-6E8A-4147-A177-3AD203B41FA5}">
-                      <a16:colId xmlns:a16="http://schemas.microsoft.com/office/drawing/2014/main" xmlns="" val="2506213531"/>
+                      <a16:colId xmlns="" xmlns:a16="http://schemas.microsoft.com/office/drawing/2014/main" val="2506213531"/>
                     </a:ext>
                   </a:extLst>
                 </a:gridCol>
                 <a:gridCol w="1339725">
                   <a:extLst>
                     <a:ext uri="{9D8B030D-6E8A-4147-A177-3AD203B41FA5}">
-                      <a16:colId xmlns:a16="http://schemas.microsoft.com/office/drawing/2014/main" xmlns="" val="3956944197"/>
+                      <a16:colId xmlns="" xmlns:a16="http://schemas.microsoft.com/office/drawing/2014/main" val="3956944197"/>
                     </a:ext>
                   </a:extLst>
                 </a:gridCol>
                 <a:gridCol w="1339725">
                   <a:extLst>
                     <a:ext uri="{9D8B030D-6E8A-4147-A177-3AD203B41FA5}">
-                      <a16:colId xmlns:a16="http://schemas.microsoft.com/office/drawing/2014/main" xmlns="" val="1151473981"/>
+                      <a16:colId xmlns="" xmlns:a16="http://schemas.microsoft.com/office/drawing/2014/main" val="1151473981"/>
                     </a:ext>
                   </a:extLst>
                 </a:gridCol>
@@ -17084,7 +17084,7 @@
                 </a:tc>
                 <a:extLst>
                   <a:ext uri="{0D108BD9-81ED-4DB2-BD59-A6C34878D82A}">
-                    <a16:rowId xmlns:a16="http://schemas.microsoft.com/office/drawing/2014/main" xmlns="" val="3586328922"/>
+                    <a16:rowId xmlns="" xmlns:a16="http://schemas.microsoft.com/office/drawing/2014/main" val="3586328922"/>
                   </a:ext>
                 </a:extLst>
               </a:tr>
@@ -17097,7 +17097,7 @@
           <p:cNvPr id="12" name="TextBox 11">
             <a:extLst>
               <a:ext uri="{FF2B5EF4-FFF2-40B4-BE49-F238E27FC236}">
-                <a16:creationId xmlns:a16="http://schemas.microsoft.com/office/drawing/2014/main" xmlns="" id="{6982598B-0F90-43BF-8041-C0670891FD9C}"/>
+                <a16:creationId xmlns="" xmlns:a16="http://schemas.microsoft.com/office/drawing/2014/main" id="{6982598B-0F90-43BF-8041-C0670891FD9C}"/>
               </a:ext>
             </a:extLst>
           </p:cNvPr>
@@ -17139,7 +17139,7 @@
           <p:cNvPr id="13" name="직사각형 12">
             <a:extLst>
               <a:ext uri="{FF2B5EF4-FFF2-40B4-BE49-F238E27FC236}">
-                <a16:creationId xmlns:a16="http://schemas.microsoft.com/office/drawing/2014/main" xmlns="" id="{FD8B48AC-50DB-47B5-B781-011301C247EC}"/>
+                <a16:creationId xmlns="" xmlns:a16="http://schemas.microsoft.com/office/drawing/2014/main" id="{FD8B48AC-50DB-47B5-B781-011301C247EC}"/>
               </a:ext>
             </a:extLst>
           </p:cNvPr>
@@ -17193,7 +17193,7 @@
           <p:cNvPr id="14" name="TextBox 13">
             <a:extLst>
               <a:ext uri="{FF2B5EF4-FFF2-40B4-BE49-F238E27FC236}">
-                <a16:creationId xmlns:a16="http://schemas.microsoft.com/office/drawing/2014/main" xmlns="" id="{AA55FE6F-EF39-47EC-A338-5CE12D7D789F}"/>
+                <a16:creationId xmlns="" xmlns:a16="http://schemas.microsoft.com/office/drawing/2014/main" id="{AA55FE6F-EF39-47EC-A338-5CE12D7D789F}"/>
               </a:ext>
             </a:extLst>
           </p:cNvPr>
@@ -17235,7 +17235,7 @@
           <p:cNvPr id="15" name="직선 연결선 14">
             <a:extLst>
               <a:ext uri="{FF2B5EF4-FFF2-40B4-BE49-F238E27FC236}">
-                <a16:creationId xmlns:a16="http://schemas.microsoft.com/office/drawing/2014/main" xmlns="" id="{B9B9FDE7-162F-479C-B640-8583F20B5A3C}"/>
+                <a16:creationId xmlns="" xmlns:a16="http://schemas.microsoft.com/office/drawing/2014/main" id="{B9B9FDE7-162F-479C-B640-8583F20B5A3C}"/>
               </a:ext>
             </a:extLst>
           </p:cNvPr>
@@ -17276,7 +17276,7 @@
           <p:cNvPr id="16" name="TextBox 15">
             <a:extLst>
               <a:ext uri="{FF2B5EF4-FFF2-40B4-BE49-F238E27FC236}">
-                <a16:creationId xmlns:a16="http://schemas.microsoft.com/office/drawing/2014/main" xmlns="" id="{DF303BD1-B1BF-49D5-9A36-AA863C5C6479}"/>
+                <a16:creationId xmlns="" xmlns:a16="http://schemas.microsoft.com/office/drawing/2014/main" id="{DF303BD1-B1BF-49D5-9A36-AA863C5C6479}"/>
               </a:ext>
             </a:extLst>
           </p:cNvPr>
@@ -17318,7 +17318,7 @@
           <p:cNvPr id="17" name="그림 16">
             <a:extLst>
               <a:ext uri="{FF2B5EF4-FFF2-40B4-BE49-F238E27FC236}">
-                <a16:creationId xmlns:a16="http://schemas.microsoft.com/office/drawing/2014/main" xmlns="" id="{FA7FCACD-BFC1-46AC-928C-F22A5651E7CF}"/>
+                <a16:creationId xmlns="" xmlns:a16="http://schemas.microsoft.com/office/drawing/2014/main" id="{FA7FCACD-BFC1-46AC-928C-F22A5651E7CF}"/>
               </a:ext>
             </a:extLst>
           </p:cNvPr>
@@ -17354,7 +17354,7 @@
           <p:cNvPr id="18" name="TextBox 17">
             <a:extLst>
               <a:ext uri="{FF2B5EF4-FFF2-40B4-BE49-F238E27FC236}">
-                <a16:creationId xmlns:a16="http://schemas.microsoft.com/office/drawing/2014/main" xmlns="" id="{BD37D3A9-8FE7-4070-BDD5-DE3FFDDDADB4}"/>
+                <a16:creationId xmlns="" xmlns:a16="http://schemas.microsoft.com/office/drawing/2014/main" id="{BD37D3A9-8FE7-4070-BDD5-DE3FFDDDADB4}"/>
               </a:ext>
             </a:extLst>
           </p:cNvPr>
@@ -17392,7 +17392,7 @@
           <p:cNvPr id="19" name="그룹 18">
             <a:extLst>
               <a:ext uri="{FF2B5EF4-FFF2-40B4-BE49-F238E27FC236}">
-                <a16:creationId xmlns:a16="http://schemas.microsoft.com/office/drawing/2014/main" xmlns="" id="{956BB17D-6FD1-4715-92AF-3FDCFBCCA6B0}"/>
+                <a16:creationId xmlns="" xmlns:a16="http://schemas.microsoft.com/office/drawing/2014/main" id="{956BB17D-6FD1-4715-92AF-3FDCFBCCA6B0}"/>
               </a:ext>
             </a:extLst>
           </p:cNvPr>
@@ -17412,7 +17412,7 @@
             <p:cNvPr id="20" name="직사각형 19">
               <a:extLst>
                 <a:ext uri="{FF2B5EF4-FFF2-40B4-BE49-F238E27FC236}">
-                  <a16:creationId xmlns:a16="http://schemas.microsoft.com/office/drawing/2014/main" xmlns="" id="{0B9B7BD8-8CCF-47B5-B908-60FB3D4D00DB}"/>
+                  <a16:creationId xmlns="" xmlns:a16="http://schemas.microsoft.com/office/drawing/2014/main" id="{0B9B7BD8-8CCF-47B5-B908-60FB3D4D00DB}"/>
                 </a:ext>
               </a:extLst>
             </p:cNvPr>
@@ -17466,7 +17466,7 @@
             <p:cNvPr id="21" name="TextBox 20">
               <a:extLst>
                 <a:ext uri="{FF2B5EF4-FFF2-40B4-BE49-F238E27FC236}">
-                  <a16:creationId xmlns:a16="http://schemas.microsoft.com/office/drawing/2014/main" xmlns="" id="{34E915B8-92AF-4304-A2E6-743618AC7534}"/>
+                  <a16:creationId xmlns="" xmlns:a16="http://schemas.microsoft.com/office/drawing/2014/main" id="{34E915B8-92AF-4304-A2E6-743618AC7534}"/>
                 </a:ext>
               </a:extLst>
             </p:cNvPr>
@@ -17535,7 +17535,7 @@
           <p:cNvPr id="4" name="직사각형 3">
             <a:extLst>
               <a:ext uri="{FF2B5EF4-FFF2-40B4-BE49-F238E27FC236}">
-                <a16:creationId xmlns:a16="http://schemas.microsoft.com/office/drawing/2014/main" xmlns="" id="{294C750B-3019-4009-BAB0-2E54CD077885}"/>
+                <a16:creationId xmlns="" xmlns:a16="http://schemas.microsoft.com/office/drawing/2014/main" id="{294C750B-3019-4009-BAB0-2E54CD077885}"/>
               </a:ext>
             </a:extLst>
           </p:cNvPr>
@@ -17585,7 +17585,7 @@
           <p:cNvPr id="8" name="그룹 7">
             <a:extLst>
               <a:ext uri="{FF2B5EF4-FFF2-40B4-BE49-F238E27FC236}">
-                <a16:creationId xmlns:a16="http://schemas.microsoft.com/office/drawing/2014/main" xmlns="" id="{07E512A4-CA06-49D4-8DFE-426D00388F3B}"/>
+                <a16:creationId xmlns="" xmlns:a16="http://schemas.microsoft.com/office/drawing/2014/main" id="{07E512A4-CA06-49D4-8DFE-426D00388F3B}"/>
               </a:ext>
             </a:extLst>
           </p:cNvPr>
@@ -17605,7 +17605,7 @@
             <p:cNvPr id="9" name="직사각형 8">
               <a:extLst>
                 <a:ext uri="{FF2B5EF4-FFF2-40B4-BE49-F238E27FC236}">
-                  <a16:creationId xmlns:a16="http://schemas.microsoft.com/office/drawing/2014/main" xmlns="" id="{A8B66274-30C9-4A31-AE78-2FEB283B4C74}"/>
+                  <a16:creationId xmlns="" xmlns:a16="http://schemas.microsoft.com/office/drawing/2014/main" id="{A8B66274-30C9-4A31-AE78-2FEB283B4C74}"/>
                 </a:ext>
               </a:extLst>
             </p:cNvPr>
@@ -17659,7 +17659,7 @@
             <p:cNvPr id="10" name="TextBox 9">
               <a:extLst>
                 <a:ext uri="{FF2B5EF4-FFF2-40B4-BE49-F238E27FC236}">
-                  <a16:creationId xmlns:a16="http://schemas.microsoft.com/office/drawing/2014/main" xmlns="" id="{39974D9E-3287-4CB3-88C1-C8F66A8A085F}"/>
+                  <a16:creationId xmlns="" xmlns:a16="http://schemas.microsoft.com/office/drawing/2014/main" id="{39974D9E-3287-4CB3-88C1-C8F66A8A085F}"/>
                 </a:ext>
               </a:extLst>
             </p:cNvPr>
@@ -17698,7 +17698,7 @@
           <p:cNvPr id="11" name="사각형: 둥근 모서리 10">
             <a:extLst>
               <a:ext uri="{FF2B5EF4-FFF2-40B4-BE49-F238E27FC236}">
-                <a16:creationId xmlns:a16="http://schemas.microsoft.com/office/drawing/2014/main" xmlns="" id="{4A0617E0-BDF9-4492-B06C-13DF08B6CC80}"/>
+                <a16:creationId xmlns="" xmlns:a16="http://schemas.microsoft.com/office/drawing/2014/main" id="{4A0617E0-BDF9-4492-B06C-13DF08B6CC80}"/>
               </a:ext>
             </a:extLst>
           </p:cNvPr>
@@ -17751,7 +17751,7 @@
           <p:cNvPr id="25" name="그룹 24">
             <a:extLst>
               <a:ext uri="{FF2B5EF4-FFF2-40B4-BE49-F238E27FC236}">
-                <a16:creationId xmlns:a16="http://schemas.microsoft.com/office/drawing/2014/main" xmlns="" id="{FF075232-9E3D-4967-A9E1-26ADBD0FB10D}"/>
+                <a16:creationId xmlns="" xmlns:a16="http://schemas.microsoft.com/office/drawing/2014/main" id="{FF075232-9E3D-4967-A9E1-26ADBD0FB10D}"/>
               </a:ext>
             </a:extLst>
           </p:cNvPr>
@@ -17771,7 +17771,7 @@
             <p:cNvPr id="23" name="그룹 22">
               <a:extLst>
                 <a:ext uri="{FF2B5EF4-FFF2-40B4-BE49-F238E27FC236}">
-                  <a16:creationId xmlns:a16="http://schemas.microsoft.com/office/drawing/2014/main" xmlns="" id="{693A8219-69BB-49A4-8D37-786F60F361B2}"/>
+                  <a16:creationId xmlns="" xmlns:a16="http://schemas.microsoft.com/office/drawing/2014/main" id="{693A8219-69BB-49A4-8D37-786F60F361B2}"/>
                 </a:ext>
               </a:extLst>
             </p:cNvPr>
@@ -17791,7 +17791,7 @@
               <p:cNvPr id="13" name="타원 12">
                 <a:extLst>
                   <a:ext uri="{FF2B5EF4-FFF2-40B4-BE49-F238E27FC236}">
-                    <a16:creationId xmlns:a16="http://schemas.microsoft.com/office/drawing/2014/main" xmlns="" id="{AB14F9E7-A0E6-4FF4-A47E-4E17B75347E8}"/>
+                    <a16:creationId xmlns="" xmlns:a16="http://schemas.microsoft.com/office/drawing/2014/main" id="{AB14F9E7-A0E6-4FF4-A47E-4E17B75347E8}"/>
                   </a:ext>
                 </a:extLst>
               </p:cNvPr>
@@ -17841,7 +17841,7 @@
               <p:cNvPr id="16" name="TextBox 15">
                 <a:extLst>
                   <a:ext uri="{FF2B5EF4-FFF2-40B4-BE49-F238E27FC236}">
-                    <a16:creationId xmlns:a16="http://schemas.microsoft.com/office/drawing/2014/main" xmlns="" id="{008E79F5-CBED-449F-8779-8948667093AC}"/>
+                    <a16:creationId xmlns="" xmlns:a16="http://schemas.microsoft.com/office/drawing/2014/main" id="{008E79F5-CBED-449F-8779-8948667093AC}"/>
                   </a:ext>
                 </a:extLst>
               </p:cNvPr>
@@ -17884,7 +17884,7 @@
             <p:cNvPr id="24" name="그룹 23">
               <a:extLst>
                 <a:ext uri="{FF2B5EF4-FFF2-40B4-BE49-F238E27FC236}">
-                  <a16:creationId xmlns:a16="http://schemas.microsoft.com/office/drawing/2014/main" xmlns="" id="{403023AA-9F92-4926-966A-B83172C22E8F}"/>
+                  <a16:creationId xmlns="" xmlns:a16="http://schemas.microsoft.com/office/drawing/2014/main" id="{403023AA-9F92-4926-966A-B83172C22E8F}"/>
                 </a:ext>
               </a:extLst>
             </p:cNvPr>
@@ -17904,7 +17904,7 @@
               <p:cNvPr id="22" name="그룹 21">
                 <a:extLst>
                   <a:ext uri="{FF2B5EF4-FFF2-40B4-BE49-F238E27FC236}">
-                    <a16:creationId xmlns:a16="http://schemas.microsoft.com/office/drawing/2014/main" xmlns="" id="{43F74260-779C-4134-8BF8-471FA6EDCF16}"/>
+                    <a16:creationId xmlns="" xmlns:a16="http://schemas.microsoft.com/office/drawing/2014/main" id="{43F74260-779C-4134-8BF8-471FA6EDCF16}"/>
                   </a:ext>
                 </a:extLst>
               </p:cNvPr>
@@ -17924,7 +17924,7 @@
                 <p:cNvPr id="3" name="타원 2">
                   <a:extLst>
                     <a:ext uri="{FF2B5EF4-FFF2-40B4-BE49-F238E27FC236}">
-                      <a16:creationId xmlns:a16="http://schemas.microsoft.com/office/drawing/2014/main" xmlns="" id="{FAA2216F-707E-48D7-B5D7-B6C73560983D}"/>
+                      <a16:creationId xmlns="" xmlns:a16="http://schemas.microsoft.com/office/drawing/2014/main" id="{FAA2216F-707E-48D7-B5D7-B6C73560983D}"/>
                     </a:ext>
                   </a:extLst>
                 </p:cNvPr>
@@ -17974,7 +17974,7 @@
                 <p:cNvPr id="17" name="TextBox 16">
                   <a:extLst>
                     <a:ext uri="{FF2B5EF4-FFF2-40B4-BE49-F238E27FC236}">
-                      <a16:creationId xmlns:a16="http://schemas.microsoft.com/office/drawing/2014/main" xmlns="" id="{6931E201-3159-453B-B4F8-180AD6EC0841}"/>
+                      <a16:creationId xmlns="" xmlns:a16="http://schemas.microsoft.com/office/drawing/2014/main" id="{6931E201-3159-453B-B4F8-180AD6EC0841}"/>
                     </a:ext>
                   </a:extLst>
                 </p:cNvPr>
@@ -18017,7 +18017,7 @@
               <p:cNvPr id="18" name="화살표: 아래쪽 17">
                 <a:extLst>
                   <a:ext uri="{FF2B5EF4-FFF2-40B4-BE49-F238E27FC236}">
-                    <a16:creationId xmlns:a16="http://schemas.microsoft.com/office/drawing/2014/main" xmlns="" id="{11B9C161-AE57-418A-BF02-F125F58E7944}"/>
+                    <a16:creationId xmlns="" xmlns:a16="http://schemas.microsoft.com/office/drawing/2014/main" id="{11B9C161-AE57-418A-BF02-F125F58E7944}"/>
                   </a:ext>
                 </a:extLst>
               </p:cNvPr>
@@ -18076,7 +18076,7 @@
             <p:cNvPr id="19" name="화살표: 아래쪽 18">
               <a:extLst>
                 <a:ext uri="{FF2B5EF4-FFF2-40B4-BE49-F238E27FC236}">
-                  <a16:creationId xmlns:a16="http://schemas.microsoft.com/office/drawing/2014/main" xmlns="" id="{0E15D57F-6524-4156-B006-463A72FBD08F}"/>
+                  <a16:creationId xmlns="" xmlns:a16="http://schemas.microsoft.com/office/drawing/2014/main" id="{0E15D57F-6524-4156-B006-463A72FBD08F}"/>
                 </a:ext>
               </a:extLst>
             </p:cNvPr>
@@ -18134,7 +18134,7 @@
             <p:cNvPr id="20" name="화살표: 아래쪽 19">
               <a:extLst>
                 <a:ext uri="{FF2B5EF4-FFF2-40B4-BE49-F238E27FC236}">
-                  <a16:creationId xmlns:a16="http://schemas.microsoft.com/office/drawing/2014/main" xmlns="" id="{6635C45C-949C-4E8E-BFDE-267255969F20}"/>
+                  <a16:creationId xmlns="" xmlns:a16="http://schemas.microsoft.com/office/drawing/2014/main" id="{6635C45C-949C-4E8E-BFDE-267255969F20}"/>
                 </a:ext>
               </a:extLst>
             </p:cNvPr>
@@ -18193,7 +18193,7 @@
           <p:cNvPr id="27" name="TextBox 26">
             <a:extLst>
               <a:ext uri="{FF2B5EF4-FFF2-40B4-BE49-F238E27FC236}">
-                <a16:creationId xmlns:a16="http://schemas.microsoft.com/office/drawing/2014/main" xmlns="" id="{3EB63D6D-30C2-41A8-8C4E-E98068529FF3}"/>
+                <a16:creationId xmlns="" xmlns:a16="http://schemas.microsoft.com/office/drawing/2014/main" id="{3EB63D6D-30C2-41A8-8C4E-E98068529FF3}"/>
               </a:ext>
             </a:extLst>
           </p:cNvPr>
@@ -18376,7 +18376,7 @@
           <p:cNvPr id="29" name="타원 28">
             <a:extLst>
               <a:ext uri="{FF2B5EF4-FFF2-40B4-BE49-F238E27FC236}">
-                <a16:creationId xmlns:a16="http://schemas.microsoft.com/office/drawing/2014/main" xmlns="" id="{821F0E1E-DFD1-4E75-A45C-6A70F84AEAF8}"/>
+                <a16:creationId xmlns="" xmlns:a16="http://schemas.microsoft.com/office/drawing/2014/main" id="{821F0E1E-DFD1-4E75-A45C-6A70F84AEAF8}"/>
               </a:ext>
             </a:extLst>
           </p:cNvPr>
@@ -18426,7 +18426,7 @@
           <p:cNvPr id="30" name="TextBox 29">
             <a:extLst>
               <a:ext uri="{FF2B5EF4-FFF2-40B4-BE49-F238E27FC236}">
-                <a16:creationId xmlns:a16="http://schemas.microsoft.com/office/drawing/2014/main" xmlns="" id="{8805027C-6531-4374-94EF-EA1905886CF1}"/>
+                <a16:creationId xmlns="" xmlns:a16="http://schemas.microsoft.com/office/drawing/2014/main" id="{8805027C-6531-4374-94EF-EA1905886CF1}"/>
               </a:ext>
             </a:extLst>
           </p:cNvPr>
@@ -18468,7 +18468,7 @@
           <p:cNvPr id="31" name="TextBox 30">
             <a:extLst>
               <a:ext uri="{FF2B5EF4-FFF2-40B4-BE49-F238E27FC236}">
-                <a16:creationId xmlns:a16="http://schemas.microsoft.com/office/drawing/2014/main" xmlns="" id="{6D200FC6-72AA-4410-A2B8-2A67A0D2A134}"/>
+                <a16:creationId xmlns="" xmlns:a16="http://schemas.microsoft.com/office/drawing/2014/main" id="{6D200FC6-72AA-4410-A2B8-2A67A0D2A134}"/>
               </a:ext>
             </a:extLst>
           </p:cNvPr>
@@ -18477,7 +18477,7 @@
         </p:nvSpPr>
         <p:spPr>
           <a:xfrm>
-            <a:off x="8059942" y="1903609"/>
+            <a:off x="7468636" y="3031820"/>
             <a:ext cx="1262972" cy="384721"/>
           </a:xfrm>
           <a:prstGeom prst="rect">
@@ -18500,6 +18500,122 @@
                 <a:ea typeface="a옛날사진관5" panose="02020600000000000000" pitchFamily="18" charset="-127"/>
               </a:rPr>
               <a:t>wordList</a:t>
+            </a:r>
+            <a:endParaRPr lang="ko-KR" altLang="en-US" sz="1900" dirty="0">
+              <a:solidFill>
+                <a:srgbClr val="FF3300"/>
+              </a:solidFill>
+              <a:latin typeface="a옛날사진관5" panose="02020600000000000000" pitchFamily="18" charset="-127"/>
+              <a:ea typeface="a옛날사진관5" panose="02020600000000000000" pitchFamily="18" charset="-127"/>
+            </a:endParaRPr>
+          </a:p>
+        </p:txBody>
+      </p:sp>
+      <p:sp>
+        <p:nvSpPr>
+          <p:cNvPr id="26" name="화살표: 아래쪽 15">
+            <a:extLst>
+              <a:ext uri="{FF2B5EF4-FFF2-40B4-BE49-F238E27FC236}">
+                <a16:creationId xmlns="" xmlns:a16="http://schemas.microsoft.com/office/drawing/2014/main" id="{9B5D48D6-FAF2-4EBE-89B5-19CF067D31D7}"/>
+              </a:ext>
+            </a:extLst>
+          </p:cNvPr>
+          <p:cNvSpPr/>
+          <p:nvPr/>
+        </p:nvSpPr>
+        <p:spPr>
+          <a:xfrm rot="7445283">
+            <a:off x="8304546" y="1992122"/>
+            <a:ext cx="401527" cy="706772"/>
+          </a:xfrm>
+          <a:prstGeom prst="downArrow">
+            <a:avLst/>
+          </a:prstGeom>
+          <a:solidFill>
+            <a:schemeClr val="accent1">
+              <a:lumMod val="75000"/>
+            </a:schemeClr>
+          </a:solidFill>
+          <a:ln>
+            <a:solidFill>
+              <a:schemeClr val="accent1">
+                <a:lumMod val="75000"/>
+              </a:schemeClr>
+            </a:solidFill>
+          </a:ln>
+        </p:spPr>
+        <p:style>
+          <a:lnRef idx="2">
+            <a:schemeClr val="accent1">
+              <a:shade val="50000"/>
+            </a:schemeClr>
+          </a:lnRef>
+          <a:fillRef idx="1">
+            <a:schemeClr val="accent1"/>
+          </a:fillRef>
+          <a:effectRef idx="0">
+            <a:schemeClr val="accent1"/>
+          </a:effectRef>
+          <a:fontRef idx="minor">
+            <a:schemeClr val="lt1"/>
+          </a:fontRef>
+        </p:style>
+        <p:txBody>
+          <a:bodyPr rtlCol="0" anchor="ctr"/>
+          <a:lstStyle/>
+          <a:p>
+            <a:pPr algn="ctr"/>
+            <a:endParaRPr lang="ko-KR" altLang="en-US" dirty="0"/>
+          </a:p>
+        </p:txBody>
+      </p:sp>
+      <p:sp>
+        <p:nvSpPr>
+          <p:cNvPr id="28" name="TextBox 27">
+            <a:extLst>
+              <a:ext uri="{FF2B5EF4-FFF2-40B4-BE49-F238E27FC236}">
+                <a16:creationId xmlns="" xmlns:a16="http://schemas.microsoft.com/office/drawing/2014/main" id="{6D200FC6-72AA-4410-A2B8-2A67A0D2A134}"/>
+              </a:ext>
+            </a:extLst>
+          </p:cNvPr>
+          <p:cNvSpPr txBox="1"/>
+          <p:nvPr/>
+        </p:nvSpPr>
+        <p:spPr>
+          <a:xfrm>
+            <a:off x="8369845" y="1638829"/>
+            <a:ext cx="1262972" cy="384721"/>
+          </a:xfrm>
+          <a:prstGeom prst="rect">
+            <a:avLst/>
+          </a:prstGeom>
+          <a:noFill/>
+        </p:spPr>
+        <p:txBody>
+          <a:bodyPr wrap="square" rtlCol="0">
+            <a:spAutoFit/>
+          </a:bodyPr>
+          <a:lstStyle/>
+          <a:p>
+            <a:r>
+              <a:rPr lang="en-US" altLang="ko-KR" sz="1900" dirty="0" smtClean="0">
+                <a:solidFill>
+                  <a:srgbClr val="FF3300"/>
+                </a:solidFill>
+                <a:latin typeface="a옛날사진관5" panose="02020600000000000000" pitchFamily="18" charset="-127"/>
+                <a:ea typeface="a옛날사진관5" panose="02020600000000000000" pitchFamily="18" charset="-127"/>
+              </a:rPr>
+              <a:t>word.</a:t>
+            </a:r>
+            <a:r>
+              <a:rPr lang="en-US" altLang="ko-KR" sz="1900" dirty="0" smtClean="0">
+                <a:solidFill>
+                  <a:srgbClr val="FF3300"/>
+                </a:solidFill>
+                <a:latin typeface="a옛날사진관5" panose="02020600000000000000" pitchFamily="18" charset="-127"/>
+                <a:ea typeface="a옛날사진관5" panose="02020600000000000000" pitchFamily="18" charset="-127"/>
+              </a:rPr>
+              <a:t>txt</a:t>
             </a:r>
             <a:endParaRPr lang="ko-KR" altLang="en-US" sz="1900" dirty="0">
               <a:solidFill>
@@ -18546,7 +18662,7 @@
           <p:cNvPr id="4" name="직사각형 3">
             <a:extLst>
               <a:ext uri="{FF2B5EF4-FFF2-40B4-BE49-F238E27FC236}">
-                <a16:creationId xmlns:a16="http://schemas.microsoft.com/office/drawing/2014/main" xmlns="" id="{294C750B-3019-4009-BAB0-2E54CD077885}"/>
+                <a16:creationId xmlns="" xmlns:a16="http://schemas.microsoft.com/office/drawing/2014/main" id="{294C750B-3019-4009-BAB0-2E54CD077885}"/>
               </a:ext>
             </a:extLst>
           </p:cNvPr>
@@ -18596,7 +18712,7 @@
           <p:cNvPr id="8" name="그룹 7">
             <a:extLst>
               <a:ext uri="{FF2B5EF4-FFF2-40B4-BE49-F238E27FC236}">
-                <a16:creationId xmlns:a16="http://schemas.microsoft.com/office/drawing/2014/main" xmlns="" id="{07E512A4-CA06-49D4-8DFE-426D00388F3B}"/>
+                <a16:creationId xmlns="" xmlns:a16="http://schemas.microsoft.com/office/drawing/2014/main" id="{07E512A4-CA06-49D4-8DFE-426D00388F3B}"/>
               </a:ext>
             </a:extLst>
           </p:cNvPr>
@@ -18616,7 +18732,7 @@
             <p:cNvPr id="9" name="직사각형 8">
               <a:extLst>
                 <a:ext uri="{FF2B5EF4-FFF2-40B4-BE49-F238E27FC236}">
-                  <a16:creationId xmlns:a16="http://schemas.microsoft.com/office/drawing/2014/main" xmlns="" id="{A8B66274-30C9-4A31-AE78-2FEB283B4C74}"/>
+                  <a16:creationId xmlns="" xmlns:a16="http://schemas.microsoft.com/office/drawing/2014/main" id="{A8B66274-30C9-4A31-AE78-2FEB283B4C74}"/>
                 </a:ext>
               </a:extLst>
             </p:cNvPr>
@@ -18670,7 +18786,7 @@
             <p:cNvPr id="10" name="TextBox 9">
               <a:extLst>
                 <a:ext uri="{FF2B5EF4-FFF2-40B4-BE49-F238E27FC236}">
-                  <a16:creationId xmlns:a16="http://schemas.microsoft.com/office/drawing/2014/main" xmlns="" id="{39974D9E-3287-4CB3-88C1-C8F66A8A085F}"/>
+                  <a16:creationId xmlns="" xmlns:a16="http://schemas.microsoft.com/office/drawing/2014/main" id="{39974D9E-3287-4CB3-88C1-C8F66A8A085F}"/>
                 </a:ext>
               </a:extLst>
             </p:cNvPr>
@@ -18709,7 +18825,7 @@
           <p:cNvPr id="23" name="사각형: 둥근 모서리 22">
             <a:extLst>
               <a:ext uri="{FF2B5EF4-FFF2-40B4-BE49-F238E27FC236}">
-                <a16:creationId xmlns:a16="http://schemas.microsoft.com/office/drawing/2014/main" xmlns="" id="{9F8976D4-5EBC-4AAC-AAD9-53AD83F10180}"/>
+                <a16:creationId xmlns="" xmlns:a16="http://schemas.microsoft.com/office/drawing/2014/main" id="{9F8976D4-5EBC-4AAC-AAD9-53AD83F10180}"/>
               </a:ext>
             </a:extLst>
           </p:cNvPr>
@@ -18762,7 +18878,7 @@
           <p:cNvPr id="6" name="그룹 5">
             <a:extLst>
               <a:ext uri="{FF2B5EF4-FFF2-40B4-BE49-F238E27FC236}">
-                <a16:creationId xmlns:a16="http://schemas.microsoft.com/office/drawing/2014/main" xmlns="" id="{02294748-7D21-4A07-810A-0AABFE80EA79}"/>
+                <a16:creationId xmlns="" xmlns:a16="http://schemas.microsoft.com/office/drawing/2014/main" id="{02294748-7D21-4A07-810A-0AABFE80EA79}"/>
               </a:ext>
             </a:extLst>
           </p:cNvPr>
@@ -18782,7 +18898,7 @@
             <p:cNvPr id="7" name="그룹 6">
               <a:extLst>
                 <a:ext uri="{FF2B5EF4-FFF2-40B4-BE49-F238E27FC236}">
-                  <a16:creationId xmlns:a16="http://schemas.microsoft.com/office/drawing/2014/main" xmlns="" id="{E40F3D9C-239F-4302-8CDD-8ED80F54841B}"/>
+                  <a16:creationId xmlns="" xmlns:a16="http://schemas.microsoft.com/office/drawing/2014/main" id="{E40F3D9C-239F-4302-8CDD-8ED80F54841B}"/>
                 </a:ext>
               </a:extLst>
             </p:cNvPr>
@@ -18802,7 +18918,7 @@
               <p:cNvPr id="21" name="타원 20">
                 <a:extLst>
                   <a:ext uri="{FF2B5EF4-FFF2-40B4-BE49-F238E27FC236}">
-                    <a16:creationId xmlns:a16="http://schemas.microsoft.com/office/drawing/2014/main" xmlns="" id="{3948DA32-7988-4093-83B1-F2536B4CC673}"/>
+                    <a16:creationId xmlns="" xmlns:a16="http://schemas.microsoft.com/office/drawing/2014/main" id="{3948DA32-7988-4093-83B1-F2536B4CC673}"/>
                   </a:ext>
                 </a:extLst>
               </p:cNvPr>
@@ -18852,7 +18968,7 @@
               <p:cNvPr id="22" name="TextBox 21">
                 <a:extLst>
                   <a:ext uri="{FF2B5EF4-FFF2-40B4-BE49-F238E27FC236}">
-                    <a16:creationId xmlns:a16="http://schemas.microsoft.com/office/drawing/2014/main" xmlns="" id="{51FFE983-CB81-404B-AFA7-436F6D3AA663}"/>
+                    <a16:creationId xmlns="" xmlns:a16="http://schemas.microsoft.com/office/drawing/2014/main" id="{51FFE983-CB81-404B-AFA7-436F6D3AA663}"/>
                   </a:ext>
                 </a:extLst>
               </p:cNvPr>
@@ -18895,7 +19011,7 @@
             <p:cNvPr id="11" name="그룹 10">
               <a:extLst>
                 <a:ext uri="{FF2B5EF4-FFF2-40B4-BE49-F238E27FC236}">
-                  <a16:creationId xmlns:a16="http://schemas.microsoft.com/office/drawing/2014/main" xmlns="" id="{5BC6A654-EADD-4D31-A195-5F2B3C8D594C}"/>
+                  <a16:creationId xmlns="" xmlns:a16="http://schemas.microsoft.com/office/drawing/2014/main" id="{5BC6A654-EADD-4D31-A195-5F2B3C8D594C}"/>
                 </a:ext>
               </a:extLst>
             </p:cNvPr>
@@ -18915,7 +19031,7 @@
               <p:cNvPr id="14" name="그룹 13">
                 <a:extLst>
                   <a:ext uri="{FF2B5EF4-FFF2-40B4-BE49-F238E27FC236}">
-                    <a16:creationId xmlns:a16="http://schemas.microsoft.com/office/drawing/2014/main" xmlns="" id="{F16E0E63-B4CD-4409-B45D-33D3DD9B5CD0}"/>
+                    <a16:creationId xmlns="" xmlns:a16="http://schemas.microsoft.com/office/drawing/2014/main" id="{F16E0E63-B4CD-4409-B45D-33D3DD9B5CD0}"/>
                   </a:ext>
                 </a:extLst>
               </p:cNvPr>
@@ -18935,7 +19051,7 @@
                 <p:cNvPr id="19" name="타원 18">
                   <a:extLst>
                     <a:ext uri="{FF2B5EF4-FFF2-40B4-BE49-F238E27FC236}">
-                      <a16:creationId xmlns:a16="http://schemas.microsoft.com/office/drawing/2014/main" xmlns="" id="{AD506D23-0560-4CDC-90E2-FB477678791C}"/>
+                      <a16:creationId xmlns="" xmlns:a16="http://schemas.microsoft.com/office/drawing/2014/main" id="{AD506D23-0560-4CDC-90E2-FB477678791C}"/>
                     </a:ext>
                   </a:extLst>
                 </p:cNvPr>
@@ -18985,7 +19101,7 @@
                 <p:cNvPr id="20" name="TextBox 19">
                   <a:extLst>
                     <a:ext uri="{FF2B5EF4-FFF2-40B4-BE49-F238E27FC236}">
-                      <a16:creationId xmlns:a16="http://schemas.microsoft.com/office/drawing/2014/main" xmlns="" id="{37666EB0-2839-4AF2-8EA3-2AE8927688AE}"/>
+                      <a16:creationId xmlns="" xmlns:a16="http://schemas.microsoft.com/office/drawing/2014/main" id="{37666EB0-2839-4AF2-8EA3-2AE8927688AE}"/>
                     </a:ext>
                   </a:extLst>
                 </p:cNvPr>
@@ -19028,7 +19144,7 @@
               <p:cNvPr id="15" name="그룹 14">
                 <a:extLst>
                   <a:ext uri="{FF2B5EF4-FFF2-40B4-BE49-F238E27FC236}">
-                    <a16:creationId xmlns:a16="http://schemas.microsoft.com/office/drawing/2014/main" xmlns="" id="{64E50049-EBAD-4293-BD0F-5CE5515C5E70}"/>
+                    <a16:creationId xmlns="" xmlns:a16="http://schemas.microsoft.com/office/drawing/2014/main" id="{64E50049-EBAD-4293-BD0F-5CE5515C5E70}"/>
                   </a:ext>
                 </a:extLst>
               </p:cNvPr>
@@ -19048,7 +19164,7 @@
                 <p:cNvPr id="17" name="타원 16">
                   <a:extLst>
                     <a:ext uri="{FF2B5EF4-FFF2-40B4-BE49-F238E27FC236}">
-                      <a16:creationId xmlns:a16="http://schemas.microsoft.com/office/drawing/2014/main" xmlns="" id="{9E2D4C9B-BF95-4029-821C-EA5A262015DF}"/>
+                      <a16:creationId xmlns="" xmlns:a16="http://schemas.microsoft.com/office/drawing/2014/main" id="{9E2D4C9B-BF95-4029-821C-EA5A262015DF}"/>
                     </a:ext>
                   </a:extLst>
                 </p:cNvPr>
@@ -19098,7 +19214,7 @@
                 <p:cNvPr id="18" name="TextBox 17">
                   <a:extLst>
                     <a:ext uri="{FF2B5EF4-FFF2-40B4-BE49-F238E27FC236}">
-                      <a16:creationId xmlns:a16="http://schemas.microsoft.com/office/drawing/2014/main" xmlns="" id="{9CEE749B-11A2-4A5B-A097-80CB45D9F38C}"/>
+                      <a16:creationId xmlns="" xmlns:a16="http://schemas.microsoft.com/office/drawing/2014/main" id="{9CEE749B-11A2-4A5B-A097-80CB45D9F38C}"/>
                     </a:ext>
                   </a:extLst>
                 </p:cNvPr>
@@ -19141,7 +19257,7 @@
               <p:cNvPr id="16" name="화살표: 아래쪽 15">
                 <a:extLst>
                   <a:ext uri="{FF2B5EF4-FFF2-40B4-BE49-F238E27FC236}">
-                    <a16:creationId xmlns:a16="http://schemas.microsoft.com/office/drawing/2014/main" xmlns="" id="{9B5D48D6-FAF2-4EBE-89B5-19CF067D31D7}"/>
+                    <a16:creationId xmlns="" xmlns:a16="http://schemas.microsoft.com/office/drawing/2014/main" id="{9B5D48D6-FAF2-4EBE-89B5-19CF067D31D7}"/>
                   </a:ext>
                 </a:extLst>
               </p:cNvPr>
@@ -19201,7 +19317,7 @@
           <p:cNvPr id="24" name="TextBox 23">
             <a:extLst>
               <a:ext uri="{FF2B5EF4-FFF2-40B4-BE49-F238E27FC236}">
-                <a16:creationId xmlns:a16="http://schemas.microsoft.com/office/drawing/2014/main" xmlns="" id="{AE2D02DB-D30D-4051-AEBE-29F87E923B7D}"/>
+                <a16:creationId xmlns="" xmlns:a16="http://schemas.microsoft.com/office/drawing/2014/main" id="{AE2D02DB-D30D-4051-AEBE-29F87E923B7D}"/>
               </a:ext>
             </a:extLst>
           </p:cNvPr>
@@ -19341,7 +19457,7 @@
           <p:cNvPr id="25" name="TextBox 24">
             <a:extLst>
               <a:ext uri="{FF2B5EF4-FFF2-40B4-BE49-F238E27FC236}">
-                <a16:creationId xmlns:a16="http://schemas.microsoft.com/office/drawing/2014/main" xmlns="" id="{CD45180C-18BF-4FEE-9478-3F22F720C63A}"/>
+                <a16:creationId xmlns="" xmlns:a16="http://schemas.microsoft.com/office/drawing/2014/main" id="{CD45180C-18BF-4FEE-9478-3F22F720C63A}"/>
               </a:ext>
             </a:extLst>
           </p:cNvPr>
@@ -19389,7 +19505,7 @@
           <p:cNvPr id="26" name="TextBox 25">
             <a:extLst>
               <a:ext uri="{FF2B5EF4-FFF2-40B4-BE49-F238E27FC236}">
-                <a16:creationId xmlns:a16="http://schemas.microsoft.com/office/drawing/2014/main" xmlns="" id="{DD22B390-3671-4295-88B5-DC6717D0F9C7}"/>
+                <a16:creationId xmlns="" xmlns:a16="http://schemas.microsoft.com/office/drawing/2014/main" id="{DD22B390-3671-4295-88B5-DC6717D0F9C7}"/>
               </a:ext>
             </a:extLst>
           </p:cNvPr>
@@ -19461,7 +19577,7 @@
           <p:cNvPr id="27" name="화살표: 아래쪽 26">
             <a:extLst>
               <a:ext uri="{FF2B5EF4-FFF2-40B4-BE49-F238E27FC236}">
-                <a16:creationId xmlns:a16="http://schemas.microsoft.com/office/drawing/2014/main" xmlns="" id="{90829D5A-706A-49B1-8F55-FEBACE7FE955}"/>
+                <a16:creationId xmlns="" xmlns:a16="http://schemas.microsoft.com/office/drawing/2014/main" id="{90829D5A-706A-49B1-8F55-FEBACE7FE955}"/>
               </a:ext>
             </a:extLst>
           </p:cNvPr>
@@ -19519,7 +19635,7 @@
           <p:cNvPr id="28" name="화살표: 아래쪽 27">
             <a:extLst>
               <a:ext uri="{FF2B5EF4-FFF2-40B4-BE49-F238E27FC236}">
-                <a16:creationId xmlns:a16="http://schemas.microsoft.com/office/drawing/2014/main" xmlns="" id="{A5B50D57-E172-45A7-A16C-7391961EB136}"/>
+                <a16:creationId xmlns="" xmlns:a16="http://schemas.microsoft.com/office/drawing/2014/main" id="{A5B50D57-E172-45A7-A16C-7391961EB136}"/>
               </a:ext>
             </a:extLst>
           </p:cNvPr>
@@ -19529,6 +19645,64 @@
         <p:spPr>
           <a:xfrm rot="3490475">
             <a:off x="8000245" y="3589162"/>
+            <a:ext cx="401527" cy="706772"/>
+          </a:xfrm>
+          <a:prstGeom prst="downArrow">
+            <a:avLst/>
+          </a:prstGeom>
+          <a:solidFill>
+            <a:schemeClr val="accent1">
+              <a:lumMod val="75000"/>
+            </a:schemeClr>
+          </a:solidFill>
+          <a:ln>
+            <a:solidFill>
+              <a:schemeClr val="accent1">
+                <a:lumMod val="75000"/>
+              </a:schemeClr>
+            </a:solidFill>
+          </a:ln>
+        </p:spPr>
+        <p:style>
+          <a:lnRef idx="2">
+            <a:schemeClr val="accent1">
+              <a:shade val="50000"/>
+            </a:schemeClr>
+          </a:lnRef>
+          <a:fillRef idx="1">
+            <a:schemeClr val="accent1"/>
+          </a:fillRef>
+          <a:effectRef idx="0">
+            <a:schemeClr val="accent1"/>
+          </a:effectRef>
+          <a:fontRef idx="minor">
+            <a:schemeClr val="lt1"/>
+          </a:fontRef>
+        </p:style>
+        <p:txBody>
+          <a:bodyPr rtlCol="0" anchor="ctr"/>
+          <a:lstStyle/>
+          <a:p>
+            <a:pPr algn="ctr"/>
+            <a:endParaRPr lang="ko-KR" altLang="en-US" dirty="0"/>
+          </a:p>
+        </p:txBody>
+      </p:sp>
+      <p:sp>
+        <p:nvSpPr>
+          <p:cNvPr id="29" name="화살표: 아래쪽 15">
+            <a:extLst>
+              <a:ext uri="{FF2B5EF4-FFF2-40B4-BE49-F238E27FC236}">
+                <a16:creationId xmlns="" xmlns:a16="http://schemas.microsoft.com/office/drawing/2014/main" id="{9B5D48D6-FAF2-4EBE-89B5-19CF067D31D7}"/>
+              </a:ext>
+            </a:extLst>
+          </p:cNvPr>
+          <p:cNvSpPr/>
+          <p:nvPr/>
+        </p:nvSpPr>
+        <p:spPr>
+          <a:xfrm rot="7445283">
+            <a:off x="8304546" y="1992122"/>
             <a:ext cx="401527" cy="706772"/>
           </a:xfrm>
           <a:prstGeom prst="downArrow">
@@ -19582,6 +19756,13 @@
   <p:clrMapOvr>
     <a:masterClrMapping/>
   </p:clrMapOvr>
+  <p:timing>
+    <p:tnLst>
+      <p:par>
+        <p:cTn id="1" dur="indefinite" restart="never" nodeType="tmRoot"/>
+      </p:par>
+    </p:tnLst>
+  </p:timing>
 </p:sld>
 </file>
 
@@ -19607,7 +19788,7 @@
           <p:cNvPr id="4" name="직사각형 3">
             <a:extLst>
               <a:ext uri="{FF2B5EF4-FFF2-40B4-BE49-F238E27FC236}">
-                <a16:creationId xmlns:a16="http://schemas.microsoft.com/office/drawing/2014/main" xmlns="" id="{294C750B-3019-4009-BAB0-2E54CD077885}"/>
+                <a16:creationId xmlns="" xmlns:a16="http://schemas.microsoft.com/office/drawing/2014/main" id="{294C750B-3019-4009-BAB0-2E54CD077885}"/>
               </a:ext>
             </a:extLst>
           </p:cNvPr>
@@ -19657,7 +19838,7 @@
           <p:cNvPr id="8" name="그룹 7">
             <a:extLst>
               <a:ext uri="{FF2B5EF4-FFF2-40B4-BE49-F238E27FC236}">
-                <a16:creationId xmlns:a16="http://schemas.microsoft.com/office/drawing/2014/main" xmlns="" id="{07E512A4-CA06-49D4-8DFE-426D00388F3B}"/>
+                <a16:creationId xmlns="" xmlns:a16="http://schemas.microsoft.com/office/drawing/2014/main" id="{07E512A4-CA06-49D4-8DFE-426D00388F3B}"/>
               </a:ext>
             </a:extLst>
           </p:cNvPr>
@@ -19677,7 +19858,7 @@
             <p:cNvPr id="9" name="직사각형 8">
               <a:extLst>
                 <a:ext uri="{FF2B5EF4-FFF2-40B4-BE49-F238E27FC236}">
-                  <a16:creationId xmlns:a16="http://schemas.microsoft.com/office/drawing/2014/main" xmlns="" id="{A8B66274-30C9-4A31-AE78-2FEB283B4C74}"/>
+                  <a16:creationId xmlns="" xmlns:a16="http://schemas.microsoft.com/office/drawing/2014/main" id="{A8B66274-30C9-4A31-AE78-2FEB283B4C74}"/>
                 </a:ext>
               </a:extLst>
             </p:cNvPr>
@@ -19731,7 +19912,7 @@
             <p:cNvPr id="10" name="TextBox 9">
               <a:extLst>
                 <a:ext uri="{FF2B5EF4-FFF2-40B4-BE49-F238E27FC236}">
-                  <a16:creationId xmlns:a16="http://schemas.microsoft.com/office/drawing/2014/main" xmlns="" id="{39974D9E-3287-4CB3-88C1-C8F66A8A085F}"/>
+                  <a16:creationId xmlns="" xmlns:a16="http://schemas.microsoft.com/office/drawing/2014/main" id="{39974D9E-3287-4CB3-88C1-C8F66A8A085F}"/>
                 </a:ext>
               </a:extLst>
             </p:cNvPr>
@@ -19770,7 +19951,7 @@
           <p:cNvPr id="37" name="사각형: 둥근 모서리 36">
             <a:extLst>
               <a:ext uri="{FF2B5EF4-FFF2-40B4-BE49-F238E27FC236}">
-                <a16:creationId xmlns:a16="http://schemas.microsoft.com/office/drawing/2014/main" xmlns="" id="{A6C1CCF8-4891-465D-87A8-A901D0BAD8EA}"/>
+                <a16:creationId xmlns="" xmlns:a16="http://schemas.microsoft.com/office/drawing/2014/main" id="{A6C1CCF8-4891-465D-87A8-A901D0BAD8EA}"/>
               </a:ext>
             </a:extLst>
           </p:cNvPr>
@@ -19823,7 +20004,7 @@
           <p:cNvPr id="23" name="그룹 22">
             <a:extLst>
               <a:ext uri="{FF2B5EF4-FFF2-40B4-BE49-F238E27FC236}">
-                <a16:creationId xmlns:a16="http://schemas.microsoft.com/office/drawing/2014/main" xmlns="" id="{89A2BBE6-1432-4764-B452-95B17D21FE0F}"/>
+                <a16:creationId xmlns="" xmlns:a16="http://schemas.microsoft.com/office/drawing/2014/main" id="{89A2BBE6-1432-4764-B452-95B17D21FE0F}"/>
               </a:ext>
             </a:extLst>
           </p:cNvPr>
@@ -19843,7 +20024,7 @@
             <p:cNvPr id="24" name="그룹 23">
               <a:extLst>
                 <a:ext uri="{FF2B5EF4-FFF2-40B4-BE49-F238E27FC236}">
-                  <a16:creationId xmlns:a16="http://schemas.microsoft.com/office/drawing/2014/main" xmlns="" id="{ED61B6D9-6BE5-4C9F-ACBC-E58DB3638E94}"/>
+                  <a16:creationId xmlns="" xmlns:a16="http://schemas.microsoft.com/office/drawing/2014/main" id="{ED61B6D9-6BE5-4C9F-ACBC-E58DB3638E94}"/>
                 </a:ext>
               </a:extLst>
             </p:cNvPr>
@@ -19863,7 +20044,7 @@
               <p:cNvPr id="35" name="타원 34">
                 <a:extLst>
                   <a:ext uri="{FF2B5EF4-FFF2-40B4-BE49-F238E27FC236}">
-                    <a16:creationId xmlns:a16="http://schemas.microsoft.com/office/drawing/2014/main" xmlns="" id="{4E597163-AD7D-4C53-A7A4-F6930A0BC3FC}"/>
+                    <a16:creationId xmlns="" xmlns:a16="http://schemas.microsoft.com/office/drawing/2014/main" id="{4E597163-AD7D-4C53-A7A4-F6930A0BC3FC}"/>
                   </a:ext>
                 </a:extLst>
               </p:cNvPr>
@@ -19913,7 +20094,7 @@
               <p:cNvPr id="36" name="TextBox 35">
                 <a:extLst>
                   <a:ext uri="{FF2B5EF4-FFF2-40B4-BE49-F238E27FC236}">
-                    <a16:creationId xmlns:a16="http://schemas.microsoft.com/office/drawing/2014/main" xmlns="" id="{F12C09C5-8749-4BB5-A90B-04869A6927A6}"/>
+                    <a16:creationId xmlns="" xmlns:a16="http://schemas.microsoft.com/office/drawing/2014/main" id="{F12C09C5-8749-4BB5-A90B-04869A6927A6}"/>
                   </a:ext>
                 </a:extLst>
               </p:cNvPr>
@@ -19956,7 +20137,7 @@
             <p:cNvPr id="25" name="그룹 24">
               <a:extLst>
                 <a:ext uri="{FF2B5EF4-FFF2-40B4-BE49-F238E27FC236}">
-                  <a16:creationId xmlns:a16="http://schemas.microsoft.com/office/drawing/2014/main" xmlns="" id="{5A98161B-F74D-4FF3-A791-E260CEE9F3E5}"/>
+                  <a16:creationId xmlns="" xmlns:a16="http://schemas.microsoft.com/office/drawing/2014/main" id="{5A98161B-F74D-4FF3-A791-E260CEE9F3E5}"/>
                 </a:ext>
               </a:extLst>
             </p:cNvPr>
@@ -19976,7 +20157,7 @@
               <p:cNvPr id="28" name="그룹 27">
                 <a:extLst>
                   <a:ext uri="{FF2B5EF4-FFF2-40B4-BE49-F238E27FC236}">
-                    <a16:creationId xmlns:a16="http://schemas.microsoft.com/office/drawing/2014/main" xmlns="" id="{71389007-ECC8-4811-9FEC-03D2CB1045F6}"/>
+                    <a16:creationId xmlns="" xmlns:a16="http://schemas.microsoft.com/office/drawing/2014/main" id="{71389007-ECC8-4811-9FEC-03D2CB1045F6}"/>
                   </a:ext>
                 </a:extLst>
               </p:cNvPr>
@@ -19996,7 +20177,7 @@
                 <p:cNvPr id="33" name="타원 32">
                   <a:extLst>
                     <a:ext uri="{FF2B5EF4-FFF2-40B4-BE49-F238E27FC236}">
-                      <a16:creationId xmlns:a16="http://schemas.microsoft.com/office/drawing/2014/main" xmlns="" id="{601EC7A7-31B8-4D29-9AAA-5D619ED40B5D}"/>
+                      <a16:creationId xmlns="" xmlns:a16="http://schemas.microsoft.com/office/drawing/2014/main" id="{601EC7A7-31B8-4D29-9AAA-5D619ED40B5D}"/>
                     </a:ext>
                   </a:extLst>
                 </p:cNvPr>
@@ -20046,7 +20227,7 @@
                 <p:cNvPr id="34" name="TextBox 33">
                   <a:extLst>
                     <a:ext uri="{FF2B5EF4-FFF2-40B4-BE49-F238E27FC236}">
-                      <a16:creationId xmlns:a16="http://schemas.microsoft.com/office/drawing/2014/main" xmlns="" id="{FDF20371-E9C0-44AA-B163-E75962A3D5E0}"/>
+                      <a16:creationId xmlns="" xmlns:a16="http://schemas.microsoft.com/office/drawing/2014/main" id="{FDF20371-E9C0-44AA-B163-E75962A3D5E0}"/>
                     </a:ext>
                   </a:extLst>
                 </p:cNvPr>
@@ -20089,7 +20270,7 @@
               <p:cNvPr id="29" name="그룹 28">
                 <a:extLst>
                   <a:ext uri="{FF2B5EF4-FFF2-40B4-BE49-F238E27FC236}">
-                    <a16:creationId xmlns:a16="http://schemas.microsoft.com/office/drawing/2014/main" xmlns="" id="{96C1475A-0613-4150-A1AE-19299728C87D}"/>
+                    <a16:creationId xmlns="" xmlns:a16="http://schemas.microsoft.com/office/drawing/2014/main" id="{96C1475A-0613-4150-A1AE-19299728C87D}"/>
                   </a:ext>
                 </a:extLst>
               </p:cNvPr>
@@ -20109,7 +20290,7 @@
                 <p:cNvPr id="31" name="타원 30">
                   <a:extLst>
                     <a:ext uri="{FF2B5EF4-FFF2-40B4-BE49-F238E27FC236}">
-                      <a16:creationId xmlns:a16="http://schemas.microsoft.com/office/drawing/2014/main" xmlns="" id="{1E0BDD3D-CE22-46E0-A14D-96319932B510}"/>
+                      <a16:creationId xmlns="" xmlns:a16="http://schemas.microsoft.com/office/drawing/2014/main" id="{1E0BDD3D-CE22-46E0-A14D-96319932B510}"/>
                     </a:ext>
                   </a:extLst>
                 </p:cNvPr>
@@ -20159,7 +20340,7 @@
                 <p:cNvPr id="32" name="TextBox 31">
                   <a:extLst>
                     <a:ext uri="{FF2B5EF4-FFF2-40B4-BE49-F238E27FC236}">
-                      <a16:creationId xmlns:a16="http://schemas.microsoft.com/office/drawing/2014/main" xmlns="" id="{66AEABE0-8AE2-4FB5-AAE0-70091E5572ED}"/>
+                      <a16:creationId xmlns="" xmlns:a16="http://schemas.microsoft.com/office/drawing/2014/main" id="{66AEABE0-8AE2-4FB5-AAE0-70091E5572ED}"/>
                     </a:ext>
                   </a:extLst>
                 </p:cNvPr>
@@ -20202,7 +20383,7 @@
               <p:cNvPr id="30" name="화살표: 아래쪽 29">
                 <a:extLst>
                   <a:ext uri="{FF2B5EF4-FFF2-40B4-BE49-F238E27FC236}">
-                    <a16:creationId xmlns:a16="http://schemas.microsoft.com/office/drawing/2014/main" xmlns="" id="{202F927C-6B16-487C-8110-9DA3BF2E5FC4}"/>
+                    <a16:creationId xmlns="" xmlns:a16="http://schemas.microsoft.com/office/drawing/2014/main" id="{202F927C-6B16-487C-8110-9DA3BF2E5FC4}"/>
                   </a:ext>
                 </a:extLst>
               </p:cNvPr>
@@ -20262,7 +20443,7 @@
           <p:cNvPr id="40" name="TextBox 39">
             <a:extLst>
               <a:ext uri="{FF2B5EF4-FFF2-40B4-BE49-F238E27FC236}">
-                <a16:creationId xmlns:a16="http://schemas.microsoft.com/office/drawing/2014/main" xmlns="" id="{178F25BB-D0D8-4349-8151-737C5502ECC2}"/>
+                <a16:creationId xmlns="" xmlns:a16="http://schemas.microsoft.com/office/drawing/2014/main" id="{178F25BB-D0D8-4349-8151-737C5502ECC2}"/>
               </a:ext>
             </a:extLst>
           </p:cNvPr>
@@ -20878,7 +21059,7 @@
           <p:cNvPr id="41" name="화살표: 아래쪽 40">
             <a:extLst>
               <a:ext uri="{FF2B5EF4-FFF2-40B4-BE49-F238E27FC236}">
-                <a16:creationId xmlns:a16="http://schemas.microsoft.com/office/drawing/2014/main" xmlns="" id="{DA89E9B2-3FF5-4257-A607-2D9457384286}"/>
+                <a16:creationId xmlns="" xmlns:a16="http://schemas.microsoft.com/office/drawing/2014/main" id="{DA89E9B2-3FF5-4257-A607-2D9457384286}"/>
               </a:ext>
             </a:extLst>
           </p:cNvPr>
@@ -20936,7 +21117,7 @@
           <p:cNvPr id="42" name="화살표: 아래쪽 41">
             <a:extLst>
               <a:ext uri="{FF2B5EF4-FFF2-40B4-BE49-F238E27FC236}">
-                <a16:creationId xmlns:a16="http://schemas.microsoft.com/office/drawing/2014/main" xmlns="" id="{75ECEB0F-45AD-4CE3-A2B3-38F4F4758B81}"/>
+                <a16:creationId xmlns="" xmlns:a16="http://schemas.microsoft.com/office/drawing/2014/main" id="{75ECEB0F-45AD-4CE3-A2B3-38F4F4758B81}"/>
               </a:ext>
             </a:extLst>
           </p:cNvPr>
@@ -20946,6 +21127,64 @@
         <p:spPr>
           <a:xfrm rot="3490475">
             <a:off x="3142710" y="3632767"/>
+            <a:ext cx="401527" cy="706772"/>
+          </a:xfrm>
+          <a:prstGeom prst="downArrow">
+            <a:avLst/>
+          </a:prstGeom>
+          <a:solidFill>
+            <a:schemeClr val="accent1">
+              <a:lumMod val="75000"/>
+            </a:schemeClr>
+          </a:solidFill>
+          <a:ln>
+            <a:solidFill>
+              <a:schemeClr val="accent1">
+                <a:lumMod val="75000"/>
+              </a:schemeClr>
+            </a:solidFill>
+          </a:ln>
+        </p:spPr>
+        <p:style>
+          <a:lnRef idx="2">
+            <a:schemeClr val="accent1">
+              <a:shade val="50000"/>
+            </a:schemeClr>
+          </a:lnRef>
+          <a:fillRef idx="1">
+            <a:schemeClr val="accent1"/>
+          </a:fillRef>
+          <a:effectRef idx="0">
+            <a:schemeClr val="accent1"/>
+          </a:effectRef>
+          <a:fontRef idx="minor">
+            <a:schemeClr val="lt1"/>
+          </a:fontRef>
+        </p:style>
+        <p:txBody>
+          <a:bodyPr rtlCol="0" anchor="ctr"/>
+          <a:lstStyle/>
+          <a:p>
+            <a:pPr algn="ctr"/>
+            <a:endParaRPr lang="ko-KR" altLang="en-US" dirty="0"/>
+          </a:p>
+        </p:txBody>
+      </p:sp>
+      <p:sp>
+        <p:nvSpPr>
+          <p:cNvPr id="22" name="화살표: 아래쪽 15">
+            <a:extLst>
+              <a:ext uri="{FF2B5EF4-FFF2-40B4-BE49-F238E27FC236}">
+                <a16:creationId xmlns="" xmlns:a16="http://schemas.microsoft.com/office/drawing/2014/main" id="{9B5D48D6-FAF2-4EBE-89B5-19CF067D31D7}"/>
+              </a:ext>
+            </a:extLst>
+          </p:cNvPr>
+          <p:cNvSpPr/>
+          <p:nvPr/>
+        </p:nvSpPr>
+        <p:spPr>
+          <a:xfrm rot="7445283">
+            <a:off x="3455245" y="1828043"/>
             <a:ext cx="401527" cy="706772"/>
           </a:xfrm>
           <a:prstGeom prst="downArrow">
@@ -20999,6 +21238,13 @@
   <p:clrMapOvr>
     <a:masterClrMapping/>
   </p:clrMapOvr>
+  <p:timing>
+    <p:tnLst>
+      <p:par>
+        <p:cTn id="1" dur="indefinite" restart="never" nodeType="tmRoot"/>
+      </p:par>
+    </p:tnLst>
+  </p:timing>
 </p:sld>
 </file>
 
@@ -21024,7 +21270,7 @@
           <p:cNvPr id="4" name="직사각형 3">
             <a:extLst>
               <a:ext uri="{FF2B5EF4-FFF2-40B4-BE49-F238E27FC236}">
-                <a16:creationId xmlns:a16="http://schemas.microsoft.com/office/drawing/2014/main" xmlns="" id="{294C750B-3019-4009-BAB0-2E54CD077885}"/>
+                <a16:creationId xmlns="" xmlns:a16="http://schemas.microsoft.com/office/drawing/2014/main" id="{294C750B-3019-4009-BAB0-2E54CD077885}"/>
               </a:ext>
             </a:extLst>
           </p:cNvPr>
@@ -21074,7 +21320,7 @@
           <p:cNvPr id="8" name="그룹 7">
             <a:extLst>
               <a:ext uri="{FF2B5EF4-FFF2-40B4-BE49-F238E27FC236}">
-                <a16:creationId xmlns:a16="http://schemas.microsoft.com/office/drawing/2014/main" xmlns="" id="{07E512A4-CA06-49D4-8DFE-426D00388F3B}"/>
+                <a16:creationId xmlns="" xmlns:a16="http://schemas.microsoft.com/office/drawing/2014/main" id="{07E512A4-CA06-49D4-8DFE-426D00388F3B}"/>
               </a:ext>
             </a:extLst>
           </p:cNvPr>
@@ -21094,7 +21340,7 @@
             <p:cNvPr id="9" name="직사각형 8">
               <a:extLst>
                 <a:ext uri="{FF2B5EF4-FFF2-40B4-BE49-F238E27FC236}">
-                  <a16:creationId xmlns:a16="http://schemas.microsoft.com/office/drawing/2014/main" xmlns="" id="{A8B66274-30C9-4A31-AE78-2FEB283B4C74}"/>
+                  <a16:creationId xmlns="" xmlns:a16="http://schemas.microsoft.com/office/drawing/2014/main" id="{A8B66274-30C9-4A31-AE78-2FEB283B4C74}"/>
                 </a:ext>
               </a:extLst>
             </p:cNvPr>
@@ -21148,7 +21394,7 @@
             <p:cNvPr id="10" name="TextBox 9">
               <a:extLst>
                 <a:ext uri="{FF2B5EF4-FFF2-40B4-BE49-F238E27FC236}">
-                  <a16:creationId xmlns:a16="http://schemas.microsoft.com/office/drawing/2014/main" xmlns="" id="{39974D9E-3287-4CB3-88C1-C8F66A8A085F}"/>
+                  <a16:creationId xmlns="" xmlns:a16="http://schemas.microsoft.com/office/drawing/2014/main" id="{39974D9E-3287-4CB3-88C1-C8F66A8A085F}"/>
                 </a:ext>
               </a:extLst>
             </p:cNvPr>
@@ -21187,7 +21433,7 @@
           <p:cNvPr id="7" name="표 6">
             <a:extLst>
               <a:ext uri="{FF2B5EF4-FFF2-40B4-BE49-F238E27FC236}">
-                <a16:creationId xmlns:a16="http://schemas.microsoft.com/office/drawing/2014/main" xmlns="" id="{2B57BDF2-3AD7-419D-8DE4-5B5D0BDF67FB}"/>
+                <a16:creationId xmlns="" xmlns:a16="http://schemas.microsoft.com/office/drawing/2014/main" id="{2B57BDF2-3AD7-419D-8DE4-5B5D0BDF67FB}"/>
               </a:ext>
             </a:extLst>
           </p:cNvPr>
@@ -21214,28 +21460,28 @@
                 <a:gridCol w="1640818">
                   <a:extLst>
                     <a:ext uri="{9D8B030D-6E8A-4147-A177-3AD203B41FA5}">
-                      <a16:colId xmlns:a16="http://schemas.microsoft.com/office/drawing/2014/main" xmlns="" val="463989297"/>
+                      <a16:colId xmlns="" xmlns:a16="http://schemas.microsoft.com/office/drawing/2014/main" val="463989297"/>
                     </a:ext>
                   </a:extLst>
                 </a:gridCol>
                 <a:gridCol w="1640818">
                   <a:extLst>
                     <a:ext uri="{9D8B030D-6E8A-4147-A177-3AD203B41FA5}">
-                      <a16:colId xmlns:a16="http://schemas.microsoft.com/office/drawing/2014/main" xmlns="" val="2986710420"/>
+                      <a16:colId xmlns="" xmlns:a16="http://schemas.microsoft.com/office/drawing/2014/main" val="2986710420"/>
                     </a:ext>
                   </a:extLst>
                 </a:gridCol>
                 <a:gridCol w="926482">
                   <a:extLst>
                     <a:ext uri="{9D8B030D-6E8A-4147-A177-3AD203B41FA5}">
-                      <a16:colId xmlns:a16="http://schemas.microsoft.com/office/drawing/2014/main" xmlns="" val="4229937639"/>
+                      <a16:colId xmlns="" xmlns:a16="http://schemas.microsoft.com/office/drawing/2014/main" val="4229937639"/>
                     </a:ext>
                   </a:extLst>
                 </a:gridCol>
                 <a:gridCol w="926482">
                   <a:extLst>
                     <a:ext uri="{9D8B030D-6E8A-4147-A177-3AD203B41FA5}">
-                      <a16:colId xmlns:a16="http://schemas.microsoft.com/office/drawing/2014/main" xmlns="" val="1655793811"/>
+                      <a16:colId xmlns="" xmlns:a16="http://schemas.microsoft.com/office/drawing/2014/main" val="1655793811"/>
                     </a:ext>
                   </a:extLst>
                 </a:gridCol>
@@ -21539,7 +21785,7 @@
                 </a:tc>
                 <a:extLst>
                   <a:ext uri="{0D108BD9-81ED-4DB2-BD59-A6C34878D82A}">
-                    <a16:rowId xmlns:a16="http://schemas.microsoft.com/office/drawing/2014/main" xmlns="" val="1558325455"/>
+                    <a16:rowId xmlns="" xmlns:a16="http://schemas.microsoft.com/office/drawing/2014/main" val="1558325455"/>
                   </a:ext>
                 </a:extLst>
               </a:tr>
@@ -21869,7 +22115,7 @@
                 </a:tc>
                 <a:extLst>
                   <a:ext uri="{0D108BD9-81ED-4DB2-BD59-A6C34878D82A}">
-                    <a16:rowId xmlns:a16="http://schemas.microsoft.com/office/drawing/2014/main" xmlns="" val="2655710132"/>
+                    <a16:rowId xmlns="" xmlns:a16="http://schemas.microsoft.com/office/drawing/2014/main" val="2655710132"/>
                   </a:ext>
                 </a:extLst>
               </a:tr>
@@ -22330,7 +22576,7 @@
                 </a:tc>
                 <a:extLst>
                   <a:ext uri="{0D108BD9-81ED-4DB2-BD59-A6C34878D82A}">
-                    <a16:rowId xmlns:a16="http://schemas.microsoft.com/office/drawing/2014/main" xmlns="" val="652349332"/>
+                    <a16:rowId xmlns="" xmlns:a16="http://schemas.microsoft.com/office/drawing/2014/main" val="652349332"/>
                   </a:ext>
                 </a:extLst>
               </a:tr>
@@ -22552,7 +22798,7 @@
                 </a:tc>
                 <a:extLst>
                   <a:ext uri="{0D108BD9-81ED-4DB2-BD59-A6C34878D82A}">
-                    <a16:rowId xmlns:a16="http://schemas.microsoft.com/office/drawing/2014/main" xmlns="" val="2470215993"/>
+                    <a16:rowId xmlns="" xmlns:a16="http://schemas.microsoft.com/office/drawing/2014/main" val="2470215993"/>
                   </a:ext>
                 </a:extLst>
               </a:tr>
@@ -22774,7 +23020,7 @@
                 </a:tc>
                 <a:extLst>
                   <a:ext uri="{0D108BD9-81ED-4DB2-BD59-A6C34878D82A}">
-                    <a16:rowId xmlns:a16="http://schemas.microsoft.com/office/drawing/2014/main" xmlns="" val="715158925"/>
+                    <a16:rowId xmlns="" xmlns:a16="http://schemas.microsoft.com/office/drawing/2014/main" val="715158925"/>
                   </a:ext>
                 </a:extLst>
               </a:tr>
@@ -23202,7 +23448,7 @@
                 </a:tc>
                 <a:extLst>
                   <a:ext uri="{0D108BD9-81ED-4DB2-BD59-A6C34878D82A}">
-                    <a16:rowId xmlns:a16="http://schemas.microsoft.com/office/drawing/2014/main" xmlns="" val="2347331310"/>
+                    <a16:rowId xmlns="" xmlns:a16="http://schemas.microsoft.com/office/drawing/2014/main" val="2347331310"/>
                   </a:ext>
                 </a:extLst>
               </a:tr>
@@ -23523,7 +23769,7 @@
                 </a:tc>
                 <a:extLst>
                   <a:ext uri="{0D108BD9-81ED-4DB2-BD59-A6C34878D82A}">
-                    <a16:rowId xmlns:a16="http://schemas.microsoft.com/office/drawing/2014/main" xmlns="" val="383924151"/>
+                    <a16:rowId xmlns="" xmlns:a16="http://schemas.microsoft.com/office/drawing/2014/main" val="383924151"/>
                   </a:ext>
                 </a:extLst>
               </a:tr>
@@ -23789,7 +24035,7 @@
                 </a:tc>
                 <a:extLst>
                   <a:ext uri="{0D108BD9-81ED-4DB2-BD59-A6C34878D82A}">
-                    <a16:rowId xmlns:a16="http://schemas.microsoft.com/office/drawing/2014/main" xmlns="" val="1157750878"/>
+                    <a16:rowId xmlns="" xmlns:a16="http://schemas.microsoft.com/office/drawing/2014/main" val="1157750878"/>
                   </a:ext>
                 </a:extLst>
               </a:tr>
@@ -24080,7 +24326,7 @@
                 </a:tc>
                 <a:extLst>
                   <a:ext uri="{0D108BD9-81ED-4DB2-BD59-A6C34878D82A}">
-                    <a16:rowId xmlns:a16="http://schemas.microsoft.com/office/drawing/2014/main" xmlns="" val="1739847828"/>
+                    <a16:rowId xmlns="" xmlns:a16="http://schemas.microsoft.com/office/drawing/2014/main" val="1739847828"/>
                   </a:ext>
                 </a:extLst>
               </a:tr>
@@ -24411,7 +24657,7 @@
                 </a:tc>
                 <a:extLst>
                   <a:ext uri="{0D108BD9-81ED-4DB2-BD59-A6C34878D82A}">
-                    <a16:rowId xmlns:a16="http://schemas.microsoft.com/office/drawing/2014/main" xmlns="" val="1293466133"/>
+                    <a16:rowId xmlns="" xmlns:a16="http://schemas.microsoft.com/office/drawing/2014/main" val="1293466133"/>
                   </a:ext>
                 </a:extLst>
               </a:tr>
@@ -24424,7 +24670,7 @@
           <p:cNvPr id="13" name="그림 12" descr="텍스트이(가) 표시된 사진&#10;&#10;자동 생성된 설명">
             <a:extLst>
               <a:ext uri="{FF2B5EF4-FFF2-40B4-BE49-F238E27FC236}">
-                <a16:creationId xmlns:a16="http://schemas.microsoft.com/office/drawing/2014/main" xmlns="" id="{EEB7CDE5-D2E3-4CA1-B56C-6B430F910747}"/>
+                <a16:creationId xmlns="" xmlns:a16="http://schemas.microsoft.com/office/drawing/2014/main" id="{EEB7CDE5-D2E3-4CA1-B56C-6B430F910747}"/>
               </a:ext>
             </a:extLst>
           </p:cNvPr>
@@ -24465,7 +24711,7 @@
           <p:cNvPr id="15" name="직선 화살표 연결선 14">
             <a:extLst>
               <a:ext uri="{FF2B5EF4-FFF2-40B4-BE49-F238E27FC236}">
-                <a16:creationId xmlns:a16="http://schemas.microsoft.com/office/drawing/2014/main" xmlns="" id="{641CB158-094A-4D45-90BA-6350B995BB01}"/>
+                <a16:creationId xmlns="" xmlns:a16="http://schemas.microsoft.com/office/drawing/2014/main" id="{641CB158-094A-4D45-90BA-6350B995BB01}"/>
               </a:ext>
             </a:extLst>
           </p:cNvPr>
@@ -24509,6 +24755,13 @@
   <p:clrMapOvr>
     <a:masterClrMapping/>
   </p:clrMapOvr>
+  <p:timing>
+    <p:tnLst>
+      <p:par>
+        <p:cTn id="1" dur="indefinite" restart="never" nodeType="tmRoot"/>
+      </p:par>
+    </p:tnLst>
+  </p:timing>
 </p:sld>
 </file>
 
@@ -24801,7 +25054,7 @@
   <a:extraClrSchemeLst/>
   <a:extLst>
     <a:ext uri="{05A4C25C-085E-4340-85A3-A5531E510DB2}">
-      <thm15:themeFamily xmlns:thm15="http://schemas.microsoft.com/office/thememl/2012/main" xmlns="" name="Office Theme" id="{62F939B6-93AF-4DB8-9C6B-D6C7DFDC589F}" vid="{4A3C46E8-61CC-4603-A589-7422A47A8E4A}"/>
+      <thm15:themeFamily xmlns="" xmlns:thm15="http://schemas.microsoft.com/office/thememl/2012/main" name="Office Theme" id="{62F939B6-93AF-4DB8-9C6B-D6C7DFDC589F}" vid="{4A3C46E8-61CC-4603-A589-7422A47A8E4A}"/>
     </a:ext>
   </a:extLst>
 </a:theme>
